--- a/Poster/Poster_Abschluss.pptx
+++ b/Poster/Poster_Abschluss.pptx
@@ -656,7 +656,7 @@
         <p:nvSpPr>
           <p:cNvPr id="3076" name="Rectangle 4"/>
           <p:cNvSpPr>
-            <a:spLocks noRot="1" noChangeArrowheads="1" noTextEdit="1"/>
+            <a:spLocks noGrp="1" noRot="1" noChangeAspect="1" noChangeArrowheads="1" noTextEdit="1"/>
           </p:cNvSpPr>
           <p:nvPr>
             <p:ph type="sldImg" idx="2"/>
@@ -1240,7 +1240,7 @@
         <p:nvSpPr>
           <p:cNvPr id="4099" name="Rectangle 2"/>
           <p:cNvSpPr>
-            <a:spLocks noRot="1" noChangeArrowheads="1" noTextEdit="1"/>
+            <a:spLocks noGrp="1" noRot="1" noChangeAspect="1" noChangeArrowheads="1" noTextEdit="1"/>
           </p:cNvSpPr>
           <p:nvPr>
             <p:ph type="sldImg"/>
@@ -3349,7 +3349,7 @@
           <a:graphicData uri="http://schemas.openxmlformats.org/presentationml/2006/ole">
             <mc:AlternateContent xmlns:mc="http://schemas.openxmlformats.org/markup-compatibility/2006">
               <mc:Choice xmlns:v="urn:schemas-microsoft-com:vml" Requires="v">
-                <p:oleObj spid="_x0000_s1034" name="Bilddokument" r:id="rId16" imgW="3232298" imgH="1286540" progId="Imaging.Document">
+                <p:oleObj spid="_x0000_s1037" name="Bilddokument" r:id="rId16" imgW="3232298" imgH="1286540" progId="Imaging.Document">
                   <p:embed/>
                 </p:oleObj>
               </mc:Choice>
@@ -3990,7 +3990,7 @@
         <p:spPr bwMode="auto">
           <a:xfrm>
             <a:off x="6486525" y="3357563"/>
-            <a:ext cx="22209125" cy="2081212"/>
+            <a:ext cx="22209125" cy="1342584"/>
           </a:xfrm>
           <a:prstGeom prst="rect">
             <a:avLst/>
@@ -4157,43 +4157,17 @@
             </a:pPr>
             <a:r>
               <a:rPr lang="de-DE" sz="4000" b="1" dirty="0" smtClean="0"/>
-              <a:t>Hier kommen die Namen der Gruppenmitglieder hin: A. </a:t>
+              <a:t>Fritz Gebhardt, Yannik Rieder, Moritz </a:t>
             </a:r>
             <a:r>
               <a:rPr lang="de-DE" sz="4000" b="1" dirty="0" err="1" smtClean="0"/>
-              <a:t>Author</a:t>
+              <a:t>Schiltenwolf</a:t>
             </a:r>
             <a:r>
               <a:rPr lang="de-DE" sz="4000" b="1" dirty="0" smtClean="0"/>
-              <a:t> , B. </a:t>
-            </a:r>
-            <a:r>
-              <a:rPr lang="de-DE" sz="4000" b="1" dirty="0" err="1" smtClean="0"/>
-              <a:t>Author</a:t>
-            </a:r>
-            <a:r>
-              <a:rPr lang="de-DE" sz="4000" b="1" dirty="0" smtClean="0"/>
-              <a:t>, C. </a:t>
-            </a:r>
-            <a:r>
-              <a:rPr lang="de-DE" sz="4000" b="1" dirty="0" err="1" smtClean="0"/>
-              <a:t>Author</a:t>
-            </a:r>
-            <a:r>
-              <a:rPr lang="de-DE" sz="4000" b="1" dirty="0" smtClean="0"/>
-              <a:t>  </a:t>
-            </a:r>
-          </a:p>
-          <a:p>
-            <a:pPr marL="0" indent="0" algn="r">
-              <a:spcBef>
-                <a:spcPct val="20000"/>
-              </a:spcBef>
-              <a:buFontTx/>
-              <a:buNone/>
-              <a:defRPr/>
-            </a:pPr>
-            <a:endParaRPr lang="de-DE" sz="4000" b="1" dirty="0" smtClean="0"/>
+              <a:t>, Rob Falkenstein</a:t>
+            </a:r>
+            <a:endParaRPr lang="de-DE" sz="4000" b="1" dirty="0"/>
           </a:p>
         </p:txBody>
       </p:sp>
@@ -4212,12 +4186,20 @@
           <a:bodyPr/>
           <a:lstStyle/>
           <a:p>
-            <a:pPr eaLnBrk="1" hangingPunct="1"/>
-            <a:r>
-              <a:rPr lang="de-DE" altLang="de-DE" b="1" smtClean="0"/>
-              <a:t>Hier soll ein Titel stehen, der zum Roboter passt </a:t>
-            </a:r>
-            <a:endParaRPr lang="en-US" altLang="de-DE" b="1" smtClean="0"/>
+            <a:pPr algn="ctr" eaLnBrk="1" hangingPunct="1"/>
+            <a:r>
+              <a:rPr lang="de-DE" altLang="de-DE" b="1" dirty="0" smtClean="0"/>
+              <a:t>Der fühlende Roboter – </a:t>
+            </a:r>
+            <a:r>
+              <a:rPr lang="de-DE" altLang="de-DE" b="1" dirty="0" err="1" smtClean="0"/>
+              <a:t>Psi</a:t>
+            </a:r>
+            <a:r>
+              <a:rPr lang="de-DE" altLang="de-DE" b="1" dirty="0" smtClean="0"/>
+              <a:t> Bot. Er weiß, was ihr wollt!</a:t>
+            </a:r>
+            <a:endParaRPr lang="en-US" altLang="de-DE" b="1" dirty="0" smtClean="0"/>
           </a:p>
         </p:txBody>
       </p:sp>
@@ -4383,16 +4365,21 @@
               <a:buNone/>
             </a:pPr>
             <a:r>
-              <a:rPr lang="en-US" altLang="de-DE" sz="4800" b="1"/>
-              <a:t>Titel</a:t>
-            </a:r>
+              <a:rPr lang="en-US" altLang="de-DE" sz="4800" b="1" dirty="0" smtClean="0"/>
+              <a:t>Die </a:t>
+            </a:r>
+            <a:r>
+              <a:rPr lang="en-US" altLang="de-DE" sz="4800" b="1" dirty="0" err="1" smtClean="0"/>
+              <a:t>Sensoren</a:t>
+            </a:r>
+            <a:endParaRPr lang="en-US" altLang="de-DE" sz="4800" b="1" dirty="0"/>
           </a:p>
           <a:p>
             <a:pPr eaLnBrk="1" hangingPunct="1">
               <a:buFontTx/>
               <a:buNone/>
             </a:pPr>
-            <a:endParaRPr lang="en-US" altLang="de-DE" sz="3600"/>
+            <a:endParaRPr lang="en-US" altLang="de-DE" sz="3600" dirty="0"/>
           </a:p>
           <a:p>
             <a:pPr eaLnBrk="1" hangingPunct="1">
@@ -4400,163 +4387,559 @@
               <a:buNone/>
             </a:pPr>
             <a:r>
-              <a:rPr lang="en-US" altLang="de-DE" sz="3600"/>
-              <a:t>Text/Zeichnungen/Fotos etc</a:t>
-            </a:r>
+              <a:rPr lang="en-US" altLang="de-DE" sz="3600" dirty="0" smtClean="0"/>
+              <a:t>Der </a:t>
+            </a:r>
+            <a:r>
+              <a:rPr lang="en-US" altLang="de-DE" sz="3600" dirty="0" err="1" smtClean="0"/>
+              <a:t>Roboter</a:t>
+            </a:r>
+            <a:r>
+              <a:rPr lang="en-US" altLang="de-DE" sz="3600" dirty="0" smtClean="0"/>
+              <a:t> </a:t>
+            </a:r>
+            <a:r>
+              <a:rPr lang="en-US" altLang="de-DE" sz="3600" dirty="0" err="1" smtClean="0"/>
+              <a:t>benutzt</a:t>
+            </a:r>
+            <a:r>
+              <a:rPr lang="en-US" altLang="de-DE" sz="3600" dirty="0" smtClean="0"/>
+              <a:t> </a:t>
+            </a:r>
+            <a:r>
+              <a:rPr lang="en-US" altLang="de-DE" sz="3600" dirty="0" err="1" smtClean="0"/>
+              <a:t>drei</a:t>
+            </a:r>
+            <a:r>
+              <a:rPr lang="en-US" altLang="de-DE" sz="3600" dirty="0" smtClean="0"/>
+              <a:t> </a:t>
+            </a:r>
+            <a:r>
+              <a:rPr lang="en-US" altLang="de-DE" sz="3600" dirty="0" err="1" smtClean="0"/>
+              <a:t>Sensoren</a:t>
+            </a:r>
+            <a:r>
+              <a:rPr lang="en-US" altLang="de-DE" sz="3600" dirty="0" smtClean="0"/>
+              <a:t> </a:t>
+            </a:r>
+            <a:r>
+              <a:rPr lang="en-US" altLang="de-DE" sz="3600" dirty="0" err="1" smtClean="0"/>
+              <a:t>zur</a:t>
+            </a:r>
+            <a:r>
+              <a:rPr lang="en-US" altLang="de-DE" sz="3600" dirty="0" smtClean="0"/>
+              <a:t> </a:t>
+            </a:r>
+            <a:r>
+              <a:rPr lang="en-US" altLang="de-DE" sz="3600" dirty="0" err="1" smtClean="0"/>
+              <a:t>Orientierung</a:t>
+            </a:r>
+            <a:r>
+              <a:rPr lang="en-US" altLang="de-DE" sz="3600" dirty="0" smtClean="0"/>
+              <a:t>: </a:t>
+            </a:r>
+          </a:p>
+          <a:p>
+            <a:pPr marL="571500" indent="-571500" eaLnBrk="1" hangingPunct="1">
+              <a:buFontTx/>
+              <a:buChar char="-"/>
+            </a:pPr>
+            <a:r>
+              <a:rPr lang="en-US" altLang="de-DE" sz="3600" dirty="0" smtClean="0"/>
+              <a:t>2 </a:t>
+            </a:r>
+            <a:r>
+              <a:rPr lang="en-US" altLang="de-DE" sz="3600" dirty="0" err="1" smtClean="0"/>
+              <a:t>Lichtsensoren</a:t>
+            </a:r>
+            <a:endParaRPr lang="en-US" altLang="de-DE" sz="3600" dirty="0" smtClean="0"/>
+          </a:p>
+          <a:p>
+            <a:pPr marL="571500" indent="-571500" eaLnBrk="1" hangingPunct="1">
+              <a:buFontTx/>
+              <a:buChar char="-"/>
+            </a:pPr>
+            <a:r>
+              <a:rPr lang="en-US" altLang="de-DE" sz="3600" dirty="0" smtClean="0"/>
+              <a:t>1 </a:t>
+            </a:r>
+            <a:r>
+              <a:rPr lang="en-US" altLang="de-DE" sz="3600" dirty="0" err="1" smtClean="0"/>
+              <a:t>Touchsensor</a:t>
+            </a:r>
+            <a:endParaRPr lang="en-US" altLang="de-DE" sz="3600" dirty="0" smtClean="0"/>
+          </a:p>
+          <a:p>
+            <a:pPr eaLnBrk="1" hangingPunct="1">
+              <a:buNone/>
+            </a:pPr>
+            <a:r>
+              <a:rPr lang="en-US" altLang="de-DE" sz="3600" dirty="0" err="1" smtClean="0"/>
+              <a:t>Bei</a:t>
+            </a:r>
+            <a:r>
+              <a:rPr lang="en-US" altLang="de-DE" sz="3600" dirty="0" smtClean="0"/>
+              <a:t> den </a:t>
+            </a:r>
+            <a:r>
+              <a:rPr lang="en-US" altLang="de-DE" sz="3600" dirty="0" err="1" smtClean="0"/>
+              <a:t>Lichtsensoren</a:t>
+            </a:r>
+            <a:r>
+              <a:rPr lang="en-US" altLang="de-DE" sz="3600" dirty="0" smtClean="0"/>
+              <a:t> </a:t>
+            </a:r>
+            <a:r>
+              <a:rPr lang="en-US" altLang="de-DE" sz="3600" dirty="0" err="1" smtClean="0"/>
+              <a:t>ist</a:t>
+            </a:r>
+            <a:r>
+              <a:rPr lang="en-US" altLang="de-DE" sz="3600" dirty="0" smtClean="0"/>
+              <a:t> </a:t>
+            </a:r>
+            <a:r>
+              <a:rPr lang="en-US" altLang="de-DE" sz="3600" dirty="0" err="1" smtClean="0"/>
+              <a:t>es</a:t>
+            </a:r>
+            <a:r>
+              <a:rPr lang="en-US" altLang="de-DE" sz="3600" dirty="0" smtClean="0"/>
+              <a:t> </a:t>
+            </a:r>
+            <a:r>
+              <a:rPr lang="en-US" altLang="de-DE" sz="3600" dirty="0" err="1" smtClean="0"/>
+              <a:t>wichtig</a:t>
+            </a:r>
+            <a:r>
+              <a:rPr lang="en-US" altLang="de-DE" sz="3600" dirty="0" smtClean="0"/>
+              <a:t>, </a:t>
+            </a:r>
+            <a:r>
+              <a:rPr lang="en-US" altLang="de-DE" sz="3600" dirty="0" err="1" smtClean="0"/>
+              <a:t>diese</a:t>
+            </a:r>
+            <a:r>
+              <a:rPr lang="en-US" altLang="de-DE" sz="3600" dirty="0" smtClean="0"/>
+              <a:t> </a:t>
+            </a:r>
+            <a:r>
+              <a:rPr lang="en-US" altLang="de-DE" sz="3600" dirty="0" err="1" smtClean="0"/>
+              <a:t>möglichst</a:t>
+            </a:r>
+            <a:r>
+              <a:rPr lang="en-US" altLang="de-DE" sz="3600" dirty="0" smtClean="0"/>
+              <a:t> </a:t>
+            </a:r>
+            <a:r>
+              <a:rPr lang="en-US" altLang="de-DE" sz="3600" dirty="0" err="1" smtClean="0"/>
+              <a:t>stabil</a:t>
+            </a:r>
+            <a:r>
+              <a:rPr lang="en-US" altLang="de-DE" sz="3600" dirty="0" smtClean="0"/>
+              <a:t> und </a:t>
+            </a:r>
+            <a:r>
+              <a:rPr lang="en-US" altLang="de-DE" sz="3600" dirty="0" err="1" smtClean="0"/>
+              <a:t>symmetrisch</a:t>
+            </a:r>
+            <a:r>
+              <a:rPr lang="en-US" altLang="de-DE" sz="3600" dirty="0" smtClean="0"/>
+              <a:t> </a:t>
+            </a:r>
+            <a:r>
+              <a:rPr lang="en-US" altLang="de-DE" sz="3600" dirty="0" err="1" smtClean="0"/>
+              <a:t>anzubringen</a:t>
+            </a:r>
+            <a:r>
+              <a:rPr lang="en-US" altLang="de-DE" sz="3600" dirty="0" smtClean="0"/>
+              <a:t>, um </a:t>
+            </a:r>
+            <a:r>
+              <a:rPr lang="en-US" altLang="de-DE" sz="3600" dirty="0" err="1" smtClean="0"/>
+              <a:t>einen</a:t>
+            </a:r>
+            <a:r>
+              <a:rPr lang="en-US" altLang="de-DE" sz="3600" dirty="0" smtClean="0"/>
+              <a:t> </a:t>
+            </a:r>
+            <a:r>
+              <a:rPr lang="en-US" altLang="de-DE" sz="3600" dirty="0" err="1" smtClean="0"/>
+              <a:t>eindeutigen</a:t>
+            </a:r>
+            <a:r>
+              <a:rPr lang="en-US" altLang="de-DE" sz="3600" dirty="0" smtClean="0"/>
+              <a:t> </a:t>
+            </a:r>
+            <a:r>
+              <a:rPr lang="en-US" altLang="de-DE" sz="3600" dirty="0" err="1" smtClean="0"/>
+              <a:t>Schwellenwert</a:t>
+            </a:r>
+            <a:r>
+              <a:rPr lang="en-US" altLang="de-DE" sz="3600" dirty="0" smtClean="0"/>
+              <a:t> </a:t>
+            </a:r>
+            <a:r>
+              <a:rPr lang="en-US" altLang="de-DE" sz="3600" dirty="0" err="1" smtClean="0"/>
+              <a:t>einstellen</a:t>
+            </a:r>
+            <a:r>
+              <a:rPr lang="en-US" altLang="de-DE" sz="3600" dirty="0" smtClean="0"/>
+              <a:t> </a:t>
+            </a:r>
+            <a:r>
+              <a:rPr lang="en-US" altLang="de-DE" sz="3600" dirty="0" err="1" smtClean="0"/>
+              <a:t>zu</a:t>
+            </a:r>
+            <a:r>
+              <a:rPr lang="en-US" altLang="de-DE" sz="3600" dirty="0" smtClean="0"/>
+              <a:t> </a:t>
+            </a:r>
+            <a:r>
+              <a:rPr lang="en-US" altLang="de-DE" sz="3600" dirty="0" err="1" smtClean="0"/>
+              <a:t>können</a:t>
+            </a:r>
+            <a:r>
+              <a:rPr lang="en-US" altLang="de-DE" sz="3600" dirty="0" smtClean="0"/>
+              <a:t>.</a:t>
+            </a:r>
+          </a:p>
+          <a:p>
+            <a:pPr eaLnBrk="1" hangingPunct="1">
+              <a:buNone/>
+            </a:pPr>
+            <a:endParaRPr lang="en-US" altLang="de-DE" sz="3600" dirty="0"/>
+          </a:p>
+          <a:p>
+            <a:pPr eaLnBrk="1" hangingPunct="1">
+              <a:buNone/>
+            </a:pPr>
+            <a:r>
+              <a:rPr lang="en-US" altLang="de-DE" sz="3600" dirty="0" smtClean="0"/>
+              <a:t>Der </a:t>
+            </a:r>
+            <a:r>
+              <a:rPr lang="en-US" altLang="de-DE" sz="3600" dirty="0" err="1" smtClean="0"/>
+              <a:t>Touchsensor</a:t>
+            </a:r>
+            <a:r>
+              <a:rPr lang="en-US" altLang="de-DE" sz="3600" dirty="0" smtClean="0"/>
+              <a:t> </a:t>
+            </a:r>
+            <a:r>
+              <a:rPr lang="en-US" altLang="de-DE" sz="3600" dirty="0" err="1" smtClean="0"/>
+              <a:t>ist</a:t>
+            </a:r>
+            <a:r>
+              <a:rPr lang="en-US" altLang="de-DE" sz="3600" dirty="0" smtClean="0"/>
+              <a:t> </a:t>
+            </a:r>
+            <a:r>
+              <a:rPr lang="en-US" altLang="de-DE" sz="3600" dirty="0" err="1" smtClean="0"/>
+              <a:t>asymmetrisch</a:t>
+            </a:r>
+            <a:r>
+              <a:rPr lang="en-US" altLang="de-DE" sz="3600" dirty="0" smtClean="0"/>
+              <a:t> </a:t>
+            </a:r>
+            <a:r>
+              <a:rPr lang="en-US" altLang="de-DE" sz="3600" dirty="0" err="1" smtClean="0"/>
+              <a:t>verbaut</a:t>
+            </a:r>
+            <a:r>
+              <a:rPr lang="en-US" altLang="de-DE" sz="3600" dirty="0" smtClean="0"/>
+              <a:t>, da </a:t>
+            </a:r>
+            <a:r>
+              <a:rPr lang="en-US" altLang="de-DE" sz="3600" dirty="0" err="1" smtClean="0"/>
+              <a:t>es</a:t>
+            </a:r>
+            <a:r>
+              <a:rPr lang="en-US" altLang="de-DE" sz="3600" dirty="0" smtClean="0"/>
+              <a:t> </a:t>
+            </a:r>
+            <a:r>
+              <a:rPr lang="en-US" altLang="de-DE" sz="3600" dirty="0" err="1" smtClean="0"/>
+              <a:t>keine</a:t>
+            </a:r>
+            <a:r>
+              <a:rPr lang="en-US" altLang="de-DE" sz="3600" dirty="0" smtClean="0"/>
+              <a:t> </a:t>
+            </a:r>
+            <a:r>
+              <a:rPr lang="en-US" altLang="de-DE" sz="3600" dirty="0" err="1" smtClean="0"/>
+              <a:t>andere</a:t>
+            </a:r>
+            <a:r>
+              <a:rPr lang="en-US" altLang="de-DE" sz="3600" dirty="0" smtClean="0"/>
+              <a:t> </a:t>
+            </a:r>
+            <a:r>
+              <a:rPr lang="en-US" altLang="de-DE" sz="3600" dirty="0" err="1" smtClean="0"/>
+              <a:t>Möglichkeit</a:t>
+            </a:r>
+            <a:r>
+              <a:rPr lang="en-US" altLang="de-DE" sz="3600" dirty="0" smtClean="0"/>
+              <a:t> gab, den Motor </a:t>
+            </a:r>
+            <a:r>
+              <a:rPr lang="en-US" altLang="de-DE" sz="3600" dirty="0" err="1" smtClean="0"/>
+              <a:t>für</a:t>
+            </a:r>
+            <a:r>
+              <a:rPr lang="en-US" altLang="de-DE" sz="3600" dirty="0" smtClean="0"/>
+              <a:t> den </a:t>
+            </a:r>
+            <a:r>
+              <a:rPr lang="en-US" altLang="de-DE" sz="3600" dirty="0" err="1" smtClean="0"/>
+              <a:t>Greifarm</a:t>
+            </a:r>
+            <a:r>
+              <a:rPr lang="en-US" altLang="de-DE" sz="3600" dirty="0" smtClean="0"/>
+              <a:t>  </a:t>
+            </a:r>
+            <a:r>
+              <a:rPr lang="en-US" altLang="de-DE" sz="3600" dirty="0" err="1" smtClean="0"/>
+              <a:t>ohne</a:t>
+            </a:r>
+            <a:r>
+              <a:rPr lang="en-US" altLang="de-DE" sz="3600" dirty="0" smtClean="0"/>
+              <a:t> </a:t>
+            </a:r>
+            <a:r>
+              <a:rPr lang="en-US" altLang="de-DE" sz="3600" dirty="0" err="1" smtClean="0"/>
+              <a:t>Raum</a:t>
+            </a:r>
+            <a:r>
+              <a:rPr lang="en-US" altLang="de-DE" sz="3600" dirty="0" err="1" smtClean="0"/>
+              <a:t>verlust</a:t>
+            </a:r>
+            <a:r>
+              <a:rPr lang="en-US" altLang="de-DE" sz="3600" dirty="0" smtClean="0"/>
+              <a:t> </a:t>
+            </a:r>
+            <a:r>
+              <a:rPr lang="en-US" altLang="de-DE" sz="3600" dirty="0" err="1" smtClean="0"/>
+              <a:t>anzubringen</a:t>
+            </a:r>
+            <a:r>
+              <a:rPr lang="en-US" altLang="de-DE" sz="3600" dirty="0" smtClean="0"/>
+              <a:t>. </a:t>
+            </a:r>
+            <a:r>
+              <a:rPr lang="en-US" altLang="de-DE" sz="3600" dirty="0" err="1" smtClean="0"/>
+              <a:t>Für</a:t>
+            </a:r>
+            <a:r>
+              <a:rPr lang="en-US" altLang="de-DE" sz="3600" dirty="0" smtClean="0"/>
+              <a:t> die </a:t>
+            </a:r>
+            <a:r>
+              <a:rPr lang="en-US" altLang="de-DE" sz="3600" dirty="0" err="1" smtClean="0"/>
+              <a:t>vorhandene</a:t>
+            </a:r>
+            <a:r>
+              <a:rPr lang="en-US" altLang="de-DE" sz="3600" dirty="0" smtClean="0"/>
+              <a:t> </a:t>
+            </a:r>
+            <a:r>
+              <a:rPr lang="en-US" altLang="de-DE" sz="3600" dirty="0" err="1" smtClean="0"/>
+              <a:t>Aufgabenstellung</a:t>
+            </a:r>
+            <a:r>
+              <a:rPr lang="en-US" altLang="de-DE" sz="3600" dirty="0" smtClean="0"/>
+              <a:t> </a:t>
+            </a:r>
+            <a:r>
+              <a:rPr lang="en-US" altLang="de-DE" sz="3600" dirty="0" err="1" smtClean="0"/>
+              <a:t>genügt</a:t>
+            </a:r>
+            <a:r>
+              <a:rPr lang="en-US" altLang="de-DE" sz="3600" dirty="0" smtClean="0"/>
+              <a:t> dies </a:t>
+            </a:r>
+            <a:r>
+              <a:rPr lang="en-US" altLang="de-DE" sz="3600" dirty="0" err="1" smtClean="0"/>
+              <a:t>aber</a:t>
+            </a:r>
+            <a:r>
+              <a:rPr lang="en-US" altLang="de-DE" sz="3600" dirty="0" smtClean="0"/>
+              <a:t>. </a:t>
+            </a:r>
+            <a:endParaRPr lang="en-US" altLang="de-DE" sz="3600" dirty="0"/>
           </a:p>
           <a:p>
             <a:pPr eaLnBrk="1" hangingPunct="1">
               <a:buFontTx/>
               <a:buNone/>
             </a:pPr>
-            <a:endParaRPr lang="en-US" altLang="de-DE" sz="3600"/>
+            <a:endParaRPr lang="en-US" altLang="de-DE" sz="3600" dirty="0"/>
           </a:p>
           <a:p>
             <a:pPr eaLnBrk="1" hangingPunct="1">
               <a:buFontTx/>
               <a:buNone/>
             </a:pPr>
-            <a:endParaRPr lang="en-US" altLang="de-DE" sz="3600"/>
+            <a:endParaRPr lang="en-US" altLang="de-DE" sz="3600" dirty="0"/>
           </a:p>
           <a:p>
             <a:pPr eaLnBrk="1" hangingPunct="1">
               <a:buFontTx/>
               <a:buNone/>
             </a:pPr>
-            <a:endParaRPr lang="en-US" altLang="de-DE" sz="3600"/>
+            <a:endParaRPr lang="en-US" altLang="de-DE" sz="3600" dirty="0"/>
           </a:p>
           <a:p>
             <a:pPr eaLnBrk="1" hangingPunct="1">
               <a:buFontTx/>
               <a:buNone/>
             </a:pPr>
-            <a:endParaRPr lang="en-US" altLang="de-DE" sz="3600"/>
+            <a:endParaRPr lang="en-US" altLang="de-DE" sz="3600" dirty="0"/>
           </a:p>
           <a:p>
             <a:pPr eaLnBrk="1" hangingPunct="1">
               <a:buFontTx/>
               <a:buNone/>
             </a:pPr>
-            <a:endParaRPr lang="en-US" altLang="de-DE" sz="3600"/>
+            <a:endParaRPr lang="en-US" altLang="de-DE" sz="3600" dirty="0"/>
           </a:p>
           <a:p>
             <a:pPr eaLnBrk="1" hangingPunct="1">
               <a:buFontTx/>
               <a:buNone/>
             </a:pPr>
-            <a:endParaRPr lang="en-US" altLang="de-DE" sz="3600"/>
+            <a:endParaRPr lang="en-US" altLang="de-DE" sz="3600" dirty="0"/>
           </a:p>
           <a:p>
             <a:pPr eaLnBrk="1" hangingPunct="1">
               <a:buFontTx/>
               <a:buNone/>
             </a:pPr>
-            <a:endParaRPr lang="en-US" altLang="de-DE" sz="3600"/>
+            <a:endParaRPr lang="en-US" altLang="de-DE" sz="3600" dirty="0"/>
           </a:p>
           <a:p>
             <a:pPr eaLnBrk="1" hangingPunct="1">
               <a:buFontTx/>
               <a:buNone/>
             </a:pPr>
-            <a:endParaRPr lang="en-US" altLang="de-DE" sz="3600"/>
+            <a:endParaRPr lang="en-US" altLang="de-DE" sz="3600" dirty="0"/>
           </a:p>
           <a:p>
             <a:pPr eaLnBrk="1" hangingPunct="1">
               <a:buFontTx/>
               <a:buNone/>
             </a:pPr>
-            <a:endParaRPr lang="en-US" altLang="de-DE" sz="3600"/>
+            <a:endParaRPr lang="en-US" altLang="de-DE" sz="3600" dirty="0"/>
           </a:p>
           <a:p>
             <a:pPr eaLnBrk="1" hangingPunct="1">
               <a:buFontTx/>
               <a:buNone/>
             </a:pPr>
-            <a:endParaRPr lang="en-US" altLang="de-DE" sz="3600"/>
+            <a:endParaRPr lang="en-US" altLang="de-DE" sz="3600" dirty="0"/>
           </a:p>
           <a:p>
             <a:pPr eaLnBrk="1" hangingPunct="1">
               <a:buFontTx/>
               <a:buNone/>
             </a:pPr>
-            <a:endParaRPr lang="en-US" altLang="de-DE" sz="3600"/>
+            <a:endParaRPr lang="en-US" altLang="de-DE" sz="3600" dirty="0"/>
           </a:p>
           <a:p>
             <a:pPr eaLnBrk="1" hangingPunct="1">
               <a:buFontTx/>
               <a:buNone/>
             </a:pPr>
-            <a:endParaRPr lang="en-US" altLang="de-DE" sz="3600"/>
+            <a:endParaRPr lang="en-US" altLang="de-DE" sz="3600" dirty="0"/>
           </a:p>
           <a:p>
             <a:pPr eaLnBrk="1" hangingPunct="1">
               <a:buFontTx/>
               <a:buNone/>
             </a:pPr>
-            <a:endParaRPr lang="en-US" altLang="de-DE" sz="3600"/>
+            <a:endParaRPr lang="en-US" altLang="de-DE" sz="3600" dirty="0"/>
           </a:p>
           <a:p>
             <a:pPr eaLnBrk="1" hangingPunct="1">
               <a:buFontTx/>
               <a:buNone/>
             </a:pPr>
-            <a:endParaRPr lang="en-US" altLang="de-DE" sz="3600"/>
+            <a:endParaRPr lang="en-US" altLang="de-DE" sz="3600" dirty="0"/>
           </a:p>
           <a:p>
             <a:pPr eaLnBrk="1" hangingPunct="1">
               <a:buFontTx/>
               <a:buNone/>
             </a:pPr>
-            <a:endParaRPr lang="en-US" altLang="de-DE" sz="3600"/>
+            <a:endParaRPr lang="en-US" altLang="de-DE" sz="3600" dirty="0"/>
           </a:p>
           <a:p>
             <a:pPr eaLnBrk="1" hangingPunct="1">
               <a:buFontTx/>
               <a:buNone/>
             </a:pPr>
-            <a:endParaRPr lang="en-US" altLang="de-DE" sz="3600"/>
+            <a:endParaRPr lang="en-US" altLang="de-DE" sz="3600" dirty="0"/>
           </a:p>
           <a:p>
             <a:pPr eaLnBrk="1" hangingPunct="1">
               <a:buFontTx/>
               <a:buNone/>
             </a:pPr>
-            <a:endParaRPr lang="en-US" altLang="de-DE" sz="3600"/>
+            <a:endParaRPr lang="en-US" altLang="de-DE" sz="3600" dirty="0"/>
           </a:p>
           <a:p>
             <a:pPr eaLnBrk="1" hangingPunct="1">
               <a:buFontTx/>
               <a:buNone/>
             </a:pPr>
-            <a:endParaRPr lang="en-US" altLang="de-DE" sz="3600"/>
+            <a:endParaRPr lang="en-US" altLang="de-DE" sz="3600" dirty="0"/>
           </a:p>
           <a:p>
             <a:pPr eaLnBrk="1" hangingPunct="1">
               <a:buFontTx/>
               <a:buNone/>
             </a:pPr>
-            <a:endParaRPr lang="en-US" altLang="de-DE" sz="3600"/>
+            <a:endParaRPr lang="en-US" altLang="de-DE" sz="3600" dirty="0"/>
           </a:p>
           <a:p>
             <a:pPr eaLnBrk="1" hangingPunct="1">
               <a:buFontTx/>
               <a:buNone/>
             </a:pPr>
-            <a:endParaRPr lang="en-US" altLang="de-DE" sz="3600"/>
+            <a:endParaRPr lang="en-US" altLang="de-DE" sz="3600" dirty="0"/>
           </a:p>
           <a:p>
             <a:pPr eaLnBrk="1" hangingPunct="1">
               <a:buFontTx/>
               <a:buNone/>
             </a:pPr>
-            <a:endParaRPr lang="en-US" altLang="de-DE" sz="3600"/>
+            <a:endParaRPr lang="en-US" altLang="de-DE" sz="3600" dirty="0"/>
           </a:p>
           <a:p>
             <a:pPr eaLnBrk="1" hangingPunct="1">
               <a:buFontTx/>
               <a:buNone/>
             </a:pPr>
-            <a:endParaRPr lang="en-US" altLang="de-DE" sz="3600"/>
+            <a:r>
+              <a:rPr lang="en-US" altLang="de-DE" sz="3600" dirty="0"/>
+              <a:t/>
+            </a:r>
+            <a:br>
+              <a:rPr lang="en-US" altLang="de-DE" sz="3600" dirty="0"/>
+            </a:br>
+            <a:r>
+              <a:rPr lang="en-US" altLang="de-DE" sz="3600" dirty="0"/>
+              <a:t/>
+            </a:r>
+            <a:br>
+              <a:rPr lang="en-US" altLang="de-DE" sz="3600" dirty="0"/>
+            </a:br>
+            <a:r>
+              <a:rPr lang="en-US" altLang="de-DE" sz="3600" dirty="0"/>
+              <a:t/>
+            </a:r>
+            <a:br>
+              <a:rPr lang="en-US" altLang="de-DE" sz="3600" dirty="0"/>
+            </a:br>
+            <a:endParaRPr lang="en-US" altLang="de-DE" sz="3600" dirty="0"/>
           </a:p>
           <a:p>
             <a:pPr eaLnBrk="1" hangingPunct="1">
@@ -4564,65 +4947,37 @@
               <a:buNone/>
             </a:pPr>
             <a:r>
-              <a:rPr lang="en-US" altLang="de-DE" sz="3600"/>
-              <a:t/>
-            </a:r>
-            <a:br>
-              <a:rPr lang="en-US" altLang="de-DE" sz="3600"/>
-            </a:br>
-            <a:r>
-              <a:rPr lang="en-US" altLang="de-DE" sz="3600"/>
-              <a:t/>
-            </a:r>
-            <a:br>
-              <a:rPr lang="en-US" altLang="de-DE" sz="3600"/>
-            </a:br>
-            <a:r>
-              <a:rPr lang="en-US" altLang="de-DE" sz="3600"/>
-              <a:t/>
-            </a:r>
-            <a:br>
-              <a:rPr lang="en-US" altLang="de-DE" sz="3600"/>
-            </a:br>
-            <a:endParaRPr lang="en-US" altLang="de-DE" sz="3600"/>
+              <a:rPr lang="en-US" altLang="de-DE" sz="3600" dirty="0"/>
+              <a:t>L</a:t>
+            </a:r>
           </a:p>
           <a:p>
             <a:pPr eaLnBrk="1" hangingPunct="1">
               <a:buFontTx/>
               <a:buNone/>
             </a:pPr>
-            <a:r>
-              <a:rPr lang="en-US" altLang="de-DE" sz="3600"/>
-              <a:t>L</a:t>
-            </a:r>
+            <a:endParaRPr lang="en-US" altLang="de-DE" sz="3600" dirty="0"/>
           </a:p>
           <a:p>
             <a:pPr eaLnBrk="1" hangingPunct="1">
               <a:buFontTx/>
               <a:buNone/>
             </a:pPr>
-            <a:endParaRPr lang="en-US" altLang="de-DE" sz="3600"/>
+            <a:endParaRPr lang="en-US" altLang="de-DE" sz="3600" b="1" dirty="0"/>
           </a:p>
           <a:p>
             <a:pPr eaLnBrk="1" hangingPunct="1">
               <a:buFontTx/>
               <a:buNone/>
             </a:pPr>
-            <a:endParaRPr lang="en-US" altLang="de-DE" sz="3600" b="1"/>
+            <a:endParaRPr lang="en-US" altLang="de-DE" sz="3600" b="1" dirty="0"/>
           </a:p>
           <a:p>
             <a:pPr eaLnBrk="1" hangingPunct="1">
               <a:buFontTx/>
               <a:buNone/>
             </a:pPr>
-            <a:endParaRPr lang="en-US" altLang="de-DE" sz="3600" b="1"/>
-          </a:p>
-          <a:p>
-            <a:pPr eaLnBrk="1" hangingPunct="1">
-              <a:buFontTx/>
-              <a:buNone/>
-            </a:pPr>
-            <a:endParaRPr lang="en-US" altLang="de-DE" sz="3600" b="1"/>
+            <a:endParaRPr lang="en-US" altLang="de-DE" sz="3600" b="1" dirty="0"/>
           </a:p>
         </p:txBody>
       </p:sp>
@@ -4639,7 +4994,7 @@
         <p:spPr>
           <a:xfrm>
             <a:off x="1373188" y="6931025"/>
-            <a:ext cx="13254037" cy="9043988"/>
+            <a:ext cx="13254037" cy="9555956"/>
           </a:xfrm>
         </p:spPr>
         <p:txBody>
@@ -4651,7 +5006,15 @@
             </a:pPr>
             <a:r>
               <a:rPr lang="en-US" sz="4800" b="1" dirty="0" err="1" smtClean="0"/>
-              <a:t>Hinweise</a:t>
+              <a:t>Unsere</a:t>
+            </a:r>
+            <a:r>
+              <a:rPr lang="en-US" sz="4800" b="1" dirty="0" smtClean="0"/>
+              <a:t> </a:t>
+            </a:r>
+            <a:r>
+              <a:rPr lang="en-US" sz="4800" b="1" dirty="0" err="1" smtClean="0"/>
+              <a:t>Vorstellung</a:t>
             </a:r>
             <a:endParaRPr lang="en-US" sz="4800" b="1" dirty="0" smtClean="0"/>
           </a:p>
@@ -4660,104 +5023,16 @@
               <a:defRPr/>
             </a:pPr>
             <a:r>
-              <a:rPr lang="en-US" dirty="0" smtClean="0"/>
-              <a:t>Dieses Poster </a:t>
-            </a:r>
-            <a:r>
-              <a:rPr lang="en-US" dirty="0" err="1" smtClean="0"/>
-              <a:t>sollte</a:t>
-            </a:r>
-            <a:r>
-              <a:rPr lang="en-US" dirty="0" smtClean="0"/>
-              <a:t> so </a:t>
-            </a:r>
-            <a:r>
-              <a:rPr lang="en-US" dirty="0" err="1" smtClean="0"/>
-              <a:t>gestaltet</a:t>
-            </a:r>
-            <a:r>
-              <a:rPr lang="en-US" dirty="0" smtClean="0"/>
-              <a:t> </a:t>
-            </a:r>
-            <a:r>
-              <a:rPr lang="en-US" dirty="0" err="1" smtClean="0"/>
-              <a:t>werden</a:t>
-            </a:r>
-            <a:r>
-              <a:rPr lang="en-US" dirty="0" smtClean="0"/>
-              <a:t>, </a:t>
-            </a:r>
-            <a:r>
-              <a:rPr lang="en-US" dirty="0" err="1" smtClean="0"/>
-              <a:t>dass</a:t>
-            </a:r>
-            <a:r>
-              <a:rPr lang="en-US" dirty="0" smtClean="0"/>
-              <a:t> </a:t>
-            </a:r>
-            <a:r>
-              <a:rPr lang="en-US" dirty="0" err="1" smtClean="0"/>
-              <a:t>einem</a:t>
-            </a:r>
-            <a:r>
-              <a:rPr lang="en-US" dirty="0" smtClean="0"/>
-              <a:t> </a:t>
-            </a:r>
-            <a:r>
-              <a:rPr lang="en-US" dirty="0" err="1" smtClean="0"/>
-              <a:t>Außenstehenden</a:t>
-            </a:r>
-            <a:r>
-              <a:rPr lang="en-US" dirty="0" smtClean="0"/>
-              <a:t> </a:t>
-            </a:r>
-            <a:r>
-              <a:rPr lang="en-US" dirty="0" err="1" smtClean="0"/>
-              <a:t>erklärt</a:t>
-            </a:r>
-            <a:r>
-              <a:rPr lang="en-US" dirty="0" smtClean="0"/>
-              <a:t> </a:t>
-            </a:r>
-            <a:r>
-              <a:rPr lang="en-US" dirty="0" err="1" smtClean="0"/>
-              <a:t>wird</a:t>
-            </a:r>
-            <a:r>
-              <a:rPr lang="en-US" dirty="0" smtClean="0"/>
-              <a:t>, was an </a:t>
-            </a:r>
-            <a:r>
-              <a:rPr lang="en-US" dirty="0" err="1" smtClean="0"/>
-              <a:t>diesem</a:t>
-            </a:r>
-            <a:r>
-              <a:rPr lang="en-US" dirty="0" smtClean="0"/>
-              <a:t> </a:t>
-            </a:r>
-            <a:r>
-              <a:rPr lang="en-US" dirty="0" err="1" smtClean="0"/>
-              <a:t>Roboter</a:t>
-            </a:r>
-            <a:r>
-              <a:rPr lang="en-US" dirty="0" smtClean="0"/>
-              <a:t> so gut  und </a:t>
-            </a:r>
-            <a:r>
-              <a:rPr lang="en-US" dirty="0" err="1" smtClean="0"/>
-              <a:t>besonders</a:t>
-            </a:r>
-            <a:r>
-              <a:rPr lang="en-US" dirty="0" smtClean="0"/>
-              <a:t> </a:t>
-            </a:r>
-            <a:r>
-              <a:rPr lang="en-US" dirty="0" err="1" smtClean="0"/>
-              <a:t>ist</a:t>
-            </a:r>
-            <a:r>
-              <a:rPr lang="en-US" dirty="0" smtClean="0"/>
-              <a:t>.</a:t>
+              <a:rPr lang="de-DE" dirty="0" smtClean="0"/>
+              <a:t>Da unser Team nur bedingt aus leistungsfähigen Informatikern und Technischen Fakultätslern besteht, habe n wir unseren Schwerpunkt auf die Gefühlswelt des </a:t>
+            </a:r>
+            <a:r>
+              <a:rPr lang="de-DE" dirty="0" err="1" smtClean="0"/>
+              <a:t>Robos</a:t>
+            </a:r>
+            <a:r>
+              <a:rPr lang="de-DE" dirty="0" smtClean="0"/>
+              <a:t> gelegt. </a:t>
             </a:r>
           </a:p>
           <a:p>
@@ -4765,43 +5040,172 @@
               <a:defRPr/>
             </a:pPr>
             <a:r>
+              <a:rPr lang="en-US" dirty="0" err="1" smtClean="0"/>
+              <a:t>Mit</a:t>
+            </a:r>
+            <a:r>
               <a:rPr lang="en-US" dirty="0" smtClean="0"/>
-              <a:t>Auf das Poster muss:</a:t>
-            </a:r>
-          </a:p>
-          <a:p>
-            <a:pPr marL="571500" indent="-571500" eaLnBrk="1" hangingPunct="1">
-              <a:buFont typeface="Arial" pitchFamily="34" charset="0"/>
-              <a:buChar char="•"/>
-              <a:defRPr/>
-            </a:pPr>
-            <a:r>
-              <a:rPr lang="de-DE" dirty="0" smtClean="0"/>
-              <a:t>das </a:t>
-            </a:r>
-            <a:r>
-              <a:rPr lang="de-DE" dirty="0"/>
-              <a:t>Gesamtkonzept des Roboters und seine Besonderheiten, </a:t>
-            </a:r>
-            <a:endParaRPr lang="de-DE" dirty="0" smtClean="0"/>
-          </a:p>
-          <a:p>
-            <a:pPr marL="571500" indent="-571500" eaLnBrk="1" hangingPunct="1">
-              <a:buFont typeface="Arial" pitchFamily="34" charset="0"/>
-              <a:buChar char="•"/>
-              <a:defRPr/>
-            </a:pPr>
-            <a:r>
-              <a:rPr lang="de-DE" dirty="0" smtClean="0"/>
-              <a:t>die </a:t>
-            </a:r>
-            <a:r>
-              <a:rPr lang="de-DE" dirty="0"/>
-              <a:t>Aufgabenverteilung des </a:t>
-            </a:r>
-            <a:r>
-              <a:rPr lang="de-DE" dirty="0" smtClean="0"/>
-              <a:t>Teams</a:t>
+              <a:t> </a:t>
+            </a:r>
+            <a:r>
+              <a:rPr lang="en-US" dirty="0" err="1" smtClean="0"/>
+              <a:t>seinen</a:t>
+            </a:r>
+            <a:r>
+              <a:rPr lang="en-US" dirty="0" smtClean="0"/>
+              <a:t> </a:t>
+            </a:r>
+            <a:r>
+              <a:rPr lang="en-US" dirty="0" err="1" smtClean="0"/>
+              <a:t>Sensoren</a:t>
+            </a:r>
+            <a:r>
+              <a:rPr lang="en-US" dirty="0" smtClean="0"/>
+              <a:t> </a:t>
+            </a:r>
+            <a:r>
+              <a:rPr lang="en-US" dirty="0" err="1" smtClean="0"/>
+              <a:t>testet</a:t>
+            </a:r>
+            <a:r>
+              <a:rPr lang="en-US" dirty="0" smtClean="0"/>
+              <a:t> </a:t>
+            </a:r>
+            <a:r>
+              <a:rPr lang="en-US" dirty="0" err="1" smtClean="0"/>
+              <a:t>er</a:t>
+            </a:r>
+            <a:r>
+              <a:rPr lang="en-US" dirty="0" smtClean="0"/>
+              <a:t> das </a:t>
+            </a:r>
+            <a:r>
+              <a:rPr lang="en-US" dirty="0" err="1" smtClean="0"/>
+              <a:t>außenstehende</a:t>
+            </a:r>
+            <a:r>
+              <a:rPr lang="en-US" dirty="0" smtClean="0"/>
+              <a:t> Karma. </a:t>
+            </a:r>
+            <a:r>
+              <a:rPr lang="en-US" dirty="0" err="1" smtClean="0"/>
+              <a:t>Ist</a:t>
+            </a:r>
+            <a:r>
+              <a:rPr lang="en-US" dirty="0" smtClean="0"/>
+              <a:t> </a:t>
+            </a:r>
+            <a:r>
+              <a:rPr lang="en-US" dirty="0" err="1" smtClean="0"/>
+              <a:t>es</a:t>
+            </a:r>
+            <a:r>
+              <a:rPr lang="en-US" dirty="0" smtClean="0"/>
+              <a:t> gut, </a:t>
+            </a:r>
+            <a:r>
+              <a:rPr lang="en-US" dirty="0" err="1" smtClean="0"/>
+              <a:t>fährt</a:t>
+            </a:r>
+            <a:r>
+              <a:rPr lang="en-US" dirty="0" smtClean="0"/>
+              <a:t> </a:t>
+            </a:r>
+            <a:r>
+              <a:rPr lang="en-US" dirty="0" err="1" smtClean="0"/>
+              <a:t>er</a:t>
+            </a:r>
+            <a:r>
+              <a:rPr lang="en-US" dirty="0" smtClean="0"/>
+              <a:t> </a:t>
+            </a:r>
+            <a:r>
+              <a:rPr lang="en-US" dirty="0" err="1" smtClean="0"/>
+              <a:t>auch</a:t>
+            </a:r>
+            <a:r>
+              <a:rPr lang="en-US" dirty="0" smtClean="0"/>
+              <a:t> </a:t>
+            </a:r>
+            <a:r>
+              <a:rPr lang="en-US" dirty="0" err="1" smtClean="0"/>
+              <a:t>wie</a:t>
+            </a:r>
+            <a:r>
+              <a:rPr lang="en-US" dirty="0" smtClean="0"/>
+              <a:t> </a:t>
+            </a:r>
+            <a:r>
+              <a:rPr lang="en-US" dirty="0" err="1" smtClean="0"/>
+              <a:t>er</a:t>
+            </a:r>
+            <a:r>
+              <a:rPr lang="en-US" dirty="0" smtClean="0"/>
+              <a:t> </a:t>
+            </a:r>
+            <a:r>
+              <a:rPr lang="en-US" dirty="0" err="1" smtClean="0"/>
+              <a:t>soll</a:t>
+            </a:r>
+            <a:r>
+              <a:rPr lang="en-US" dirty="0" smtClean="0"/>
+              <a:t>; </a:t>
+            </a:r>
+            <a:r>
+              <a:rPr lang="en-US" dirty="0" err="1" smtClean="0"/>
+              <a:t>ist</a:t>
+            </a:r>
+            <a:r>
+              <a:rPr lang="en-US" dirty="0" smtClean="0"/>
+              <a:t> </a:t>
+            </a:r>
+            <a:r>
+              <a:rPr lang="en-US" dirty="0" err="1" smtClean="0"/>
+              <a:t>es</a:t>
+            </a:r>
+            <a:r>
+              <a:rPr lang="en-US" dirty="0" smtClean="0"/>
+              <a:t> </a:t>
+            </a:r>
+            <a:r>
+              <a:rPr lang="en-US" dirty="0" err="1" smtClean="0"/>
+              <a:t>schlecht</a:t>
+            </a:r>
+            <a:r>
+              <a:rPr lang="en-US" dirty="0" smtClean="0"/>
+              <a:t>, </a:t>
+            </a:r>
+            <a:r>
+              <a:rPr lang="en-US" dirty="0" err="1" smtClean="0"/>
+              <a:t>fährt</a:t>
+            </a:r>
+            <a:r>
+              <a:rPr lang="en-US" dirty="0" smtClean="0"/>
+              <a:t> </a:t>
+            </a:r>
+            <a:r>
+              <a:rPr lang="en-US" dirty="0" err="1" smtClean="0"/>
+              <a:t>er</a:t>
+            </a:r>
+            <a:r>
+              <a:rPr lang="en-US" dirty="0" smtClean="0"/>
+              <a:t> </a:t>
+            </a:r>
+            <a:r>
+              <a:rPr lang="en-US" dirty="0" err="1" smtClean="0"/>
+              <a:t>nach</a:t>
+            </a:r>
+            <a:r>
+              <a:rPr lang="en-US" dirty="0" smtClean="0"/>
+              <a:t> </a:t>
+            </a:r>
+            <a:r>
+              <a:rPr lang="en-US" dirty="0" err="1" smtClean="0"/>
+              <a:t>eigenem</a:t>
+            </a:r>
+            <a:r>
+              <a:rPr lang="en-US" dirty="0" smtClean="0"/>
+              <a:t> gusto. </a:t>
             </a:r>
           </a:p>
           <a:p>
@@ -4810,398 +5214,25 @@
             </a:pPr>
             <a:r>
               <a:rPr lang="en-US" dirty="0" smtClean="0"/>
-              <a:t>Das Poster </a:t>
+              <a:t>- Der </a:t>
             </a:r>
             <a:r>
               <a:rPr lang="en-US" dirty="0" err="1" smtClean="0"/>
-              <a:t>sollte</a:t>
+              <a:t>fühlende</a:t>
             </a:r>
             <a:r>
               <a:rPr lang="en-US" dirty="0" smtClean="0"/>
-              <a:t> in </a:t>
+              <a:t> </a:t>
             </a:r>
             <a:r>
               <a:rPr lang="en-US" dirty="0" err="1" smtClean="0"/>
-              <a:t>verschiedenen</a:t>
-            </a:r>
-            <a:r>
-              <a:rPr lang="en-US" dirty="0" smtClean="0"/>
-              <a:t> </a:t>
-            </a:r>
-            <a:r>
-              <a:rPr lang="en-US" dirty="0" err="1" smtClean="0"/>
-              <a:t>Abschnitten</a:t>
-            </a:r>
-            <a:r>
-              <a:rPr lang="en-US" dirty="0" smtClean="0"/>
-              <a:t> </a:t>
-            </a:r>
-            <a:r>
-              <a:rPr lang="en-US" dirty="0" err="1" smtClean="0"/>
-              <a:t>aufgebaut</a:t>
-            </a:r>
-            <a:r>
-              <a:rPr lang="en-US" dirty="0" smtClean="0"/>
-              <a:t> </a:t>
-            </a:r>
-            <a:r>
-              <a:rPr lang="en-US" dirty="0" err="1" smtClean="0"/>
-              <a:t>sein</a:t>
-            </a:r>
-            <a:r>
-              <a:rPr lang="en-US" dirty="0" smtClean="0"/>
-              <a:t> und </a:t>
-            </a:r>
-            <a:r>
-              <a:rPr lang="en-US" dirty="0" err="1" smtClean="0"/>
-              <a:t>für</a:t>
-            </a:r>
-            <a:r>
-              <a:rPr lang="en-US" dirty="0" smtClean="0"/>
-              <a:t> </a:t>
-            </a:r>
-            <a:r>
-              <a:rPr lang="en-US" dirty="0" err="1" smtClean="0"/>
-              <a:t>jeden</a:t>
-            </a:r>
-            <a:r>
-              <a:rPr lang="en-US" dirty="0" smtClean="0"/>
-              <a:t> </a:t>
-            </a:r>
-            <a:r>
-              <a:rPr lang="en-US" dirty="0" err="1" smtClean="0"/>
-              <a:t>Abschnitt</a:t>
-            </a:r>
-            <a:r>
-              <a:rPr lang="en-US" dirty="0" smtClean="0"/>
-              <a:t> </a:t>
-            </a:r>
-            <a:r>
-              <a:rPr lang="en-US" dirty="0" err="1" smtClean="0"/>
-              <a:t>gibt</a:t>
-            </a:r>
-            <a:r>
-              <a:rPr lang="en-US" dirty="0" smtClean="0"/>
-              <a:t> </a:t>
-            </a:r>
-            <a:r>
-              <a:rPr lang="en-US" dirty="0" err="1" smtClean="0"/>
-              <a:t>es</a:t>
-            </a:r>
-            <a:r>
-              <a:rPr lang="en-US" dirty="0" smtClean="0"/>
-              <a:t> </a:t>
-            </a:r>
-            <a:r>
-              <a:rPr lang="en-US" dirty="0" err="1" smtClean="0"/>
-              <a:t>ein</a:t>
-            </a:r>
-            <a:r>
-              <a:rPr lang="en-US" dirty="0" smtClean="0"/>
-              <a:t> </a:t>
-            </a:r>
-            <a:r>
-              <a:rPr lang="en-US" dirty="0" err="1" smtClean="0"/>
-              <a:t>graues</a:t>
-            </a:r>
-            <a:r>
-              <a:rPr lang="en-US" dirty="0" smtClean="0"/>
-              <a:t> </a:t>
-            </a:r>
-            <a:r>
-              <a:rPr lang="en-US" dirty="0" err="1" smtClean="0"/>
-              <a:t>Kästchen</a:t>
+              <a:t>Roboter</a:t>
             </a:r>
             <a:r>
               <a:rPr lang="en-US" dirty="0" smtClean="0"/>
               <a:t>. </a:t>
             </a:r>
-            <a:r>
-              <a:rPr lang="en-US" dirty="0" err="1" smtClean="0"/>
-              <a:t>Wieviele</a:t>
-            </a:r>
-            <a:r>
-              <a:rPr lang="en-US" dirty="0" smtClean="0"/>
-              <a:t> </a:t>
-            </a:r>
-            <a:r>
-              <a:rPr lang="en-US" dirty="0" err="1" smtClean="0"/>
-              <a:t>Abschnitte</a:t>
-            </a:r>
-            <a:r>
-              <a:rPr lang="en-US" dirty="0" smtClean="0"/>
-              <a:t> </a:t>
-            </a:r>
-            <a:r>
-              <a:rPr lang="en-US" dirty="0" err="1" smtClean="0"/>
-              <a:t>gemacht</a:t>
-            </a:r>
-            <a:r>
-              <a:rPr lang="en-US" dirty="0" smtClean="0"/>
-              <a:t> </a:t>
-            </a:r>
-            <a:r>
-              <a:rPr lang="en-US" dirty="0" err="1" smtClean="0"/>
-              <a:t>werden</a:t>
-            </a:r>
-            <a:r>
-              <a:rPr lang="en-US" dirty="0" smtClean="0"/>
-              <a:t> </a:t>
-            </a:r>
-            <a:r>
-              <a:rPr lang="en-US" dirty="0" err="1" smtClean="0"/>
-              <a:t>ist</a:t>
-            </a:r>
-            <a:r>
-              <a:rPr lang="en-US" dirty="0" smtClean="0"/>
-              <a:t> </a:t>
-            </a:r>
-            <a:r>
-              <a:rPr lang="en-US" dirty="0" err="1" smtClean="0"/>
-              <a:t>dabei</a:t>
-            </a:r>
-            <a:r>
-              <a:rPr lang="en-US" dirty="0" smtClean="0"/>
-              <a:t> </a:t>
-            </a:r>
-            <a:r>
-              <a:rPr lang="en-US" dirty="0" err="1" smtClean="0"/>
-              <a:t>egal</a:t>
-            </a:r>
-            <a:r>
-              <a:rPr lang="en-US" dirty="0" smtClean="0"/>
-              <a:t>. </a:t>
-            </a:r>
-            <a:r>
-              <a:rPr lang="en-US" dirty="0" err="1" smtClean="0"/>
-              <a:t>Jeder</a:t>
-            </a:r>
-            <a:r>
-              <a:rPr lang="en-US" dirty="0" smtClean="0"/>
-              <a:t> </a:t>
-            </a:r>
-            <a:r>
-              <a:rPr lang="en-US" dirty="0" err="1" smtClean="0"/>
-              <a:t>Abschnitt</a:t>
-            </a:r>
-            <a:r>
-              <a:rPr lang="en-US" dirty="0" smtClean="0"/>
-              <a:t> </a:t>
-            </a:r>
-            <a:r>
-              <a:rPr lang="en-US" dirty="0" err="1" smtClean="0"/>
-              <a:t>sollte</a:t>
-            </a:r>
-            <a:r>
-              <a:rPr lang="en-US" dirty="0" smtClean="0"/>
-              <a:t> </a:t>
-            </a:r>
-            <a:r>
-              <a:rPr lang="en-US" dirty="0" err="1" smtClean="0"/>
-              <a:t>einen</a:t>
-            </a:r>
-            <a:r>
-              <a:rPr lang="en-US" dirty="0" smtClean="0"/>
-              <a:t> </a:t>
-            </a:r>
-            <a:r>
-              <a:rPr lang="en-US" dirty="0" err="1" smtClean="0"/>
-              <a:t>passenden</a:t>
-            </a:r>
-            <a:r>
-              <a:rPr lang="en-US" dirty="0" smtClean="0"/>
-              <a:t> </a:t>
-            </a:r>
-            <a:r>
-              <a:rPr lang="en-US" dirty="0" err="1" smtClean="0"/>
-              <a:t>Titel</a:t>
-            </a:r>
-            <a:r>
-              <a:rPr lang="en-US" dirty="0" smtClean="0"/>
-              <a:t> </a:t>
-            </a:r>
-            <a:r>
-              <a:rPr lang="en-US" dirty="0" err="1" smtClean="0"/>
-              <a:t>bekommen</a:t>
-            </a:r>
-            <a:r>
-              <a:rPr lang="en-US" dirty="0" smtClean="0"/>
-              <a:t>.</a:t>
-            </a:r>
-          </a:p>
-          <a:p>
-            <a:pPr marL="0" indent="0" eaLnBrk="1" hangingPunct="1">
-              <a:defRPr/>
-            </a:pPr>
-            <a:r>
-              <a:rPr lang="en-US" dirty="0" smtClean="0"/>
-              <a:t>Die </a:t>
-            </a:r>
-            <a:r>
-              <a:rPr lang="en-US" dirty="0" err="1" smtClean="0"/>
-              <a:t>Darstellung</a:t>
-            </a:r>
-            <a:r>
-              <a:rPr lang="en-US" dirty="0" smtClean="0"/>
-              <a:t> des </a:t>
-            </a:r>
-            <a:r>
-              <a:rPr lang="en-US" dirty="0" err="1" smtClean="0"/>
-              <a:t>Inhalts</a:t>
-            </a:r>
-            <a:r>
-              <a:rPr lang="en-US" dirty="0" smtClean="0"/>
-              <a:t> (Text, </a:t>
-            </a:r>
-            <a:r>
-              <a:rPr lang="en-US" dirty="0" err="1" smtClean="0"/>
-              <a:t>Zeichnungen</a:t>
-            </a:r>
-            <a:r>
-              <a:rPr lang="en-US" dirty="0" smtClean="0"/>
-              <a:t>, </a:t>
-            </a:r>
-            <a:r>
-              <a:rPr lang="en-US" dirty="0" err="1" smtClean="0"/>
-              <a:t>Fotos</a:t>
-            </a:r>
-            <a:r>
-              <a:rPr lang="en-US" dirty="0" smtClean="0"/>
-              <a:t>, </a:t>
-            </a:r>
-            <a:r>
-              <a:rPr lang="en-US" dirty="0" err="1" smtClean="0"/>
-              <a:t>Flussdiagramme</a:t>
-            </a:r>
-            <a:r>
-              <a:rPr lang="en-US" dirty="0" smtClean="0"/>
-              <a:t>, …) </a:t>
-            </a:r>
-            <a:r>
-              <a:rPr lang="en-US" dirty="0" err="1" smtClean="0"/>
-              <a:t>ist</a:t>
-            </a:r>
-            <a:r>
-              <a:rPr lang="en-US" dirty="0" smtClean="0"/>
-              <a:t> </a:t>
-            </a:r>
-            <a:r>
-              <a:rPr lang="en-US" dirty="0" err="1" smtClean="0"/>
-              <a:t>frei</a:t>
-            </a:r>
-            <a:r>
-              <a:rPr lang="en-US" dirty="0" smtClean="0"/>
-              <a:t>.</a:t>
-            </a:r>
-          </a:p>
-          <a:p>
-            <a:pPr marL="0" indent="0" eaLnBrk="1" hangingPunct="1">
-              <a:defRPr/>
-            </a:pPr>
-            <a:r>
-              <a:rPr lang="en-US" dirty="0" err="1" smtClean="0"/>
-              <a:t>Generell</a:t>
-            </a:r>
-            <a:r>
-              <a:rPr lang="en-US" dirty="0" smtClean="0"/>
-              <a:t> </a:t>
-            </a:r>
-            <a:r>
-              <a:rPr lang="en-US" dirty="0" err="1" smtClean="0"/>
-              <a:t>ist</a:t>
-            </a:r>
-            <a:r>
-              <a:rPr lang="en-US" dirty="0" smtClean="0"/>
-              <a:t> </a:t>
-            </a:r>
-            <a:r>
-              <a:rPr lang="en-US" dirty="0" err="1" smtClean="0"/>
-              <a:t>aber</a:t>
-            </a:r>
-            <a:r>
-              <a:rPr lang="en-US" dirty="0" smtClean="0"/>
-              <a:t> </a:t>
-            </a:r>
-            <a:r>
-              <a:rPr lang="en-US" dirty="0" err="1" smtClean="0"/>
-              <a:t>zuviel</a:t>
-            </a:r>
-            <a:r>
-              <a:rPr lang="en-US" dirty="0" smtClean="0"/>
-              <a:t> Text </a:t>
-            </a:r>
-            <a:r>
-              <a:rPr lang="en-US" dirty="0" err="1" smtClean="0"/>
-              <a:t>nicht</a:t>
-            </a:r>
-            <a:r>
-              <a:rPr lang="en-US" dirty="0" smtClean="0"/>
-              <a:t> gut. </a:t>
-            </a:r>
-            <a:r>
-              <a:rPr lang="en-US" dirty="0" err="1" smtClean="0"/>
-              <a:t>Beispiele</a:t>
-            </a:r>
-            <a:r>
-              <a:rPr lang="en-US" dirty="0" smtClean="0"/>
-              <a:t> </a:t>
-            </a:r>
-            <a:r>
-              <a:rPr lang="en-US" dirty="0" err="1" smtClean="0"/>
-              <a:t>für</a:t>
-            </a:r>
-            <a:r>
-              <a:rPr lang="en-US" dirty="0" smtClean="0"/>
-              <a:t> </a:t>
-            </a:r>
-            <a:r>
-              <a:rPr lang="en-US" dirty="0" err="1" smtClean="0"/>
-              <a:t>wissenschaftliche</a:t>
-            </a:r>
-            <a:r>
-              <a:rPr lang="en-US" dirty="0" smtClean="0"/>
-              <a:t> Poster </a:t>
-            </a:r>
-            <a:r>
-              <a:rPr lang="en-US" dirty="0" err="1" smtClean="0"/>
-              <a:t>finden</a:t>
-            </a:r>
-            <a:r>
-              <a:rPr lang="en-US" dirty="0" smtClean="0"/>
-              <a:t> </a:t>
-            </a:r>
-            <a:r>
-              <a:rPr lang="en-US" dirty="0" err="1" smtClean="0"/>
-              <a:t>Sie</a:t>
-            </a:r>
-            <a:r>
-              <a:rPr lang="en-US" dirty="0" smtClean="0"/>
-              <a:t> in den </a:t>
-            </a:r>
-            <a:r>
-              <a:rPr lang="en-US" dirty="0" err="1" smtClean="0"/>
-              <a:t>Gängen</a:t>
-            </a:r>
-            <a:r>
-              <a:rPr lang="en-US" dirty="0" smtClean="0"/>
-              <a:t> von </a:t>
-            </a:r>
-            <a:r>
-              <a:rPr lang="en-US" dirty="0" err="1" smtClean="0"/>
-              <a:t>jedem</a:t>
-            </a:r>
-            <a:r>
-              <a:rPr lang="en-US" dirty="0" smtClean="0"/>
-              <a:t> </a:t>
-            </a:r>
-            <a:r>
-              <a:rPr lang="en-US" dirty="0" err="1" smtClean="0"/>
-              <a:t>Lehrstuhl</a:t>
-            </a:r>
-            <a:r>
-              <a:rPr lang="en-US" dirty="0" smtClean="0"/>
-              <a:t>.</a:t>
-            </a:r>
+            <a:endParaRPr lang="en-US" dirty="0" smtClean="0"/>
           </a:p>
           <a:p>
             <a:pPr lvl="1" eaLnBrk="1" hangingPunct="1">
@@ -5874,9 +5905,10 @@
               <a:buNone/>
             </a:pPr>
             <a:r>
-              <a:rPr lang="de-DE" altLang="de-DE" sz="3200"/>
-              <a:t>Gruppennummer</a:t>
-            </a:r>
+              <a:rPr lang="de-DE" altLang="de-DE" sz="3200" dirty="0" smtClean="0"/>
+              <a:t>#14</a:t>
+            </a:r>
+            <a:endParaRPr lang="de-DE" altLang="de-DE" sz="3200" dirty="0"/>
           </a:p>
         </p:txBody>
       </p:sp>
@@ -5896,7 +5928,7 @@
           <a:graphicData uri="http://schemas.openxmlformats.org/presentationml/2006/ole">
             <mc:AlternateContent xmlns:mc="http://schemas.openxmlformats.org/markup-compatibility/2006">
               <mc:Choice xmlns:v="urn:schemas-microsoft-com:vml" Requires="v">
-                <p:oleObj spid="_x0000_s2066" name="Bilddokument" r:id="rId4" imgW="3232298" imgH="1286540" progId="Imaging.Document">
+                <p:oleObj spid="_x0000_s2082" name="Bilddokument" r:id="rId4" imgW="3232298" imgH="1286540" progId="Imaging.Document">
                   <p:embed/>
                 </p:oleObj>
               </mc:Choice>
@@ -5989,7 +6021,7 @@
           <a:graphicData uri="http://schemas.openxmlformats.org/presentationml/2006/ole">
             <mc:AlternateContent xmlns:mc="http://schemas.openxmlformats.org/markup-compatibility/2006">
               <mc:Choice xmlns:v="urn:schemas-microsoft-com:vml" Requires="v">
-                <p:oleObj spid="_x0000_s2067" name="Bilddokument" r:id="rId6" imgW="3232298" imgH="1286540" progId="Imaging.Document">
+                <p:oleObj spid="_x0000_s2083" name="Bilddokument" r:id="rId6" imgW="3232298" imgH="1286540" progId="Imaging.Document">
                   <p:embed/>
                 </p:oleObj>
               </mc:Choice>
@@ -6082,7 +6114,7 @@
           <a:graphicData uri="http://schemas.openxmlformats.org/presentationml/2006/ole">
             <mc:AlternateContent xmlns:mc="http://schemas.openxmlformats.org/markup-compatibility/2006">
               <mc:Choice xmlns:v="urn:schemas-microsoft-com:vml" Requires="v">
-                <p:oleObj spid="_x0000_s2068" name="Bilddokument" r:id="rId7" imgW="3232298" imgH="1286540" progId="Imaging.Document">
+                <p:oleObj spid="_x0000_s2084" name="Bilddokument" r:id="rId7" imgW="3232298" imgH="1286540" progId="Imaging.Document">
                   <p:embed/>
                 </p:oleObj>
               </mc:Choice>
@@ -6175,7 +6207,7 @@
           <a:graphicData uri="http://schemas.openxmlformats.org/presentationml/2006/ole">
             <mc:AlternateContent xmlns:mc="http://schemas.openxmlformats.org/markup-compatibility/2006">
               <mc:Choice xmlns:v="urn:schemas-microsoft-com:vml" Requires="v">
-                <p:oleObj spid="_x0000_s2069" name="Bilddokument" r:id="rId8" imgW="3232298" imgH="1286540" progId="Imaging.Document">
+                <p:oleObj spid="_x0000_s2085" name="Bilddokument" r:id="rId8" imgW="3232298" imgH="1286540" progId="Imaging.Document">
                   <p:embed/>
                 </p:oleObj>
               </mc:Choice>
@@ -6263,7 +6295,7 @@
         <p:spPr bwMode="auto">
           <a:xfrm>
             <a:off x="15479713" y="26804938"/>
-            <a:ext cx="13254037" cy="4422775"/>
+            <a:ext cx="13254037" cy="13033375"/>
           </a:xfrm>
           <a:prstGeom prst="rect">
             <a:avLst/>
@@ -6414,16 +6446,17 @@
               <a:buNone/>
             </a:pPr>
             <a:r>
-              <a:rPr lang="en-US" altLang="de-DE" sz="4800" b="1"/>
-              <a:t>Titel</a:t>
-            </a:r>
+              <a:rPr lang="en-US" altLang="de-DE" sz="4800" b="1" dirty="0" smtClean="0"/>
+              <a:t>Der Code</a:t>
+            </a:r>
+            <a:endParaRPr lang="en-US" altLang="de-DE" sz="4800" b="1" dirty="0"/>
           </a:p>
           <a:p>
             <a:pPr eaLnBrk="1" hangingPunct="1">
               <a:buFontTx/>
               <a:buNone/>
             </a:pPr>
-            <a:endParaRPr lang="en-US" altLang="de-DE" sz="3600"/>
+            <a:endParaRPr lang="en-US" altLang="de-DE" sz="3600" dirty="0"/>
           </a:p>
           <a:p>
             <a:pPr eaLnBrk="1" hangingPunct="1">
@@ -6431,271 +6464,574 @@
               <a:buNone/>
             </a:pPr>
             <a:r>
-              <a:rPr lang="en-US" altLang="de-DE" sz="3600"/>
-              <a:t>Text/Zeichnungen/Fotos etc</a:t>
-            </a:r>
+              <a:rPr lang="en-US" altLang="de-DE" sz="3600" dirty="0" smtClean="0"/>
+              <a:t>Der finale Code </a:t>
+            </a:r>
+            <a:r>
+              <a:rPr lang="en-US" altLang="de-DE" sz="3600" dirty="0" err="1" smtClean="0"/>
+              <a:t>wurde</a:t>
+            </a:r>
+            <a:r>
+              <a:rPr lang="en-US" altLang="de-DE" sz="3600" dirty="0" smtClean="0"/>
+              <a:t> </a:t>
+            </a:r>
+            <a:r>
+              <a:rPr lang="en-US" altLang="de-DE" sz="3600" dirty="0" err="1" smtClean="0"/>
+              <a:t>aus</a:t>
+            </a:r>
+            <a:r>
+              <a:rPr lang="en-US" altLang="de-DE" sz="3600" dirty="0" smtClean="0"/>
+              <a:t> </a:t>
+            </a:r>
+            <a:r>
+              <a:rPr lang="en-US" altLang="de-DE" sz="3600" dirty="0" err="1" smtClean="0"/>
+              <a:t>einzelnen</a:t>
+            </a:r>
+            <a:r>
+              <a:rPr lang="en-US" altLang="de-DE" sz="3600" dirty="0" smtClean="0"/>
+              <a:t> Code-</a:t>
+            </a:r>
+            <a:r>
+              <a:rPr lang="en-US" altLang="de-DE" sz="3600" dirty="0" err="1" smtClean="0"/>
+              <a:t>Versatzstücken</a:t>
+            </a:r>
+            <a:r>
+              <a:rPr lang="en-US" altLang="de-DE" sz="3600" dirty="0" smtClean="0"/>
+              <a:t> </a:t>
+            </a:r>
+            <a:r>
+              <a:rPr lang="en-US" altLang="de-DE" sz="3600" dirty="0" err="1" smtClean="0"/>
+              <a:t>zusammengebaut</a:t>
+            </a:r>
+            <a:r>
+              <a:rPr lang="en-US" altLang="de-DE" sz="3600" dirty="0" smtClean="0"/>
+              <a:t>. Dies </a:t>
+            </a:r>
+            <a:r>
+              <a:rPr lang="en-US" altLang="de-DE" sz="3600" dirty="0" err="1" smtClean="0"/>
+              <a:t>waren</a:t>
+            </a:r>
+            <a:r>
+              <a:rPr lang="en-US" altLang="de-DE" sz="3600" dirty="0" smtClean="0"/>
+              <a:t> </a:t>
+            </a:r>
+            <a:r>
+              <a:rPr lang="en-US" altLang="de-DE" sz="3600" dirty="0" err="1" smtClean="0"/>
+              <a:t>ursprünglich</a:t>
+            </a:r>
+            <a:r>
+              <a:rPr lang="en-US" altLang="de-DE" sz="3600" dirty="0" smtClean="0"/>
+              <a:t>:</a:t>
+            </a:r>
+          </a:p>
+          <a:p>
+            <a:pPr marL="571500" indent="-571500" eaLnBrk="1" hangingPunct="1">
+              <a:buFontTx/>
+              <a:buChar char="-"/>
+            </a:pPr>
+            <a:r>
+              <a:rPr lang="en-US" altLang="de-DE" sz="3600" dirty="0" smtClean="0"/>
+              <a:t>Die </a:t>
+            </a:r>
+            <a:r>
+              <a:rPr lang="en-US" altLang="de-DE" sz="3600" dirty="0" err="1" smtClean="0"/>
+              <a:t>Linienverfolgung</a:t>
+            </a:r>
+            <a:r>
+              <a:rPr lang="en-US" altLang="de-DE" sz="3600" dirty="0" smtClean="0"/>
+              <a:t> </a:t>
+            </a:r>
+            <a:r>
+              <a:rPr lang="en-US" altLang="de-DE" sz="3600" dirty="0" err="1" smtClean="0"/>
+              <a:t>mithilfe</a:t>
+            </a:r>
+            <a:r>
+              <a:rPr lang="en-US" altLang="de-DE" sz="3600" dirty="0" smtClean="0"/>
+              <a:t> der </a:t>
+            </a:r>
+            <a:r>
+              <a:rPr lang="en-US" altLang="de-DE" sz="3600" dirty="0" err="1" smtClean="0"/>
+              <a:t>beiden</a:t>
+            </a:r>
+            <a:r>
+              <a:rPr lang="en-US" altLang="de-DE" sz="3600" dirty="0" smtClean="0"/>
+              <a:t> </a:t>
+            </a:r>
+            <a:r>
+              <a:rPr lang="en-US" altLang="de-DE" sz="3600" dirty="0" err="1" smtClean="0"/>
+              <a:t>Lichtsensoren</a:t>
+            </a:r>
+            <a:r>
+              <a:rPr lang="en-US" altLang="de-DE" sz="3600" dirty="0" smtClean="0"/>
+              <a:t>, </a:t>
+            </a:r>
+            <a:r>
+              <a:rPr lang="en-US" altLang="de-DE" sz="3600" dirty="0" err="1" smtClean="0"/>
+              <a:t>welche</a:t>
+            </a:r>
+            <a:r>
+              <a:rPr lang="en-US" altLang="de-DE" sz="3600" dirty="0" smtClean="0"/>
+              <a:t> </a:t>
+            </a:r>
+            <a:r>
+              <a:rPr lang="en-US" altLang="de-DE" sz="3600" dirty="0" err="1" smtClean="0"/>
+              <a:t>bei</a:t>
+            </a:r>
+            <a:r>
+              <a:rPr lang="en-US" altLang="de-DE" sz="3600" dirty="0" smtClean="0"/>
+              <a:t> </a:t>
+            </a:r>
+            <a:r>
+              <a:rPr lang="en-US" altLang="de-DE" sz="3600" dirty="0" err="1" smtClean="0"/>
+              <a:t>Abweichen</a:t>
+            </a:r>
+            <a:r>
+              <a:rPr lang="en-US" altLang="de-DE" sz="3600" dirty="0" smtClean="0"/>
+              <a:t> von der </a:t>
+            </a:r>
+            <a:r>
+              <a:rPr lang="en-US" altLang="de-DE" sz="3600" dirty="0" err="1" smtClean="0"/>
+              <a:t>schwarzen</a:t>
+            </a:r>
+            <a:r>
+              <a:rPr lang="en-US" altLang="de-DE" sz="3600" dirty="0" smtClean="0"/>
+              <a:t> </a:t>
+            </a:r>
+            <a:r>
+              <a:rPr lang="en-US" altLang="de-DE" sz="3600" dirty="0" err="1" smtClean="0"/>
+              <a:t>Linie</a:t>
+            </a:r>
+            <a:r>
+              <a:rPr lang="en-US" altLang="de-DE" sz="3600" dirty="0" smtClean="0"/>
+              <a:t> die </a:t>
+            </a:r>
+            <a:r>
+              <a:rPr lang="en-US" altLang="de-DE" sz="3600" dirty="0" err="1" smtClean="0"/>
+              <a:t>Motoren</a:t>
+            </a:r>
+            <a:r>
+              <a:rPr lang="en-US" altLang="de-DE" sz="3600" dirty="0" smtClean="0"/>
+              <a:t> </a:t>
+            </a:r>
+            <a:r>
+              <a:rPr lang="en-US" altLang="de-DE" sz="3600" dirty="0" err="1" smtClean="0"/>
+              <a:t>zu</a:t>
+            </a:r>
+            <a:r>
+              <a:rPr lang="en-US" altLang="de-DE" sz="3600" dirty="0" smtClean="0"/>
+              <a:t> </a:t>
+            </a:r>
+            <a:r>
+              <a:rPr lang="en-US" altLang="de-DE" sz="3600" dirty="0" err="1" smtClean="0"/>
+              <a:t>einer</a:t>
+            </a:r>
+            <a:r>
+              <a:rPr lang="en-US" altLang="de-DE" sz="3600" dirty="0" smtClean="0"/>
+              <a:t> Regulation </a:t>
+            </a:r>
+            <a:r>
+              <a:rPr lang="en-US" altLang="de-DE" sz="3600" dirty="0" err="1" smtClean="0"/>
+              <a:t>zwingen</a:t>
+            </a:r>
+            <a:r>
+              <a:rPr lang="en-US" altLang="de-DE" sz="3600" dirty="0" smtClean="0"/>
+              <a:t>. </a:t>
+            </a:r>
+          </a:p>
+          <a:p>
+            <a:pPr marL="571500" indent="-571500" eaLnBrk="1" hangingPunct="1">
+              <a:buFontTx/>
+              <a:buChar char="-"/>
+            </a:pPr>
+            <a:r>
+              <a:rPr lang="en-US" altLang="de-DE" sz="3600" dirty="0" smtClean="0"/>
+              <a:t>Der </a:t>
+            </a:r>
+            <a:r>
+              <a:rPr lang="en-US" altLang="de-DE" sz="3600" dirty="0" err="1" smtClean="0"/>
+              <a:t>Drehcode</a:t>
+            </a:r>
+            <a:r>
+              <a:rPr lang="en-US" altLang="de-DE" sz="3600" dirty="0" smtClean="0"/>
+              <a:t>: Da der </a:t>
+            </a:r>
+            <a:r>
+              <a:rPr lang="en-US" altLang="de-DE" sz="3600" dirty="0" err="1" smtClean="0"/>
+              <a:t>Robo</a:t>
+            </a:r>
+            <a:r>
+              <a:rPr lang="en-US" altLang="de-DE" sz="3600" dirty="0" smtClean="0"/>
+              <a:t> </a:t>
+            </a:r>
+            <a:r>
+              <a:rPr lang="en-US" altLang="de-DE" sz="3600" dirty="0" err="1" smtClean="0"/>
+              <a:t>nur</a:t>
+            </a:r>
+            <a:r>
+              <a:rPr lang="en-US" altLang="de-DE" sz="3600" dirty="0" smtClean="0"/>
+              <a:t> </a:t>
+            </a:r>
+            <a:r>
+              <a:rPr lang="en-US" altLang="de-DE" sz="3600" dirty="0" err="1" smtClean="0"/>
+              <a:t>vorwärts</a:t>
+            </a:r>
+            <a:r>
+              <a:rPr lang="en-US" altLang="de-DE" sz="3600" dirty="0" smtClean="0"/>
+              <a:t> </a:t>
+            </a:r>
+            <a:r>
+              <a:rPr lang="en-US" altLang="de-DE" sz="3600" dirty="0" err="1" smtClean="0"/>
+              <a:t>fahren</a:t>
+            </a:r>
+            <a:r>
+              <a:rPr lang="en-US" altLang="de-DE" sz="3600" dirty="0" smtClean="0"/>
+              <a:t> </a:t>
+            </a:r>
+            <a:r>
+              <a:rPr lang="en-US" altLang="de-DE" sz="3600" dirty="0" err="1" smtClean="0"/>
+              <a:t>sollte</a:t>
+            </a:r>
+            <a:r>
+              <a:rPr lang="en-US" altLang="de-DE" sz="3600" dirty="0" smtClean="0"/>
+              <a:t>, </a:t>
+            </a:r>
+            <a:r>
+              <a:rPr lang="en-US" altLang="de-DE" sz="3600" dirty="0" err="1" smtClean="0"/>
+              <a:t>wurde</a:t>
+            </a:r>
+            <a:r>
+              <a:rPr lang="en-US" altLang="de-DE" sz="3600" dirty="0" smtClean="0"/>
+              <a:t> </a:t>
+            </a:r>
+            <a:r>
+              <a:rPr lang="en-US" altLang="de-DE" sz="3600" dirty="0" err="1" smtClean="0"/>
+              <a:t>dieser</a:t>
+            </a:r>
+            <a:r>
+              <a:rPr lang="en-US" altLang="de-DE" sz="3600" dirty="0" smtClean="0"/>
+              <a:t> Code </a:t>
+            </a:r>
+            <a:r>
+              <a:rPr lang="en-US" altLang="de-DE" sz="3600" dirty="0" err="1" smtClean="0"/>
+              <a:t>implementiert</a:t>
+            </a:r>
+            <a:endParaRPr lang="en-US" altLang="de-DE" sz="3600" dirty="0" smtClean="0"/>
+          </a:p>
+          <a:p>
+            <a:pPr marL="571500" indent="-571500" eaLnBrk="1" hangingPunct="1">
+              <a:buFontTx/>
+              <a:buChar char="-"/>
+            </a:pPr>
+            <a:r>
+              <a:rPr lang="en-US" altLang="de-DE" sz="3600" dirty="0" smtClean="0"/>
+              <a:t>Der </a:t>
+            </a:r>
+            <a:r>
+              <a:rPr lang="en-US" altLang="de-DE" sz="3600" dirty="0" err="1" smtClean="0"/>
+              <a:t>touch_grab</a:t>
+            </a:r>
+            <a:r>
+              <a:rPr lang="en-US" altLang="de-DE" sz="3600" dirty="0" smtClean="0"/>
+              <a:t> Code: </a:t>
+            </a:r>
+            <a:r>
+              <a:rPr lang="en-US" altLang="de-DE" sz="3600" dirty="0" err="1" smtClean="0"/>
+              <a:t>Dieser</a:t>
+            </a:r>
+            <a:r>
+              <a:rPr lang="en-US" altLang="de-DE" sz="3600" dirty="0" smtClean="0"/>
+              <a:t> Code </a:t>
+            </a:r>
+            <a:r>
+              <a:rPr lang="en-US" altLang="de-DE" sz="3600" dirty="0" err="1" smtClean="0"/>
+              <a:t>aktiviert</a:t>
+            </a:r>
+            <a:r>
+              <a:rPr lang="en-US" altLang="de-DE" sz="3600" dirty="0" smtClean="0"/>
+              <a:t> den Motor </a:t>
+            </a:r>
+            <a:r>
+              <a:rPr lang="en-US" altLang="de-DE" sz="3600" dirty="0" err="1" smtClean="0"/>
+              <a:t>für</a:t>
+            </a:r>
+            <a:r>
+              <a:rPr lang="en-US" altLang="de-DE" sz="3600" dirty="0" smtClean="0"/>
+              <a:t> den </a:t>
+            </a:r>
+            <a:r>
+              <a:rPr lang="en-US" altLang="de-DE" sz="3600" dirty="0" err="1" smtClean="0"/>
+              <a:t>Greifarm</a:t>
+            </a:r>
+            <a:r>
+              <a:rPr lang="en-US" altLang="de-DE" sz="3600" dirty="0" smtClean="0"/>
+              <a:t>, um den Ball </a:t>
+            </a:r>
+            <a:r>
+              <a:rPr lang="en-US" altLang="de-DE" sz="3600" dirty="0" err="1" smtClean="0"/>
+              <a:t>aufnehmen</a:t>
+            </a:r>
+            <a:r>
+              <a:rPr lang="en-US" altLang="de-DE" sz="3600" dirty="0" smtClean="0"/>
+              <a:t> </a:t>
+            </a:r>
+            <a:r>
+              <a:rPr lang="en-US" altLang="de-DE" sz="3600" dirty="0" err="1" smtClean="0"/>
+              <a:t>zu</a:t>
+            </a:r>
+            <a:r>
+              <a:rPr lang="en-US" altLang="de-DE" sz="3600" dirty="0" smtClean="0"/>
+              <a:t> </a:t>
+            </a:r>
+            <a:r>
+              <a:rPr lang="en-US" altLang="de-DE" sz="3600" dirty="0" err="1" smtClean="0"/>
+              <a:t>können</a:t>
+            </a:r>
+            <a:r>
+              <a:rPr lang="en-US" altLang="de-DE" sz="3600" dirty="0" smtClean="0"/>
+              <a:t> und </a:t>
+            </a:r>
+            <a:r>
+              <a:rPr lang="en-US" altLang="de-DE" sz="3600" dirty="0" err="1" smtClean="0"/>
+              <a:t>fährt</a:t>
+            </a:r>
+            <a:r>
+              <a:rPr lang="en-US" altLang="de-DE" sz="3600" dirty="0" smtClean="0"/>
+              <a:t> </a:t>
+            </a:r>
+            <a:r>
+              <a:rPr lang="en-US" altLang="de-DE" sz="3600" dirty="0" err="1" smtClean="0"/>
+              <a:t>dann</a:t>
+            </a:r>
+            <a:r>
+              <a:rPr lang="en-US" altLang="de-DE" sz="3600" dirty="0" smtClean="0"/>
+              <a:t> </a:t>
+            </a:r>
+            <a:r>
+              <a:rPr lang="en-US" altLang="de-DE" sz="3600" dirty="0" err="1" smtClean="0"/>
+              <a:t>für</a:t>
+            </a:r>
+            <a:r>
+              <a:rPr lang="en-US" altLang="de-DE" sz="3600" dirty="0" smtClean="0"/>
+              <a:t> </a:t>
+            </a:r>
+            <a:r>
+              <a:rPr lang="en-US" altLang="de-DE" sz="3600" dirty="0" err="1" smtClean="0"/>
+              <a:t>eine</a:t>
+            </a:r>
+            <a:r>
+              <a:rPr lang="en-US" altLang="de-DE" sz="3600" dirty="0" smtClean="0"/>
+              <a:t> </a:t>
+            </a:r>
+            <a:r>
+              <a:rPr lang="en-US" altLang="de-DE" sz="3600" dirty="0" err="1" smtClean="0"/>
+              <a:t>kurze</a:t>
+            </a:r>
+            <a:r>
+              <a:rPr lang="en-US" altLang="de-DE" sz="3600" dirty="0" smtClean="0"/>
+              <a:t> </a:t>
+            </a:r>
+            <a:r>
+              <a:rPr lang="en-US" altLang="de-DE" sz="3600" dirty="0" err="1" smtClean="0"/>
+              <a:t>Zeit</a:t>
+            </a:r>
+            <a:r>
+              <a:rPr lang="en-US" altLang="de-DE" sz="3600" dirty="0" smtClean="0"/>
+              <a:t> </a:t>
+            </a:r>
+            <a:r>
+              <a:rPr lang="en-US" altLang="de-DE" sz="3600" dirty="0" err="1" smtClean="0"/>
+              <a:t>rückwärts</a:t>
+            </a:r>
+            <a:r>
+              <a:rPr lang="en-US" altLang="de-DE" sz="3600" dirty="0" smtClean="0"/>
+              <a:t>, </a:t>
+            </a:r>
+            <a:r>
+              <a:rPr lang="en-US" altLang="de-DE" sz="3600" dirty="0" err="1" smtClean="0"/>
+              <a:t>damit</a:t>
+            </a:r>
+            <a:r>
+              <a:rPr lang="en-US" altLang="de-DE" sz="3600" dirty="0" smtClean="0"/>
+              <a:t> der </a:t>
+            </a:r>
+            <a:r>
+              <a:rPr lang="en-US" altLang="de-DE" sz="3600" dirty="0" err="1" smtClean="0"/>
+              <a:t>Robo</a:t>
+            </a:r>
+            <a:r>
+              <a:rPr lang="en-US" altLang="de-DE" sz="3600" dirty="0" smtClean="0"/>
+              <a:t> in der </a:t>
+            </a:r>
+            <a:r>
+              <a:rPr lang="en-US" altLang="de-DE" sz="3600" dirty="0" err="1" smtClean="0"/>
+              <a:t>Drehung</a:t>
+            </a:r>
+            <a:r>
+              <a:rPr lang="en-US" altLang="de-DE" sz="3600" dirty="0" smtClean="0"/>
+              <a:t> </a:t>
+            </a:r>
+            <a:r>
+              <a:rPr lang="en-US" altLang="de-DE" sz="3600" dirty="0" err="1" smtClean="0"/>
+              <a:t>nirgends</a:t>
+            </a:r>
+            <a:r>
+              <a:rPr lang="en-US" altLang="de-DE" sz="3600" dirty="0" smtClean="0"/>
+              <a:t> </a:t>
+            </a:r>
+            <a:r>
+              <a:rPr lang="en-US" altLang="de-DE" sz="3600" dirty="0" err="1" smtClean="0"/>
+              <a:t>anstößt</a:t>
+            </a:r>
+            <a:r>
+              <a:rPr lang="en-US" altLang="de-DE" sz="3600" dirty="0" smtClean="0"/>
+              <a:t>.</a:t>
+            </a:r>
+          </a:p>
+          <a:p>
+            <a:pPr marL="571500" indent="-571500" eaLnBrk="1" hangingPunct="1">
+              <a:buFontTx/>
+              <a:buChar char="-"/>
+            </a:pPr>
+            <a:r>
+              <a:rPr lang="en-US" altLang="de-DE" sz="3600" dirty="0" smtClean="0"/>
+              <a:t>Der </a:t>
+            </a:r>
+            <a:r>
+              <a:rPr lang="en-US" altLang="de-DE" sz="3600" dirty="0" err="1" smtClean="0"/>
+              <a:t>touch_open</a:t>
+            </a:r>
+            <a:r>
+              <a:rPr lang="en-US" altLang="de-DE" sz="3600" dirty="0" smtClean="0"/>
+              <a:t> Code: </a:t>
+            </a:r>
+            <a:r>
+              <a:rPr lang="en-US" altLang="de-DE" sz="3600" dirty="0" err="1" smtClean="0"/>
+              <a:t>Mit</a:t>
+            </a:r>
+            <a:r>
+              <a:rPr lang="en-US" altLang="de-DE" sz="3600" dirty="0" smtClean="0"/>
+              <a:t> </a:t>
+            </a:r>
+            <a:r>
+              <a:rPr lang="en-US" altLang="de-DE" sz="3600" dirty="0" err="1" smtClean="0"/>
+              <a:t>diesem</a:t>
+            </a:r>
+            <a:r>
+              <a:rPr lang="en-US" altLang="de-DE" sz="3600" dirty="0" smtClean="0"/>
+              <a:t> Code </a:t>
+            </a:r>
+            <a:r>
+              <a:rPr lang="en-US" altLang="de-DE" sz="3600" dirty="0" err="1" smtClean="0"/>
+              <a:t>sollte</a:t>
+            </a:r>
+            <a:r>
+              <a:rPr lang="en-US" altLang="de-DE" sz="3600" dirty="0" smtClean="0"/>
+              <a:t> der </a:t>
+            </a:r>
+            <a:r>
+              <a:rPr lang="en-US" altLang="de-DE" sz="3600" dirty="0" err="1" smtClean="0"/>
+              <a:t>Greifarm</a:t>
+            </a:r>
+            <a:r>
+              <a:rPr lang="en-US" altLang="de-DE" sz="3600" dirty="0" smtClean="0"/>
+              <a:t> den Ball </a:t>
+            </a:r>
+            <a:r>
+              <a:rPr lang="en-US" altLang="de-DE" sz="3600" dirty="0" err="1" smtClean="0"/>
+              <a:t>wieder</a:t>
+            </a:r>
+            <a:r>
+              <a:rPr lang="en-US" altLang="de-DE" sz="3600" dirty="0" smtClean="0"/>
+              <a:t> fallen </a:t>
+            </a:r>
+            <a:r>
+              <a:rPr lang="en-US" altLang="de-DE" sz="3600" dirty="0" err="1" smtClean="0"/>
+              <a:t>lassen</a:t>
+            </a:r>
+            <a:r>
+              <a:rPr lang="en-US" altLang="de-DE" sz="3600" dirty="0" smtClean="0"/>
+              <a:t>, </a:t>
+            </a:r>
+            <a:r>
+              <a:rPr lang="en-US" altLang="de-DE" sz="3600" dirty="0" err="1" smtClean="0"/>
+              <a:t>sobald</a:t>
+            </a:r>
+            <a:r>
+              <a:rPr lang="en-US" altLang="de-DE" sz="3600" dirty="0" smtClean="0"/>
+              <a:t> der Touch-Sensor des </a:t>
+            </a:r>
+            <a:r>
+              <a:rPr lang="en-US" altLang="de-DE" sz="3600" dirty="0" err="1" smtClean="0"/>
+              <a:t>Robos</a:t>
+            </a:r>
+            <a:r>
+              <a:rPr lang="en-US" altLang="de-DE" sz="3600" dirty="0" smtClean="0"/>
+              <a:t> auf </a:t>
+            </a:r>
+            <a:r>
+              <a:rPr lang="en-US" altLang="de-DE" sz="3600" dirty="0" err="1" smtClean="0"/>
+              <a:t>ein</a:t>
+            </a:r>
+            <a:r>
+              <a:rPr lang="en-US" altLang="de-DE" sz="3600" dirty="0" smtClean="0"/>
+              <a:t> </a:t>
+            </a:r>
+            <a:r>
+              <a:rPr lang="en-US" altLang="de-DE" sz="3600" dirty="0" err="1" smtClean="0"/>
+              <a:t>Hindernis</a:t>
+            </a:r>
+            <a:r>
+              <a:rPr lang="en-US" altLang="de-DE" sz="3600" dirty="0" smtClean="0"/>
+              <a:t> </a:t>
+            </a:r>
+            <a:r>
+              <a:rPr lang="en-US" altLang="de-DE" sz="3600" dirty="0" err="1" smtClean="0"/>
+              <a:t>stößt</a:t>
+            </a:r>
+            <a:r>
+              <a:rPr lang="en-US" altLang="de-DE" sz="3600" dirty="0" smtClean="0"/>
+              <a:t>. </a:t>
+            </a:r>
+          </a:p>
+          <a:p>
+            <a:pPr eaLnBrk="1" hangingPunct="1">
+              <a:buNone/>
+            </a:pPr>
+            <a:endParaRPr lang="en-US" altLang="de-DE" sz="3600" dirty="0" smtClean="0"/>
+          </a:p>
+          <a:p>
+            <a:pPr eaLnBrk="1" hangingPunct="1">
+              <a:buNone/>
+            </a:pPr>
+            <a:endParaRPr lang="en-US" altLang="de-DE" sz="3600" dirty="0"/>
           </a:p>
           <a:p>
             <a:pPr eaLnBrk="1" hangingPunct="1">
               <a:buFontTx/>
               <a:buNone/>
             </a:pPr>
-            <a:endParaRPr lang="en-US" altLang="de-DE" sz="3600"/>
+            <a:endParaRPr lang="en-US" altLang="de-DE" sz="3600" dirty="0"/>
           </a:p>
           <a:p>
             <a:pPr eaLnBrk="1" hangingPunct="1">
               <a:buFontTx/>
               <a:buNone/>
             </a:pPr>
-            <a:endParaRPr lang="en-US" altLang="de-DE" sz="3600"/>
+            <a:endParaRPr lang="en-US" altLang="de-DE" sz="3600" b="1" dirty="0"/>
           </a:p>
           <a:p>
             <a:pPr eaLnBrk="1" hangingPunct="1">
               <a:buFontTx/>
               <a:buNone/>
             </a:pPr>
-            <a:endParaRPr lang="en-US" altLang="de-DE" sz="3600" b="1"/>
+            <a:endParaRPr lang="en-US" altLang="de-DE" sz="3600" b="1" dirty="0"/>
           </a:p>
           <a:p>
             <a:pPr eaLnBrk="1" hangingPunct="1">
               <a:buFontTx/>
               <a:buNone/>
             </a:pPr>
-            <a:endParaRPr lang="en-US" altLang="de-DE" sz="3600" b="1"/>
-          </a:p>
-          <a:p>
-            <a:pPr eaLnBrk="1" hangingPunct="1">
-              <a:buFontTx/>
-              <a:buNone/>
-            </a:pPr>
-            <a:endParaRPr lang="en-US" altLang="de-DE" sz="3600" b="1"/>
-          </a:p>
-        </p:txBody>
-      </p:sp>
-      <p:sp>
-        <p:nvSpPr>
-          <p:cNvPr id="2063" name="Rectangle 557"/>
-          <p:cNvSpPr>
-            <a:spLocks noChangeArrowheads="1"/>
-          </p:cNvSpPr>
-          <p:nvPr/>
-        </p:nvSpPr>
-        <p:spPr bwMode="auto">
-          <a:xfrm>
-            <a:off x="15441613" y="31989713"/>
-            <a:ext cx="13254037" cy="7848600"/>
-          </a:xfrm>
-          <a:prstGeom prst="rect">
-            <a:avLst/>
-          </a:prstGeom>
-          <a:noFill/>
-          <a:ln>
-            <a:noFill/>
-          </a:ln>
-          <a:effectLst/>
-          <a:extLst>
-            <a:ext uri="{909E8E84-426E-40DD-AFC4-6F175D3DCCD1}">
-              <a14:hiddenFill xmlns:a14="http://schemas.microsoft.com/office/drawing/2010/main">
-                <a:solidFill>
-                  <a:srgbClr val="FF0000">
-                    <a:alpha val="23921"/>
-                  </a:srgbClr>
-                </a:solidFill>
-              </a14:hiddenFill>
-            </a:ext>
-            <a:ext uri="{91240B29-F687-4F45-9708-019B960494DF}">
-              <a14:hiddenLine xmlns:a14="http://schemas.microsoft.com/office/drawing/2010/main" w="9525" algn="ctr">
-                <a:solidFill>
-                  <a:schemeClr val="tx1"/>
-                </a:solidFill>
-                <a:miter lim="800000"/>
-                <a:headEnd/>
-                <a:tailEnd/>
-              </a14:hiddenLine>
-            </a:ext>
-            <a:ext uri="{AF507438-7753-43E0-B8FC-AC1667EBCBE1}">
-              <a14:hiddenEffects xmlns:a14="http://schemas.microsoft.com/office/drawing/2010/main">
-                <a:effectLst>
-                  <a:outerShdw dist="35921" dir="2700000" algn="ctr" rotWithShape="0">
-                    <a:schemeClr val="bg2"/>
-                  </a:outerShdw>
-                </a:effectLst>
-              </a14:hiddenEffects>
-            </a:ext>
-          </a:extLst>
-        </p:spPr>
-        <p:txBody>
-          <a:bodyPr lIns="360000" tIns="360000" rIns="360000" bIns="360000"/>
-          <a:lstStyle>
-            <a:lvl1pPr eaLnBrk="0" hangingPunct="0">
-              <a:defRPr sz="3000">
-                <a:solidFill>
-                  <a:schemeClr val="tx1"/>
-                </a:solidFill>
-                <a:latin typeface="Arial" charset="0"/>
-              </a:defRPr>
-            </a:lvl1pPr>
-            <a:lvl2pPr marL="742950" indent="-285750" eaLnBrk="0" hangingPunct="0">
-              <a:defRPr sz="3000">
-                <a:solidFill>
-                  <a:schemeClr val="tx1"/>
-                </a:solidFill>
-                <a:latin typeface="Arial" charset="0"/>
-              </a:defRPr>
-            </a:lvl2pPr>
-            <a:lvl3pPr marL="1143000" indent="-228600" eaLnBrk="0" hangingPunct="0">
-              <a:defRPr sz="3000">
-                <a:solidFill>
-                  <a:schemeClr val="tx1"/>
-                </a:solidFill>
-                <a:latin typeface="Arial" charset="0"/>
-              </a:defRPr>
-            </a:lvl3pPr>
-            <a:lvl4pPr marL="1600200" indent="-228600" eaLnBrk="0" hangingPunct="0">
-              <a:defRPr sz="3000">
-                <a:solidFill>
-                  <a:schemeClr val="tx1"/>
-                </a:solidFill>
-                <a:latin typeface="Arial" charset="0"/>
-              </a:defRPr>
-            </a:lvl4pPr>
-            <a:lvl5pPr marL="2057400" indent="-228600" eaLnBrk="0" hangingPunct="0">
-              <a:defRPr sz="3000">
-                <a:solidFill>
-                  <a:schemeClr val="tx1"/>
-                </a:solidFill>
-                <a:latin typeface="Arial" charset="0"/>
-              </a:defRPr>
-            </a:lvl5pPr>
-            <a:lvl6pPr marL="2514600" indent="-228600" eaLnBrk="0" fontAlgn="base" hangingPunct="0">
-              <a:spcBef>
-                <a:spcPct val="20000"/>
-              </a:spcBef>
-              <a:spcAft>
-                <a:spcPct val="0"/>
-              </a:spcAft>
-              <a:buChar char="•"/>
-              <a:defRPr sz="3000">
-                <a:solidFill>
-                  <a:schemeClr val="tx1"/>
-                </a:solidFill>
-                <a:latin typeface="Arial" charset="0"/>
-              </a:defRPr>
-            </a:lvl6pPr>
-            <a:lvl7pPr marL="2971800" indent="-228600" eaLnBrk="0" fontAlgn="base" hangingPunct="0">
-              <a:spcBef>
-                <a:spcPct val="20000"/>
-              </a:spcBef>
-              <a:spcAft>
-                <a:spcPct val="0"/>
-              </a:spcAft>
-              <a:buChar char="•"/>
-              <a:defRPr sz="3000">
-                <a:solidFill>
-                  <a:schemeClr val="tx1"/>
-                </a:solidFill>
-                <a:latin typeface="Arial" charset="0"/>
-              </a:defRPr>
-            </a:lvl7pPr>
-            <a:lvl8pPr marL="3429000" indent="-228600" eaLnBrk="0" fontAlgn="base" hangingPunct="0">
-              <a:spcBef>
-                <a:spcPct val="20000"/>
-              </a:spcBef>
-              <a:spcAft>
-                <a:spcPct val="0"/>
-              </a:spcAft>
-              <a:buChar char="•"/>
-              <a:defRPr sz="3000">
-                <a:solidFill>
-                  <a:schemeClr val="tx1"/>
-                </a:solidFill>
-                <a:latin typeface="Arial" charset="0"/>
-              </a:defRPr>
-            </a:lvl8pPr>
-            <a:lvl9pPr marL="3886200" indent="-228600" eaLnBrk="0" fontAlgn="base" hangingPunct="0">
-              <a:spcBef>
-                <a:spcPct val="20000"/>
-              </a:spcBef>
-              <a:spcAft>
-                <a:spcPct val="0"/>
-              </a:spcAft>
-              <a:buChar char="•"/>
-              <a:defRPr sz="3000">
-                <a:solidFill>
-                  <a:schemeClr val="tx1"/>
-                </a:solidFill>
-                <a:latin typeface="Arial" charset="0"/>
-              </a:defRPr>
-            </a:lvl9pPr>
-          </a:lstStyle>
-          <a:p>
-            <a:pPr eaLnBrk="1" hangingPunct="1">
-              <a:buFontTx/>
-              <a:buNone/>
-            </a:pPr>
-            <a:r>
-              <a:rPr lang="en-US" altLang="de-DE" sz="4800" b="1"/>
-              <a:t>Titel</a:t>
-            </a:r>
-          </a:p>
-          <a:p>
-            <a:pPr eaLnBrk="1" hangingPunct="1">
-              <a:buFontTx/>
-              <a:buNone/>
-            </a:pPr>
-            <a:endParaRPr lang="en-US" altLang="de-DE" sz="3600"/>
-          </a:p>
-          <a:p>
-            <a:pPr eaLnBrk="1" hangingPunct="1">
-              <a:buFontTx/>
-              <a:buNone/>
-            </a:pPr>
-            <a:r>
-              <a:rPr lang="en-US" altLang="de-DE" sz="3600"/>
-              <a:t>Text/Zeichnungen/Fotos etc</a:t>
-            </a:r>
-          </a:p>
-          <a:p>
-            <a:pPr eaLnBrk="1" hangingPunct="1">
-              <a:buFontTx/>
-              <a:buNone/>
-            </a:pPr>
-            <a:endParaRPr lang="en-US" altLang="de-DE" sz="3600"/>
-          </a:p>
-          <a:p>
-            <a:pPr eaLnBrk="1" hangingPunct="1">
-              <a:buFontTx/>
-              <a:buNone/>
-            </a:pPr>
-            <a:endParaRPr lang="en-US" altLang="de-DE" sz="3600"/>
-          </a:p>
-          <a:p>
-            <a:pPr eaLnBrk="1" hangingPunct="1">
-              <a:buFontTx/>
-              <a:buNone/>
-            </a:pPr>
-            <a:endParaRPr lang="en-US" altLang="de-DE" sz="3600"/>
-          </a:p>
-          <a:p>
-            <a:pPr eaLnBrk="1" hangingPunct="1">
-              <a:buFontTx/>
-              <a:buNone/>
-            </a:pPr>
-            <a:endParaRPr lang="en-US" altLang="de-DE" sz="3600" b="1"/>
-          </a:p>
-          <a:p>
-            <a:pPr eaLnBrk="1" hangingPunct="1">
-              <a:buFontTx/>
-              <a:buNone/>
-            </a:pPr>
-            <a:endParaRPr lang="en-US" altLang="de-DE" sz="3600" b="1"/>
-          </a:p>
-          <a:p>
-            <a:pPr eaLnBrk="1" hangingPunct="1">
-              <a:buFontTx/>
-              <a:buNone/>
-            </a:pPr>
-            <a:endParaRPr lang="en-US" altLang="de-DE" sz="3600" b="1"/>
+            <a:endParaRPr lang="en-US" altLang="de-DE" sz="3600" b="1" dirty="0"/>
           </a:p>
         </p:txBody>
       </p:sp>
@@ -6861,16 +7197,21 @@
               <a:buNone/>
             </a:pPr>
             <a:r>
-              <a:rPr lang="en-US" altLang="de-DE" sz="4800" b="1"/>
-              <a:t>Titel</a:t>
-            </a:r>
+              <a:rPr lang="en-US" altLang="de-DE" sz="4800" b="1" dirty="0" smtClean="0"/>
+              <a:t>Hardware  - la </a:t>
+            </a:r>
+            <a:r>
+              <a:rPr lang="en-US" altLang="de-DE" sz="4800" b="1" dirty="0" err="1" smtClean="0"/>
+              <a:t>stabilidad</a:t>
+            </a:r>
+            <a:endParaRPr lang="en-US" altLang="de-DE" sz="4800" b="1" dirty="0" smtClean="0"/>
           </a:p>
           <a:p>
             <a:pPr eaLnBrk="1" hangingPunct="1">
               <a:buFontTx/>
               <a:buNone/>
             </a:pPr>
-            <a:endParaRPr lang="en-US" altLang="de-DE" sz="3600"/>
+            <a:endParaRPr lang="en-US" altLang="de-DE" sz="4800" b="1" dirty="0"/>
           </a:p>
           <a:p>
             <a:pPr eaLnBrk="1" hangingPunct="1">
@@ -6878,37 +7219,301 @@
               <a:buNone/>
             </a:pPr>
             <a:r>
-              <a:rPr lang="en-US" altLang="de-DE" sz="3600"/>
-              <a:t>Text/Zeichnungen/Fotos etc</a:t>
-            </a:r>
+              <a:rPr lang="en-US" altLang="de-DE" sz="3600" dirty="0" smtClean="0"/>
+              <a:t>Um den </a:t>
+            </a:r>
+            <a:r>
+              <a:rPr lang="en-US" altLang="de-DE" sz="3600" dirty="0" err="1" smtClean="0"/>
+              <a:t>Roboter</a:t>
+            </a:r>
+            <a:r>
+              <a:rPr lang="en-US" altLang="de-DE" sz="3600" dirty="0" smtClean="0"/>
+              <a:t> </a:t>
+            </a:r>
+            <a:r>
+              <a:rPr lang="en-US" altLang="de-DE" sz="3600" dirty="0" err="1" smtClean="0"/>
+              <a:t>möglichst</a:t>
+            </a:r>
+            <a:r>
+              <a:rPr lang="en-US" altLang="de-DE" sz="3600" dirty="0" smtClean="0"/>
+              <a:t> </a:t>
+            </a:r>
+            <a:r>
+              <a:rPr lang="en-US" altLang="de-DE" sz="3600" dirty="0" err="1" smtClean="0"/>
+              <a:t>stabil</a:t>
+            </a:r>
+            <a:r>
+              <a:rPr lang="en-US" altLang="de-DE" sz="3600" dirty="0" smtClean="0"/>
+              <a:t> </a:t>
+            </a:r>
+            <a:r>
+              <a:rPr lang="en-US" altLang="de-DE" sz="3600" dirty="0" err="1" smtClean="0"/>
+              <a:t>zu</a:t>
+            </a:r>
+            <a:r>
+              <a:rPr lang="en-US" altLang="de-DE" sz="3600" dirty="0" smtClean="0"/>
+              <a:t> </a:t>
+            </a:r>
+            <a:r>
+              <a:rPr lang="en-US" altLang="de-DE" sz="3600" dirty="0" err="1" smtClean="0"/>
+              <a:t>gestalten</a:t>
+            </a:r>
+            <a:r>
+              <a:rPr lang="en-US" altLang="de-DE" sz="3600" dirty="0" smtClean="0"/>
+              <a:t>, </a:t>
+            </a:r>
+            <a:r>
+              <a:rPr lang="en-US" altLang="de-DE" sz="3600" dirty="0" err="1" smtClean="0"/>
+              <a:t>wurde</a:t>
+            </a:r>
+            <a:r>
+              <a:rPr lang="en-US" altLang="de-DE" sz="3600" dirty="0" smtClean="0"/>
+              <a:t> </a:t>
+            </a:r>
+            <a:r>
+              <a:rPr lang="en-US" altLang="de-DE" sz="3600" dirty="0" err="1" smtClean="0"/>
+              <a:t>darauf</a:t>
+            </a:r>
+            <a:r>
+              <a:rPr lang="en-US" altLang="de-DE" sz="3600" dirty="0" smtClean="0"/>
+              <a:t> </a:t>
+            </a:r>
+            <a:r>
+              <a:rPr lang="en-US" altLang="de-DE" sz="3600" dirty="0" err="1" smtClean="0"/>
+              <a:t>geachtet</a:t>
+            </a:r>
+            <a:r>
+              <a:rPr lang="en-US" altLang="de-DE" sz="3600" dirty="0" smtClean="0"/>
+              <a:t>, </a:t>
+            </a:r>
+            <a:r>
+              <a:rPr lang="en-US" altLang="de-DE" sz="3600" dirty="0" err="1" smtClean="0"/>
+              <a:t>dass</a:t>
+            </a:r>
+            <a:r>
+              <a:rPr lang="en-US" altLang="de-DE" sz="3600" dirty="0" smtClean="0"/>
+              <a:t> </a:t>
+            </a:r>
+            <a:r>
+              <a:rPr lang="en-US" altLang="de-DE" sz="3600" dirty="0" err="1" smtClean="0"/>
+              <a:t>möglichst</a:t>
+            </a:r>
+            <a:r>
+              <a:rPr lang="en-US" altLang="de-DE" sz="3600" dirty="0" smtClean="0"/>
+              <a:t> </a:t>
+            </a:r>
+            <a:r>
+              <a:rPr lang="en-US" altLang="de-DE" sz="3600" dirty="0" err="1" smtClean="0"/>
+              <a:t>widerstandsfähige</a:t>
+            </a:r>
+            <a:r>
+              <a:rPr lang="en-US" altLang="de-DE" sz="3600" dirty="0" smtClean="0"/>
+              <a:t> </a:t>
+            </a:r>
+            <a:r>
+              <a:rPr lang="en-US" altLang="de-DE" sz="3600" dirty="0" err="1" smtClean="0"/>
+              <a:t>sowie</a:t>
+            </a:r>
+            <a:r>
+              <a:rPr lang="en-US" altLang="de-DE" sz="3600" dirty="0" smtClean="0"/>
+              <a:t> </a:t>
+            </a:r>
+            <a:r>
+              <a:rPr lang="en-US" altLang="de-DE" sz="3600" dirty="0" err="1" smtClean="0"/>
+              <a:t>möglichst</a:t>
+            </a:r>
+            <a:r>
+              <a:rPr lang="en-US" altLang="de-DE" sz="3600" dirty="0" smtClean="0"/>
+              <a:t> </a:t>
+            </a:r>
+            <a:r>
+              <a:rPr lang="en-US" altLang="de-DE" sz="3600" dirty="0" err="1" smtClean="0"/>
+              <a:t>wenig</a:t>
+            </a:r>
+            <a:r>
+              <a:rPr lang="en-US" altLang="de-DE" sz="3600" dirty="0" smtClean="0"/>
+              <a:t> </a:t>
+            </a:r>
+            <a:r>
+              <a:rPr lang="en-US" altLang="de-DE" sz="3600" dirty="0" err="1" smtClean="0"/>
+              <a:t>freistehende</a:t>
+            </a:r>
+            <a:r>
+              <a:rPr lang="en-US" altLang="de-DE" sz="3600" dirty="0" smtClean="0"/>
+              <a:t> </a:t>
+            </a:r>
+            <a:r>
+              <a:rPr lang="en-US" altLang="de-DE" sz="3600" dirty="0" err="1" smtClean="0"/>
+              <a:t>Teile</a:t>
+            </a:r>
+            <a:r>
+              <a:rPr lang="en-US" altLang="de-DE" sz="3600" dirty="0" smtClean="0"/>
+              <a:t> </a:t>
+            </a:r>
+            <a:r>
+              <a:rPr lang="en-US" altLang="de-DE" sz="3600" dirty="0" err="1" smtClean="0"/>
+              <a:t>eingebaut</a:t>
+            </a:r>
+            <a:r>
+              <a:rPr lang="en-US" altLang="de-DE" sz="3600" dirty="0" smtClean="0"/>
+              <a:t> </a:t>
+            </a:r>
+            <a:r>
+              <a:rPr lang="en-US" altLang="de-DE" sz="3600" dirty="0" err="1" smtClean="0"/>
+              <a:t>wurden</a:t>
+            </a:r>
+            <a:r>
+              <a:rPr lang="en-US" altLang="de-DE" sz="3600" dirty="0" smtClean="0"/>
+              <a:t>. </a:t>
+            </a:r>
+            <a:r>
+              <a:rPr lang="en-US" altLang="de-DE" sz="3600" dirty="0" err="1" smtClean="0"/>
+              <a:t>Anfangs</a:t>
+            </a:r>
+            <a:r>
+              <a:rPr lang="en-US" altLang="de-DE" sz="3600" dirty="0" smtClean="0"/>
+              <a:t> war die </a:t>
+            </a:r>
+            <a:r>
+              <a:rPr lang="en-US" altLang="de-DE" sz="3600" dirty="0" err="1" smtClean="0"/>
+              <a:t>Orientierung</a:t>
+            </a:r>
+            <a:r>
+              <a:rPr lang="en-US" altLang="de-DE" sz="3600" dirty="0" smtClean="0"/>
+              <a:t> an der </a:t>
+            </a:r>
+            <a:r>
+              <a:rPr lang="en-US" altLang="de-DE" sz="3600" dirty="0" err="1" smtClean="0"/>
+              <a:t>offiziellen</a:t>
+            </a:r>
+            <a:r>
+              <a:rPr lang="en-US" altLang="de-DE" sz="3600" dirty="0" smtClean="0"/>
+              <a:t> Lego-</a:t>
+            </a:r>
+            <a:r>
+              <a:rPr lang="en-US" altLang="de-DE" sz="3600" dirty="0" err="1" smtClean="0"/>
+              <a:t>Anleitung</a:t>
+            </a:r>
+            <a:r>
+              <a:rPr lang="en-US" altLang="de-DE" sz="3600" dirty="0" smtClean="0"/>
+              <a:t> </a:t>
+            </a:r>
+            <a:r>
+              <a:rPr lang="en-US" altLang="de-DE" sz="3600" dirty="0" err="1" smtClean="0"/>
+              <a:t>sinnig</a:t>
+            </a:r>
+            <a:r>
+              <a:rPr lang="en-US" altLang="de-DE" sz="3600" dirty="0" smtClean="0"/>
+              <a:t> – dies </a:t>
+            </a:r>
+            <a:r>
+              <a:rPr lang="en-US" altLang="de-DE" sz="3600" dirty="0" err="1" smtClean="0"/>
+              <a:t>wurde</a:t>
+            </a:r>
+            <a:r>
+              <a:rPr lang="en-US" altLang="de-DE" sz="3600" dirty="0" smtClean="0"/>
+              <a:t> </a:t>
+            </a:r>
+            <a:r>
+              <a:rPr lang="en-US" altLang="de-DE" sz="3600" dirty="0" err="1" smtClean="0"/>
+              <a:t>jedoch</a:t>
+            </a:r>
+            <a:r>
+              <a:rPr lang="en-US" altLang="de-DE" sz="3600" dirty="0" smtClean="0"/>
+              <a:t> bald </a:t>
+            </a:r>
+            <a:r>
+              <a:rPr lang="en-US" altLang="de-DE" sz="3600" dirty="0" err="1" smtClean="0"/>
+              <a:t>verworfen</a:t>
+            </a:r>
+            <a:r>
+              <a:rPr lang="en-US" altLang="de-DE" sz="3600" dirty="0" smtClean="0"/>
+              <a:t>, </a:t>
+            </a:r>
+            <a:r>
+              <a:rPr lang="en-US" altLang="de-DE" sz="3600" dirty="0" err="1" smtClean="0"/>
+              <a:t>als</a:t>
+            </a:r>
+            <a:r>
+              <a:rPr lang="en-US" altLang="de-DE" sz="3600" dirty="0" smtClean="0"/>
+              <a:t> </a:t>
+            </a:r>
+            <a:r>
+              <a:rPr lang="en-US" altLang="de-DE" sz="3600" dirty="0" err="1" smtClean="0"/>
+              <a:t>es</a:t>
+            </a:r>
+            <a:r>
+              <a:rPr lang="en-US" altLang="de-DE" sz="3600" dirty="0" smtClean="0"/>
+              <a:t> um die </a:t>
+            </a:r>
+            <a:r>
+              <a:rPr lang="en-US" altLang="de-DE" sz="3600" dirty="0" err="1" smtClean="0"/>
+              <a:t>Feinjustierung</a:t>
+            </a:r>
+            <a:r>
+              <a:rPr lang="en-US" altLang="de-DE" sz="3600" dirty="0" smtClean="0"/>
+              <a:t> der </a:t>
+            </a:r>
+            <a:r>
+              <a:rPr lang="en-US" altLang="de-DE" sz="3600" dirty="0" err="1" smtClean="0"/>
+              <a:t>benötigten</a:t>
+            </a:r>
+            <a:r>
+              <a:rPr lang="en-US" altLang="de-DE" sz="3600" dirty="0" smtClean="0"/>
+              <a:t> </a:t>
+            </a:r>
+            <a:r>
+              <a:rPr lang="en-US" altLang="de-DE" sz="3600" dirty="0" err="1" smtClean="0"/>
+              <a:t>Sensoren</a:t>
+            </a:r>
+            <a:r>
+              <a:rPr lang="en-US" altLang="de-DE" sz="3600" dirty="0" smtClean="0"/>
+              <a:t> </a:t>
+            </a:r>
+            <a:r>
+              <a:rPr lang="en-US" altLang="de-DE" sz="3600" dirty="0" err="1" smtClean="0"/>
+              <a:t>ging</a:t>
+            </a:r>
+            <a:r>
+              <a:rPr lang="en-US" altLang="de-DE" sz="3600" dirty="0" smtClean="0"/>
+              <a:t>. </a:t>
+            </a:r>
+            <a:endParaRPr lang="en-US" altLang="de-DE" sz="3600" dirty="0"/>
           </a:p>
           <a:p>
             <a:pPr eaLnBrk="1" hangingPunct="1">
               <a:buFontTx/>
               <a:buNone/>
             </a:pPr>
-            <a:endParaRPr lang="en-US" altLang="de-DE" sz="3600"/>
+            <a:endParaRPr lang="en-US" altLang="de-DE" sz="3600" dirty="0"/>
           </a:p>
           <a:p>
             <a:pPr eaLnBrk="1" hangingPunct="1">
               <a:buFontTx/>
               <a:buNone/>
             </a:pPr>
-            <a:endParaRPr lang="en-US" altLang="de-DE" sz="3600" b="1"/>
+            <a:endParaRPr lang="en-US" altLang="de-DE" sz="3600" dirty="0"/>
           </a:p>
           <a:p>
             <a:pPr eaLnBrk="1" hangingPunct="1">
               <a:buFontTx/>
               <a:buNone/>
             </a:pPr>
-            <a:endParaRPr lang="en-US" altLang="de-DE" sz="3600" b="1"/>
+            <a:endParaRPr lang="en-US" altLang="de-DE" sz="3600" b="1" dirty="0"/>
           </a:p>
           <a:p>
             <a:pPr eaLnBrk="1" hangingPunct="1">
               <a:buFontTx/>
               <a:buNone/>
             </a:pPr>
-            <a:endParaRPr lang="en-US" altLang="de-DE" sz="3600" b="1"/>
+            <a:endParaRPr lang="en-US" altLang="de-DE" sz="3600" b="1" dirty="0"/>
+          </a:p>
+          <a:p>
+            <a:pPr eaLnBrk="1" hangingPunct="1">
+              <a:buFontTx/>
+              <a:buNone/>
+            </a:pPr>
+            <a:endParaRPr lang="en-US" altLang="de-DE" sz="3600" b="1" dirty="0"/>
           </a:p>
         </p:txBody>
       </p:sp>
@@ -6922,8 +7527,8 @@
         </p:nvSpPr>
         <p:spPr bwMode="auto">
           <a:xfrm>
-            <a:off x="1357313" y="18651538"/>
-            <a:ext cx="13254037" cy="14276387"/>
+            <a:off x="1357313" y="18651539"/>
+            <a:ext cx="13254037" cy="8153399"/>
           </a:xfrm>
           <a:prstGeom prst="rect">
             <a:avLst/>
@@ -7074,16 +7679,41 @@
               <a:buNone/>
             </a:pPr>
             <a:r>
-              <a:rPr lang="en-US" altLang="de-DE" sz="4800" b="1"/>
-              <a:t>Titel</a:t>
-            </a:r>
+              <a:rPr lang="en-US" altLang="de-DE" sz="4800" b="1" dirty="0" err="1" smtClean="0"/>
+              <a:t>Grundlage</a:t>
+            </a:r>
+            <a:r>
+              <a:rPr lang="en-US" altLang="de-DE" sz="4800" b="1" dirty="0" smtClean="0"/>
+              <a:t>: </a:t>
+            </a:r>
+            <a:r>
+              <a:rPr lang="en-US" altLang="de-DE" sz="4800" b="1" dirty="0" err="1" smtClean="0"/>
+              <a:t>Fließende</a:t>
+            </a:r>
+            <a:r>
+              <a:rPr lang="en-US" altLang="de-DE" sz="4800" b="1" dirty="0" smtClean="0"/>
+              <a:t> </a:t>
+            </a:r>
+            <a:r>
+              <a:rPr lang="en-US" altLang="de-DE" sz="4800" b="1" dirty="0" err="1" smtClean="0"/>
+              <a:t>Trennung</a:t>
+            </a:r>
+            <a:r>
+              <a:rPr lang="en-US" altLang="de-DE" sz="4800" b="1" dirty="0" smtClean="0"/>
+              <a:t> von Hard- und </a:t>
+            </a:r>
+            <a:r>
+              <a:rPr lang="en-US" altLang="de-DE" sz="4800" b="1" dirty="0" err="1" smtClean="0"/>
+              <a:t>Softwareentwickler</a:t>
+            </a:r>
+            <a:endParaRPr lang="en-US" altLang="de-DE" sz="4800" b="1" dirty="0"/>
           </a:p>
           <a:p>
             <a:pPr eaLnBrk="1" hangingPunct="1">
               <a:buFontTx/>
               <a:buNone/>
             </a:pPr>
-            <a:endParaRPr lang="en-US" altLang="de-DE" sz="3600"/>
+            <a:endParaRPr lang="en-US" altLang="de-DE" sz="3600" dirty="0"/>
           </a:p>
           <a:p>
             <a:pPr eaLnBrk="1" hangingPunct="1">
@@ -7091,8 +7721,120 @@
               <a:buNone/>
             </a:pPr>
             <a:r>
-              <a:rPr lang="en-US" altLang="de-DE" sz="3600"/>
-              <a:t>Text/Zeichnungen/Fotos etc</a:t>
+              <a:rPr lang="en-US" altLang="de-DE" sz="3600" dirty="0" smtClean="0"/>
+              <a:t>Unser Team </a:t>
+            </a:r>
+            <a:r>
+              <a:rPr lang="en-US" altLang="de-DE" sz="3600" dirty="0" err="1" smtClean="0"/>
+              <a:t>ist</a:t>
+            </a:r>
+            <a:r>
+              <a:rPr lang="en-US" altLang="de-DE" sz="3600" dirty="0" smtClean="0"/>
+              <a:t> </a:t>
+            </a:r>
+            <a:r>
+              <a:rPr lang="en-US" altLang="de-DE" sz="3600" dirty="0" err="1" smtClean="0"/>
+              <a:t>aufgeteilt</a:t>
+            </a:r>
+            <a:r>
+              <a:rPr lang="en-US" altLang="de-DE" sz="3600" dirty="0" smtClean="0"/>
+              <a:t> in das Software- und das Hardware-Team. </a:t>
+            </a:r>
+            <a:r>
+              <a:rPr lang="en-US" altLang="de-DE" sz="3600" dirty="0" err="1" smtClean="0"/>
+              <a:t>Prinzipiell</a:t>
+            </a:r>
+            <a:r>
+              <a:rPr lang="en-US" altLang="de-DE" sz="3600" dirty="0" smtClean="0"/>
+              <a:t> </a:t>
+            </a:r>
+            <a:r>
+              <a:rPr lang="en-US" altLang="de-DE" sz="3600" dirty="0" err="1" smtClean="0"/>
+              <a:t>besitzen</a:t>
+            </a:r>
+            <a:r>
+              <a:rPr lang="en-US" altLang="de-DE" sz="3600" dirty="0" smtClean="0"/>
+              <a:t> </a:t>
+            </a:r>
+            <a:r>
+              <a:rPr lang="en-US" altLang="de-DE" sz="3600" dirty="0" err="1" smtClean="0"/>
+              <a:t>Mitglieder</a:t>
+            </a:r>
+            <a:r>
+              <a:rPr lang="en-US" altLang="de-DE" sz="3600" dirty="0" smtClean="0"/>
+              <a:t> des Software-Teams </a:t>
+            </a:r>
+            <a:r>
+              <a:rPr lang="en-US" altLang="de-DE" sz="3600" dirty="0" err="1" smtClean="0"/>
+              <a:t>grundlegende</a:t>
+            </a:r>
+            <a:r>
+              <a:rPr lang="en-US" altLang="de-DE" sz="3600" dirty="0" smtClean="0"/>
+              <a:t> Hardware-</a:t>
+            </a:r>
+            <a:r>
+              <a:rPr lang="en-US" altLang="de-DE" sz="3600" dirty="0" err="1" smtClean="0"/>
+              <a:t>Kenntnisse</a:t>
+            </a:r>
+            <a:r>
+              <a:rPr lang="en-US" altLang="de-DE" sz="3600" dirty="0" smtClean="0"/>
+              <a:t> </a:t>
+            </a:r>
+            <a:r>
+              <a:rPr lang="en-US" altLang="de-DE" sz="3600" dirty="0" err="1" smtClean="0"/>
+              <a:t>im</a:t>
+            </a:r>
+            <a:r>
+              <a:rPr lang="en-US" altLang="de-DE" sz="3600" dirty="0" smtClean="0"/>
+              <a:t> </a:t>
+            </a:r>
+            <a:r>
+              <a:rPr lang="en-US" altLang="de-DE" sz="3600" dirty="0" err="1" smtClean="0"/>
+              <a:t>Sinne</a:t>
+            </a:r>
+            <a:r>
+              <a:rPr lang="en-US" altLang="de-DE" sz="3600" dirty="0" smtClean="0"/>
+              <a:t> von Job-Enrichment und </a:t>
+            </a:r>
+            <a:r>
+              <a:rPr lang="en-US" altLang="de-DE" sz="3600" dirty="0" err="1" smtClean="0"/>
+              <a:t>andersherum</a:t>
+            </a:r>
+            <a:r>
+              <a:rPr lang="en-US" altLang="de-DE" sz="3600" dirty="0" smtClean="0"/>
+              <a:t>; die Expertise </a:t>
+            </a:r>
+            <a:r>
+              <a:rPr lang="en-US" altLang="de-DE" sz="3600" dirty="0" err="1" smtClean="0"/>
+              <a:t>liegt</a:t>
+            </a:r>
+            <a:r>
+              <a:rPr lang="en-US" altLang="de-DE" sz="3600" dirty="0" smtClean="0"/>
+              <a:t>  </a:t>
+            </a:r>
+            <a:r>
+              <a:rPr lang="en-US" altLang="de-DE" sz="3600" dirty="0" err="1" smtClean="0"/>
+              <a:t>jedoch</a:t>
+            </a:r>
+            <a:r>
+              <a:rPr lang="en-US" altLang="de-DE" sz="3600" dirty="0" smtClean="0"/>
+              <a:t> </a:t>
+            </a:r>
+            <a:r>
+              <a:rPr lang="en-US" altLang="de-DE" sz="3600" dirty="0" err="1" smtClean="0"/>
+              <a:t>im</a:t>
+            </a:r>
+            <a:r>
+              <a:rPr lang="en-US" altLang="de-DE" sz="3600" dirty="0" smtClean="0"/>
+              <a:t> </a:t>
+            </a:r>
+            <a:r>
+              <a:rPr lang="en-US" altLang="de-DE" sz="3600" dirty="0" err="1" smtClean="0"/>
+              <a:t>jeweiligen</a:t>
+            </a:r>
+            <a:r>
+              <a:rPr lang="en-US" altLang="de-DE" sz="3600" dirty="0" smtClean="0"/>
+              <a:t> Team. </a:t>
             </a:r>
           </a:p>
           <a:p>
@@ -7100,168 +7842,203 @@
               <a:buFontTx/>
               <a:buNone/>
             </a:pPr>
-            <a:endParaRPr lang="en-US" altLang="de-DE" sz="3600"/>
+            <a:r>
+              <a:rPr lang="en-US" altLang="de-DE" sz="3600" dirty="0" smtClean="0"/>
+              <a:t>Das Hardware-Team </a:t>
+            </a:r>
+            <a:r>
+              <a:rPr lang="en-US" altLang="de-DE" sz="3600" dirty="0" err="1" smtClean="0"/>
+              <a:t>wird</a:t>
+            </a:r>
+            <a:r>
+              <a:rPr lang="en-US" altLang="de-DE" sz="3600" dirty="0" smtClean="0"/>
+              <a:t> </a:t>
+            </a:r>
+            <a:r>
+              <a:rPr lang="en-US" altLang="de-DE" sz="3600" dirty="0" err="1" smtClean="0"/>
+              <a:t>angeleitet</a:t>
+            </a:r>
+            <a:r>
+              <a:rPr lang="en-US" altLang="de-DE" sz="3600" dirty="0" smtClean="0"/>
+              <a:t> </a:t>
+            </a:r>
+            <a:r>
+              <a:rPr lang="en-US" altLang="de-DE" sz="3600" dirty="0" err="1" smtClean="0"/>
+              <a:t>vom</a:t>
+            </a:r>
+            <a:r>
+              <a:rPr lang="en-US" altLang="de-DE" sz="3600" dirty="0" smtClean="0"/>
+              <a:t> </a:t>
+            </a:r>
+            <a:r>
+              <a:rPr lang="en-US" altLang="de-DE" sz="3600" dirty="0" err="1" smtClean="0"/>
+              <a:t>herausragenden</a:t>
+            </a:r>
+            <a:r>
+              <a:rPr lang="en-US" altLang="de-DE" sz="3600" dirty="0" smtClean="0"/>
+              <a:t> Hardware-</a:t>
+            </a:r>
+            <a:r>
+              <a:rPr lang="en-US" altLang="de-DE" sz="3600" dirty="0" err="1" smtClean="0"/>
+              <a:t>Experten</a:t>
+            </a:r>
+            <a:r>
+              <a:rPr lang="en-US" altLang="de-DE" sz="3600" dirty="0" smtClean="0"/>
+              <a:t> </a:t>
+            </a:r>
+            <a:r>
+              <a:rPr lang="en-US" altLang="de-DE" sz="3600" dirty="0" err="1" smtClean="0"/>
+              <a:t>Mechanicos</a:t>
+            </a:r>
+            <a:r>
+              <a:rPr lang="en-US" altLang="de-DE" sz="3600" dirty="0" smtClean="0"/>
+              <a:t>, </a:t>
+            </a:r>
+            <a:r>
+              <a:rPr lang="en-US" altLang="de-DE" sz="3600" dirty="0" err="1" smtClean="0"/>
+              <a:t>während</a:t>
+            </a:r>
+            <a:r>
+              <a:rPr lang="en-US" altLang="de-DE" sz="3600" dirty="0" smtClean="0"/>
+              <a:t> das Software-Team </a:t>
+            </a:r>
+            <a:r>
+              <a:rPr lang="en-US" altLang="de-DE" sz="3600" dirty="0" err="1" smtClean="0"/>
+              <a:t>keine</a:t>
+            </a:r>
+            <a:r>
+              <a:rPr lang="en-US" altLang="de-DE" sz="3600" dirty="0" smtClean="0"/>
+              <a:t> </a:t>
+            </a:r>
+            <a:r>
+              <a:rPr lang="en-US" altLang="de-DE" sz="3600" dirty="0" err="1" smtClean="0"/>
+              <a:t>strikte</a:t>
+            </a:r>
+            <a:r>
+              <a:rPr lang="en-US" altLang="de-DE" sz="3600" dirty="0" smtClean="0"/>
+              <a:t> </a:t>
+            </a:r>
+            <a:r>
+              <a:rPr lang="en-US" altLang="de-DE" sz="3600" dirty="0" err="1" smtClean="0"/>
+              <a:t>Hierarchie</a:t>
+            </a:r>
+            <a:r>
+              <a:rPr lang="en-US" altLang="de-DE" sz="3600" dirty="0" smtClean="0"/>
+              <a:t> hat. </a:t>
+            </a:r>
+            <a:endParaRPr lang="en-US" altLang="de-DE" sz="3600" dirty="0"/>
           </a:p>
           <a:p>
             <a:pPr eaLnBrk="1" hangingPunct="1">
               <a:buFontTx/>
               <a:buNone/>
             </a:pPr>
-            <a:endParaRPr lang="en-US" altLang="de-DE" sz="3600"/>
+            <a:endParaRPr lang="en-US" altLang="de-DE" sz="3600" dirty="0"/>
           </a:p>
           <a:p>
             <a:pPr eaLnBrk="1" hangingPunct="1">
               <a:buFontTx/>
               <a:buNone/>
             </a:pPr>
-            <a:endParaRPr lang="en-US" altLang="de-DE" sz="3600"/>
+            <a:endParaRPr lang="en-US" altLang="de-DE" sz="3600" dirty="0"/>
           </a:p>
           <a:p>
             <a:pPr eaLnBrk="1" hangingPunct="1">
               <a:buFontTx/>
               <a:buNone/>
             </a:pPr>
-            <a:endParaRPr lang="en-US" altLang="de-DE" sz="3600"/>
+            <a:endParaRPr lang="en-US" altLang="de-DE" sz="3600" dirty="0"/>
           </a:p>
           <a:p>
             <a:pPr eaLnBrk="1" hangingPunct="1">
               <a:buFontTx/>
               <a:buNone/>
             </a:pPr>
-            <a:endParaRPr lang="en-US" altLang="de-DE" sz="3600"/>
+            <a:endParaRPr lang="en-US" altLang="de-DE" sz="3600" dirty="0"/>
           </a:p>
           <a:p>
             <a:pPr eaLnBrk="1" hangingPunct="1">
               <a:buFontTx/>
               <a:buNone/>
             </a:pPr>
-            <a:endParaRPr lang="en-US" altLang="de-DE" sz="3600"/>
+            <a:endParaRPr lang="en-US" altLang="de-DE" sz="3600" dirty="0"/>
           </a:p>
           <a:p>
             <a:pPr eaLnBrk="1" hangingPunct="1">
               <a:buFontTx/>
               <a:buNone/>
             </a:pPr>
-            <a:endParaRPr lang="en-US" altLang="de-DE" sz="3600"/>
+            <a:endParaRPr lang="en-US" altLang="de-DE" sz="3600" dirty="0"/>
           </a:p>
           <a:p>
             <a:pPr eaLnBrk="1" hangingPunct="1">
               <a:buFontTx/>
               <a:buNone/>
             </a:pPr>
-            <a:endParaRPr lang="en-US" altLang="de-DE" sz="3600"/>
+            <a:endParaRPr lang="en-US" altLang="de-DE" sz="3600" dirty="0"/>
           </a:p>
           <a:p>
             <a:pPr eaLnBrk="1" hangingPunct="1">
               <a:buFontTx/>
               <a:buNone/>
             </a:pPr>
-            <a:endParaRPr lang="en-US" altLang="de-DE" sz="3600"/>
+            <a:endParaRPr lang="en-US" altLang="de-DE" sz="3600" dirty="0"/>
           </a:p>
           <a:p>
             <a:pPr eaLnBrk="1" hangingPunct="1">
               <a:buFontTx/>
               <a:buNone/>
             </a:pPr>
-            <a:endParaRPr lang="en-US" altLang="de-DE" sz="3600"/>
+            <a:endParaRPr lang="en-US" altLang="de-DE" sz="3600" dirty="0"/>
           </a:p>
           <a:p>
             <a:pPr eaLnBrk="1" hangingPunct="1">
               <a:buFontTx/>
               <a:buNone/>
             </a:pPr>
-            <a:endParaRPr lang="en-US" altLang="de-DE" sz="3600"/>
+            <a:endParaRPr lang="en-US" altLang="de-DE" sz="3600" dirty="0"/>
           </a:p>
           <a:p>
             <a:pPr eaLnBrk="1" hangingPunct="1">
               <a:buFontTx/>
               <a:buNone/>
             </a:pPr>
-            <a:endParaRPr lang="en-US" altLang="de-DE" sz="3600"/>
+            <a:endParaRPr lang="en-US" altLang="de-DE" sz="3600" dirty="0"/>
           </a:p>
           <a:p>
             <a:pPr eaLnBrk="1" hangingPunct="1">
               <a:buFontTx/>
               <a:buNone/>
             </a:pPr>
-            <a:endParaRPr lang="en-US" altLang="de-DE" sz="3600"/>
+            <a:endParaRPr lang="en-US" altLang="de-DE" sz="3600" dirty="0"/>
           </a:p>
           <a:p>
             <a:pPr eaLnBrk="1" hangingPunct="1">
               <a:buFontTx/>
               <a:buNone/>
             </a:pPr>
-            <a:endParaRPr lang="en-US" altLang="de-DE" sz="3600"/>
+            <a:endParaRPr lang="en-US" altLang="de-DE" sz="3600" dirty="0"/>
           </a:p>
           <a:p>
             <a:pPr eaLnBrk="1" hangingPunct="1">
               <a:buFontTx/>
               <a:buNone/>
             </a:pPr>
-            <a:endParaRPr lang="en-US" altLang="de-DE" sz="3600"/>
+            <a:endParaRPr lang="en-US" altLang="de-DE" sz="3600" b="1" dirty="0"/>
           </a:p>
           <a:p>
             <a:pPr eaLnBrk="1" hangingPunct="1">
               <a:buFontTx/>
               <a:buNone/>
             </a:pPr>
-            <a:endParaRPr lang="en-US" altLang="de-DE" sz="3600"/>
+            <a:endParaRPr lang="en-US" altLang="de-DE" sz="3600" b="1" dirty="0"/>
           </a:p>
           <a:p>
             <a:pPr eaLnBrk="1" hangingPunct="1">
               <a:buFontTx/>
               <a:buNone/>
             </a:pPr>
-            <a:endParaRPr lang="en-US" altLang="de-DE" sz="3600"/>
-          </a:p>
-          <a:p>
-            <a:pPr eaLnBrk="1" hangingPunct="1">
-              <a:buFontTx/>
-              <a:buNone/>
-            </a:pPr>
-            <a:endParaRPr lang="en-US" altLang="de-DE" sz="3600"/>
-          </a:p>
-          <a:p>
-            <a:pPr eaLnBrk="1" hangingPunct="1">
-              <a:buFontTx/>
-              <a:buNone/>
-            </a:pPr>
-            <a:endParaRPr lang="en-US" altLang="de-DE" sz="3600"/>
-          </a:p>
-          <a:p>
-            <a:pPr eaLnBrk="1" hangingPunct="1">
-              <a:buFontTx/>
-              <a:buNone/>
-            </a:pPr>
-            <a:endParaRPr lang="en-US" altLang="de-DE" sz="3600"/>
-          </a:p>
-          <a:p>
-            <a:pPr eaLnBrk="1" hangingPunct="1">
-              <a:buFontTx/>
-              <a:buNone/>
-            </a:pPr>
-            <a:endParaRPr lang="en-US" altLang="de-DE" sz="3600"/>
-          </a:p>
-          <a:p>
-            <a:pPr eaLnBrk="1" hangingPunct="1">
-              <a:buFontTx/>
-              <a:buNone/>
-            </a:pPr>
-            <a:endParaRPr lang="en-US" altLang="de-DE" sz="3600" b="1"/>
-          </a:p>
-          <a:p>
-            <a:pPr eaLnBrk="1" hangingPunct="1">
-              <a:buFontTx/>
-              <a:buNone/>
-            </a:pPr>
-            <a:endParaRPr lang="en-US" altLang="de-DE" sz="3600" b="1"/>
-          </a:p>
-          <a:p>
-            <a:pPr eaLnBrk="1" hangingPunct="1">
-              <a:buFontTx/>
-              <a:buNone/>
-            </a:pPr>
-            <a:endParaRPr lang="en-US" altLang="de-DE" sz="3600" b="1"/>
+            <a:endParaRPr lang="en-US" altLang="de-DE" sz="3600" b="1" dirty="0"/>
           </a:p>
         </p:txBody>
       </p:sp>

--- a/Poster/Poster_Abschluss.pptx
+++ b/Poster/Poster_Abschluss.pptx
@@ -3349,7 +3349,7 @@
           <a:graphicData uri="http://schemas.openxmlformats.org/presentationml/2006/ole">
             <mc:AlternateContent xmlns:mc="http://schemas.openxmlformats.org/markup-compatibility/2006">
               <mc:Choice xmlns:v="urn:schemas-microsoft-com:vml" Requires="v">
-                <p:oleObj spid="_x0000_s1037" name="Bilddokument" r:id="rId16" imgW="3232298" imgH="1286540" progId="Imaging.Document">
+                <p:oleObj spid="_x0000_s1038" name="Bilddokument" r:id="rId16" imgW="3232298" imgH="1286540" progId="Imaging.Document">
                   <p:embed/>
                 </p:oleObj>
               </mc:Choice>
@@ -4365,21 +4365,16 @@
               <a:buNone/>
             </a:pPr>
             <a:r>
-              <a:rPr lang="en-US" altLang="de-DE" sz="4800" b="1" dirty="0" smtClean="0"/>
-              <a:t>Die </a:t>
-            </a:r>
-            <a:r>
-              <a:rPr lang="en-US" altLang="de-DE" sz="4800" b="1" dirty="0" err="1" smtClean="0"/>
-              <a:t>Sensoren</a:t>
-            </a:r>
-            <a:endParaRPr lang="en-US" altLang="de-DE" sz="4800" b="1" dirty="0"/>
+              <a:rPr lang="de-DE" altLang="de-DE" sz="4800" b="1" dirty="0" smtClean="0"/>
+              <a:t>Die Sensoren</a:t>
+            </a:r>
           </a:p>
           <a:p>
             <a:pPr eaLnBrk="1" hangingPunct="1">
               <a:buFontTx/>
               <a:buNone/>
             </a:pPr>
-            <a:endParaRPr lang="en-US" altLang="de-DE" sz="3600" dirty="0"/>
+            <a:endParaRPr lang="de-DE" altLang="de-DE" sz="3600" dirty="0" smtClean="0"/>
           </a:p>
           <a:p>
             <a:pPr eaLnBrk="1" hangingPunct="1">
@@ -4387,56 +4382,8 @@
               <a:buNone/>
             </a:pPr>
             <a:r>
-              <a:rPr lang="en-US" altLang="de-DE" sz="3600" dirty="0" smtClean="0"/>
-              <a:t>Der </a:t>
-            </a:r>
-            <a:r>
-              <a:rPr lang="en-US" altLang="de-DE" sz="3600" dirty="0" err="1" smtClean="0"/>
-              <a:t>Roboter</a:t>
-            </a:r>
-            <a:r>
-              <a:rPr lang="en-US" altLang="de-DE" sz="3600" dirty="0" smtClean="0"/>
-              <a:t> </a:t>
-            </a:r>
-            <a:r>
-              <a:rPr lang="en-US" altLang="de-DE" sz="3600" dirty="0" err="1" smtClean="0"/>
-              <a:t>benutzt</a:t>
-            </a:r>
-            <a:r>
-              <a:rPr lang="en-US" altLang="de-DE" sz="3600" dirty="0" smtClean="0"/>
-              <a:t> </a:t>
-            </a:r>
-            <a:r>
-              <a:rPr lang="en-US" altLang="de-DE" sz="3600" dirty="0" err="1" smtClean="0"/>
-              <a:t>drei</a:t>
-            </a:r>
-            <a:r>
-              <a:rPr lang="en-US" altLang="de-DE" sz="3600" dirty="0" smtClean="0"/>
-              <a:t> </a:t>
-            </a:r>
-            <a:r>
-              <a:rPr lang="en-US" altLang="de-DE" sz="3600" dirty="0" err="1" smtClean="0"/>
-              <a:t>Sensoren</a:t>
-            </a:r>
-            <a:r>
-              <a:rPr lang="en-US" altLang="de-DE" sz="3600" dirty="0" smtClean="0"/>
-              <a:t> </a:t>
-            </a:r>
-            <a:r>
-              <a:rPr lang="en-US" altLang="de-DE" sz="3600" dirty="0" err="1" smtClean="0"/>
-              <a:t>zur</a:t>
-            </a:r>
-            <a:r>
-              <a:rPr lang="en-US" altLang="de-DE" sz="3600" dirty="0" smtClean="0"/>
-              <a:t> </a:t>
-            </a:r>
-            <a:r>
-              <a:rPr lang="en-US" altLang="de-DE" sz="3600" dirty="0" err="1" smtClean="0"/>
-              <a:t>Orientierung</a:t>
-            </a:r>
-            <a:r>
-              <a:rPr lang="en-US" altLang="de-DE" sz="3600" dirty="0" smtClean="0"/>
-              <a:t>: </a:t>
+              <a:rPr lang="de-DE" altLang="de-DE" sz="3600" dirty="0" smtClean="0"/>
+              <a:t>Der Roboter benutzt drei Sensoren zur Orientierung: </a:t>
             </a:r>
           </a:p>
           <a:p>
@@ -4445,14 +4392,9 @@
               <a:buChar char="-"/>
             </a:pPr>
             <a:r>
-              <a:rPr lang="en-US" altLang="de-DE" sz="3600" dirty="0" smtClean="0"/>
-              <a:t>2 </a:t>
-            </a:r>
-            <a:r>
-              <a:rPr lang="en-US" altLang="de-DE" sz="3600" dirty="0" err="1" smtClean="0"/>
-              <a:t>Lichtsensoren</a:t>
-            </a:r>
-            <a:endParaRPr lang="en-US" altLang="de-DE" sz="3600" dirty="0" smtClean="0"/>
+              <a:rPr lang="de-DE" altLang="de-DE" sz="3600" dirty="0" smtClean="0"/>
+              <a:t>2 Lichtsensoren</a:t>
+            </a:r>
           </a:p>
           <a:p>
             <a:pPr marL="571500" indent="-571500" eaLnBrk="1" hangingPunct="1">
@@ -4460,311 +4402,46 @@
               <a:buChar char="-"/>
             </a:pPr>
             <a:r>
-              <a:rPr lang="en-US" altLang="de-DE" sz="3600" dirty="0" smtClean="0"/>
+              <a:rPr lang="de-DE" altLang="de-DE" sz="3600" dirty="0" smtClean="0"/>
               <a:t>1 </a:t>
             </a:r>
             <a:r>
-              <a:rPr lang="en-US" altLang="de-DE" sz="3600" dirty="0" err="1" smtClean="0"/>
+              <a:rPr lang="de-DE" altLang="de-DE" sz="3600" dirty="0" err="1" smtClean="0"/>
               <a:t>Touchsensor</a:t>
             </a:r>
-            <a:endParaRPr lang="en-US" altLang="de-DE" sz="3600" dirty="0" smtClean="0"/>
+            <a:endParaRPr lang="de-DE" altLang="de-DE" sz="3600" dirty="0" smtClean="0"/>
           </a:p>
           <a:p>
             <a:pPr eaLnBrk="1" hangingPunct="1">
               <a:buNone/>
             </a:pPr>
             <a:r>
-              <a:rPr lang="en-US" altLang="de-DE" sz="3600" dirty="0" err="1" smtClean="0"/>
-              <a:t>Bei</a:t>
-            </a:r>
-            <a:r>
-              <a:rPr lang="en-US" altLang="de-DE" sz="3600" dirty="0" smtClean="0"/>
-              <a:t> den </a:t>
-            </a:r>
-            <a:r>
-              <a:rPr lang="en-US" altLang="de-DE" sz="3600" dirty="0" err="1" smtClean="0"/>
-              <a:t>Lichtsensoren</a:t>
-            </a:r>
-            <a:r>
-              <a:rPr lang="en-US" altLang="de-DE" sz="3600" dirty="0" smtClean="0"/>
-              <a:t> </a:t>
-            </a:r>
-            <a:r>
-              <a:rPr lang="en-US" altLang="de-DE" sz="3600" dirty="0" err="1" smtClean="0"/>
-              <a:t>ist</a:t>
-            </a:r>
-            <a:r>
-              <a:rPr lang="en-US" altLang="de-DE" sz="3600" dirty="0" smtClean="0"/>
-              <a:t> </a:t>
-            </a:r>
-            <a:r>
-              <a:rPr lang="en-US" altLang="de-DE" sz="3600" dirty="0" err="1" smtClean="0"/>
-              <a:t>es</a:t>
-            </a:r>
-            <a:r>
-              <a:rPr lang="en-US" altLang="de-DE" sz="3600" dirty="0" smtClean="0"/>
-              <a:t> </a:t>
-            </a:r>
-            <a:r>
-              <a:rPr lang="en-US" altLang="de-DE" sz="3600" dirty="0" err="1" smtClean="0"/>
-              <a:t>wichtig</a:t>
-            </a:r>
-            <a:r>
-              <a:rPr lang="en-US" altLang="de-DE" sz="3600" dirty="0" smtClean="0"/>
-              <a:t>, </a:t>
-            </a:r>
-            <a:r>
-              <a:rPr lang="en-US" altLang="de-DE" sz="3600" dirty="0" err="1" smtClean="0"/>
-              <a:t>diese</a:t>
-            </a:r>
-            <a:r>
-              <a:rPr lang="en-US" altLang="de-DE" sz="3600" dirty="0" smtClean="0"/>
-              <a:t> </a:t>
-            </a:r>
-            <a:r>
-              <a:rPr lang="en-US" altLang="de-DE" sz="3600" dirty="0" err="1" smtClean="0"/>
-              <a:t>möglichst</a:t>
-            </a:r>
-            <a:r>
-              <a:rPr lang="en-US" altLang="de-DE" sz="3600" dirty="0" smtClean="0"/>
-              <a:t> </a:t>
-            </a:r>
-            <a:r>
-              <a:rPr lang="en-US" altLang="de-DE" sz="3600" dirty="0" err="1" smtClean="0"/>
-              <a:t>stabil</a:t>
-            </a:r>
-            <a:r>
-              <a:rPr lang="en-US" altLang="de-DE" sz="3600" dirty="0" smtClean="0"/>
-              <a:t> und </a:t>
-            </a:r>
-            <a:r>
-              <a:rPr lang="en-US" altLang="de-DE" sz="3600" dirty="0" err="1" smtClean="0"/>
-              <a:t>symmetrisch</a:t>
-            </a:r>
-            <a:r>
-              <a:rPr lang="en-US" altLang="de-DE" sz="3600" dirty="0" smtClean="0"/>
-              <a:t> </a:t>
-            </a:r>
-            <a:r>
-              <a:rPr lang="en-US" altLang="de-DE" sz="3600" dirty="0" err="1" smtClean="0"/>
-              <a:t>anzubringen</a:t>
-            </a:r>
-            <a:r>
-              <a:rPr lang="en-US" altLang="de-DE" sz="3600" dirty="0" smtClean="0"/>
-              <a:t>, um </a:t>
-            </a:r>
-            <a:r>
-              <a:rPr lang="en-US" altLang="de-DE" sz="3600" dirty="0" err="1" smtClean="0"/>
-              <a:t>einen</a:t>
-            </a:r>
-            <a:r>
-              <a:rPr lang="en-US" altLang="de-DE" sz="3600" dirty="0" smtClean="0"/>
-              <a:t> </a:t>
-            </a:r>
-            <a:r>
-              <a:rPr lang="en-US" altLang="de-DE" sz="3600" dirty="0" err="1" smtClean="0"/>
-              <a:t>eindeutigen</a:t>
-            </a:r>
-            <a:r>
-              <a:rPr lang="en-US" altLang="de-DE" sz="3600" dirty="0" smtClean="0"/>
-              <a:t> </a:t>
-            </a:r>
-            <a:r>
-              <a:rPr lang="en-US" altLang="de-DE" sz="3600" dirty="0" err="1" smtClean="0"/>
-              <a:t>Schwellenwert</a:t>
-            </a:r>
-            <a:r>
-              <a:rPr lang="en-US" altLang="de-DE" sz="3600" dirty="0" smtClean="0"/>
-              <a:t> </a:t>
-            </a:r>
-            <a:r>
-              <a:rPr lang="en-US" altLang="de-DE" sz="3600" dirty="0" err="1" smtClean="0"/>
-              <a:t>einstellen</a:t>
-            </a:r>
-            <a:r>
-              <a:rPr lang="en-US" altLang="de-DE" sz="3600" dirty="0" smtClean="0"/>
-              <a:t> </a:t>
-            </a:r>
-            <a:r>
-              <a:rPr lang="en-US" altLang="de-DE" sz="3600" dirty="0" err="1" smtClean="0"/>
-              <a:t>zu</a:t>
-            </a:r>
-            <a:r>
-              <a:rPr lang="en-US" altLang="de-DE" sz="3600" dirty="0" smtClean="0"/>
-              <a:t> </a:t>
-            </a:r>
-            <a:r>
-              <a:rPr lang="en-US" altLang="de-DE" sz="3600" dirty="0" err="1" smtClean="0"/>
-              <a:t>können</a:t>
-            </a:r>
-            <a:r>
-              <a:rPr lang="en-US" altLang="de-DE" sz="3600" dirty="0" smtClean="0"/>
-              <a:t>.</a:t>
+              <a:rPr lang="de-DE" altLang="de-DE" sz="3600" dirty="0" smtClean="0"/>
+              <a:t>Bei den Lichtsensoren ist es wichtig, diese möglichst stabil und symmetrisch anzubringen, um einen eindeutigen Schwellenwert einstellen zu können.</a:t>
             </a:r>
           </a:p>
           <a:p>
             <a:pPr eaLnBrk="1" hangingPunct="1">
               <a:buNone/>
             </a:pPr>
-            <a:endParaRPr lang="en-US" altLang="de-DE" sz="3600" dirty="0"/>
+            <a:endParaRPr lang="de-DE" altLang="de-DE" sz="3600" dirty="0" smtClean="0"/>
           </a:p>
           <a:p>
             <a:pPr eaLnBrk="1" hangingPunct="1">
               <a:buNone/>
             </a:pPr>
             <a:r>
-              <a:rPr lang="en-US" altLang="de-DE" sz="3600" dirty="0" smtClean="0"/>
+              <a:rPr lang="de-DE" altLang="de-DE" sz="3600" dirty="0" smtClean="0"/>
               <a:t>Der </a:t>
             </a:r>
             <a:r>
-              <a:rPr lang="en-US" altLang="de-DE" sz="3600" dirty="0" err="1" smtClean="0"/>
+              <a:rPr lang="de-DE" altLang="de-DE" sz="3600" dirty="0" err="1" smtClean="0"/>
               <a:t>Touchsensor</a:t>
             </a:r>
             <a:r>
-              <a:rPr lang="en-US" altLang="de-DE" sz="3600" dirty="0" smtClean="0"/>
-              <a:t> </a:t>
-            </a:r>
-            <a:r>
-              <a:rPr lang="en-US" altLang="de-DE" sz="3600" dirty="0" err="1" smtClean="0"/>
-              <a:t>ist</a:t>
-            </a:r>
-            <a:r>
-              <a:rPr lang="en-US" altLang="de-DE" sz="3600" dirty="0" smtClean="0"/>
-              <a:t> </a:t>
-            </a:r>
-            <a:r>
-              <a:rPr lang="en-US" altLang="de-DE" sz="3600" dirty="0" err="1" smtClean="0"/>
-              <a:t>asymmetrisch</a:t>
-            </a:r>
-            <a:r>
-              <a:rPr lang="en-US" altLang="de-DE" sz="3600" dirty="0" smtClean="0"/>
-              <a:t> </a:t>
-            </a:r>
-            <a:r>
-              <a:rPr lang="en-US" altLang="de-DE" sz="3600" dirty="0" err="1" smtClean="0"/>
-              <a:t>verbaut</a:t>
-            </a:r>
-            <a:r>
-              <a:rPr lang="en-US" altLang="de-DE" sz="3600" dirty="0" smtClean="0"/>
-              <a:t>, da </a:t>
-            </a:r>
-            <a:r>
-              <a:rPr lang="en-US" altLang="de-DE" sz="3600" dirty="0" err="1" smtClean="0"/>
-              <a:t>es</a:t>
-            </a:r>
-            <a:r>
-              <a:rPr lang="en-US" altLang="de-DE" sz="3600" dirty="0" smtClean="0"/>
-              <a:t> </a:t>
-            </a:r>
-            <a:r>
-              <a:rPr lang="en-US" altLang="de-DE" sz="3600" dirty="0" err="1" smtClean="0"/>
-              <a:t>keine</a:t>
-            </a:r>
-            <a:r>
-              <a:rPr lang="en-US" altLang="de-DE" sz="3600" dirty="0" smtClean="0"/>
-              <a:t> </a:t>
-            </a:r>
-            <a:r>
-              <a:rPr lang="en-US" altLang="de-DE" sz="3600" dirty="0" err="1" smtClean="0"/>
-              <a:t>andere</a:t>
-            </a:r>
-            <a:r>
-              <a:rPr lang="en-US" altLang="de-DE" sz="3600" dirty="0" smtClean="0"/>
-              <a:t> </a:t>
-            </a:r>
-            <a:r>
-              <a:rPr lang="en-US" altLang="de-DE" sz="3600" dirty="0" err="1" smtClean="0"/>
-              <a:t>Möglichkeit</a:t>
-            </a:r>
-            <a:r>
-              <a:rPr lang="en-US" altLang="de-DE" sz="3600" dirty="0" smtClean="0"/>
-              <a:t> gab, den Motor </a:t>
-            </a:r>
-            <a:r>
-              <a:rPr lang="en-US" altLang="de-DE" sz="3600" dirty="0" err="1" smtClean="0"/>
-              <a:t>für</a:t>
-            </a:r>
-            <a:r>
-              <a:rPr lang="en-US" altLang="de-DE" sz="3600" dirty="0" smtClean="0"/>
-              <a:t> den </a:t>
-            </a:r>
-            <a:r>
-              <a:rPr lang="en-US" altLang="de-DE" sz="3600" dirty="0" err="1" smtClean="0"/>
-              <a:t>Greifarm</a:t>
-            </a:r>
-            <a:r>
-              <a:rPr lang="en-US" altLang="de-DE" sz="3600" dirty="0" smtClean="0"/>
-              <a:t>  </a:t>
-            </a:r>
-            <a:r>
-              <a:rPr lang="en-US" altLang="de-DE" sz="3600" dirty="0" err="1" smtClean="0"/>
-              <a:t>ohne</a:t>
-            </a:r>
-            <a:r>
-              <a:rPr lang="en-US" altLang="de-DE" sz="3600" dirty="0" smtClean="0"/>
-              <a:t> </a:t>
-            </a:r>
-            <a:r>
-              <a:rPr lang="en-US" altLang="de-DE" sz="3600" dirty="0" err="1" smtClean="0"/>
-              <a:t>Raum</a:t>
-            </a:r>
-            <a:r>
-              <a:rPr lang="en-US" altLang="de-DE" sz="3600" dirty="0" err="1" smtClean="0"/>
-              <a:t>verlust</a:t>
-            </a:r>
-            <a:r>
-              <a:rPr lang="en-US" altLang="de-DE" sz="3600" dirty="0" smtClean="0"/>
-              <a:t> </a:t>
-            </a:r>
-            <a:r>
-              <a:rPr lang="en-US" altLang="de-DE" sz="3600" dirty="0" err="1" smtClean="0"/>
-              <a:t>anzubringen</a:t>
-            </a:r>
-            <a:r>
-              <a:rPr lang="en-US" altLang="de-DE" sz="3600" dirty="0" smtClean="0"/>
-              <a:t>. </a:t>
-            </a:r>
-            <a:r>
-              <a:rPr lang="en-US" altLang="de-DE" sz="3600" dirty="0" err="1" smtClean="0"/>
-              <a:t>Für</a:t>
-            </a:r>
-            <a:r>
-              <a:rPr lang="en-US" altLang="de-DE" sz="3600" dirty="0" smtClean="0"/>
-              <a:t> die </a:t>
-            </a:r>
-            <a:r>
-              <a:rPr lang="en-US" altLang="de-DE" sz="3600" dirty="0" err="1" smtClean="0"/>
-              <a:t>vorhandene</a:t>
-            </a:r>
-            <a:r>
-              <a:rPr lang="en-US" altLang="de-DE" sz="3600" dirty="0" smtClean="0"/>
-              <a:t> </a:t>
-            </a:r>
-            <a:r>
-              <a:rPr lang="en-US" altLang="de-DE" sz="3600" dirty="0" err="1" smtClean="0"/>
-              <a:t>Aufgabenstellung</a:t>
-            </a:r>
-            <a:r>
-              <a:rPr lang="en-US" altLang="de-DE" sz="3600" dirty="0" smtClean="0"/>
-              <a:t> </a:t>
-            </a:r>
-            <a:r>
-              <a:rPr lang="en-US" altLang="de-DE" sz="3600" dirty="0" err="1" smtClean="0"/>
-              <a:t>genügt</a:t>
-            </a:r>
-            <a:r>
-              <a:rPr lang="en-US" altLang="de-DE" sz="3600" dirty="0" smtClean="0"/>
-              <a:t> dies </a:t>
-            </a:r>
-            <a:r>
-              <a:rPr lang="en-US" altLang="de-DE" sz="3600" dirty="0" err="1" smtClean="0"/>
-              <a:t>aber</a:t>
-            </a:r>
-            <a:r>
-              <a:rPr lang="en-US" altLang="de-DE" sz="3600" dirty="0" smtClean="0"/>
-              <a:t>. </a:t>
-            </a:r>
-            <a:endParaRPr lang="en-US" altLang="de-DE" sz="3600" dirty="0"/>
+              <a:rPr lang="de-DE" altLang="de-DE" sz="3600" dirty="0" smtClean="0"/>
+              <a:t> ist asymmetrisch verbaut, da es keine andere Möglichkeit gab, den Motor für den Greifarm  ohne Raumverlust anzubringen. Für die vorhandene Aufgabenstellung genügt dies aber. </a:t>
+            </a:r>
           </a:p>
           <a:p>
             <a:pPr eaLnBrk="1" hangingPunct="1">
@@ -5005,7 +4682,7 @@
               <a:defRPr/>
             </a:pPr>
             <a:r>
-              <a:rPr lang="en-US" sz="4800" b="1" dirty="0" err="1" smtClean="0"/>
+              <a:rPr lang="de-DE" sz="4800" b="1" dirty="0" smtClean="0"/>
               <a:t>Unsere</a:t>
             </a:r>
             <a:r>
@@ -5144,7 +4821,7 @@
               <a:t> </a:t>
             </a:r>
             <a:r>
-              <a:rPr lang="en-US" dirty="0" err="1" smtClean="0"/>
+              <a:rPr lang="de-DE" dirty="0" smtClean="0"/>
               <a:t>soll</a:t>
             </a:r>
             <a:r>
@@ -5225,7 +4902,7 @@
               <a:t> </a:t>
             </a:r>
             <a:r>
-              <a:rPr lang="en-US" dirty="0" err="1" smtClean="0"/>
+              <a:rPr lang="de-DE" dirty="0" smtClean="0"/>
               <a:t>Roboter</a:t>
             </a:r>
             <a:r>
@@ -5928,7 +5605,7 @@
           <a:graphicData uri="http://schemas.openxmlformats.org/presentationml/2006/ole">
             <mc:AlternateContent xmlns:mc="http://schemas.openxmlformats.org/markup-compatibility/2006">
               <mc:Choice xmlns:v="urn:schemas-microsoft-com:vml" Requires="v">
-                <p:oleObj spid="_x0000_s2082" name="Bilddokument" r:id="rId4" imgW="3232298" imgH="1286540" progId="Imaging.Document">
+                <p:oleObj spid="_x0000_s2086" name="Bilddokument" r:id="rId4" imgW="3232298" imgH="1286540" progId="Imaging.Document">
                   <p:embed/>
                 </p:oleObj>
               </mc:Choice>
@@ -6021,7 +5698,7 @@
           <a:graphicData uri="http://schemas.openxmlformats.org/presentationml/2006/ole">
             <mc:AlternateContent xmlns:mc="http://schemas.openxmlformats.org/markup-compatibility/2006">
               <mc:Choice xmlns:v="urn:schemas-microsoft-com:vml" Requires="v">
-                <p:oleObj spid="_x0000_s2083" name="Bilddokument" r:id="rId6" imgW="3232298" imgH="1286540" progId="Imaging.Document">
+                <p:oleObj spid="_x0000_s2087" name="Bilddokument" r:id="rId6" imgW="3232298" imgH="1286540" progId="Imaging.Document">
                   <p:embed/>
                 </p:oleObj>
               </mc:Choice>
@@ -6114,7 +5791,7 @@
           <a:graphicData uri="http://schemas.openxmlformats.org/presentationml/2006/ole">
             <mc:AlternateContent xmlns:mc="http://schemas.openxmlformats.org/markup-compatibility/2006">
               <mc:Choice xmlns:v="urn:schemas-microsoft-com:vml" Requires="v">
-                <p:oleObj spid="_x0000_s2084" name="Bilddokument" r:id="rId7" imgW="3232298" imgH="1286540" progId="Imaging.Document">
+                <p:oleObj spid="_x0000_s2088" name="Bilddokument" r:id="rId7" imgW="3232298" imgH="1286540" progId="Imaging.Document">
                   <p:embed/>
                 </p:oleObj>
               </mc:Choice>
@@ -6207,7 +5884,7 @@
           <a:graphicData uri="http://schemas.openxmlformats.org/presentationml/2006/ole">
             <mc:AlternateContent xmlns:mc="http://schemas.openxmlformats.org/markup-compatibility/2006">
               <mc:Choice xmlns:v="urn:schemas-microsoft-com:vml" Requires="v">
-                <p:oleObj spid="_x0000_s2085" name="Bilddokument" r:id="rId8" imgW="3232298" imgH="1286540" progId="Imaging.Document">
+                <p:oleObj spid="_x0000_s2089" name="Bilddokument" r:id="rId8" imgW="3232298" imgH="1286540" progId="Imaging.Document">
                   <p:embed/>
                 </p:oleObj>
               </mc:Choice>
@@ -6446,17 +6123,16 @@
               <a:buNone/>
             </a:pPr>
             <a:r>
-              <a:rPr lang="en-US" altLang="de-DE" sz="4800" b="1" dirty="0" smtClean="0"/>
+              <a:rPr lang="de-DE" altLang="de-DE" sz="4800" b="1" dirty="0" smtClean="0"/>
               <a:t>Der Code</a:t>
             </a:r>
-            <a:endParaRPr lang="en-US" altLang="de-DE" sz="4800" b="1" dirty="0"/>
           </a:p>
           <a:p>
             <a:pPr eaLnBrk="1" hangingPunct="1">
               <a:buFontTx/>
               <a:buNone/>
             </a:pPr>
-            <a:endParaRPr lang="en-US" altLang="de-DE" sz="3600" dirty="0"/>
+            <a:endParaRPr lang="de-DE" altLang="de-DE" sz="3600" dirty="0" smtClean="0"/>
           </a:p>
           <a:p>
             <a:pPr eaLnBrk="1" hangingPunct="1">
@@ -6464,64 +6140,8 @@
               <a:buNone/>
             </a:pPr>
             <a:r>
-              <a:rPr lang="en-US" altLang="de-DE" sz="3600" dirty="0" smtClean="0"/>
-              <a:t>Der finale Code </a:t>
-            </a:r>
-            <a:r>
-              <a:rPr lang="en-US" altLang="de-DE" sz="3600" dirty="0" err="1" smtClean="0"/>
-              <a:t>wurde</a:t>
-            </a:r>
-            <a:r>
-              <a:rPr lang="en-US" altLang="de-DE" sz="3600" dirty="0" smtClean="0"/>
-              <a:t> </a:t>
-            </a:r>
-            <a:r>
-              <a:rPr lang="en-US" altLang="de-DE" sz="3600" dirty="0" err="1" smtClean="0"/>
-              <a:t>aus</a:t>
-            </a:r>
-            <a:r>
-              <a:rPr lang="en-US" altLang="de-DE" sz="3600" dirty="0" smtClean="0"/>
-              <a:t> </a:t>
-            </a:r>
-            <a:r>
-              <a:rPr lang="en-US" altLang="de-DE" sz="3600" dirty="0" err="1" smtClean="0"/>
-              <a:t>einzelnen</a:t>
-            </a:r>
-            <a:r>
-              <a:rPr lang="en-US" altLang="de-DE" sz="3600" dirty="0" smtClean="0"/>
-              <a:t> Code-</a:t>
-            </a:r>
-            <a:r>
-              <a:rPr lang="en-US" altLang="de-DE" sz="3600" dirty="0" err="1" smtClean="0"/>
-              <a:t>Versatzstücken</a:t>
-            </a:r>
-            <a:r>
-              <a:rPr lang="en-US" altLang="de-DE" sz="3600" dirty="0" smtClean="0"/>
-              <a:t> </a:t>
-            </a:r>
-            <a:r>
-              <a:rPr lang="en-US" altLang="de-DE" sz="3600" dirty="0" err="1" smtClean="0"/>
-              <a:t>zusammengebaut</a:t>
-            </a:r>
-            <a:r>
-              <a:rPr lang="en-US" altLang="de-DE" sz="3600" dirty="0" smtClean="0"/>
-              <a:t>. Dies </a:t>
-            </a:r>
-            <a:r>
-              <a:rPr lang="en-US" altLang="de-DE" sz="3600" dirty="0" err="1" smtClean="0"/>
-              <a:t>waren</a:t>
-            </a:r>
-            <a:r>
-              <a:rPr lang="en-US" altLang="de-DE" sz="3600" dirty="0" smtClean="0"/>
-              <a:t> </a:t>
-            </a:r>
-            <a:r>
-              <a:rPr lang="en-US" altLang="de-DE" sz="3600" dirty="0" err="1" smtClean="0"/>
-              <a:t>ursprünglich</a:t>
-            </a:r>
-            <a:r>
-              <a:rPr lang="en-US" altLang="de-DE" sz="3600" dirty="0" smtClean="0"/>
-              <a:t>:</a:t>
+              <a:rPr lang="de-DE" altLang="de-DE" sz="3600" dirty="0" smtClean="0"/>
+              <a:t>Der finale Code wurde aus einzelnen Code-Versatzstücken zusammengebaut. Dies waren ursprünglich:</a:t>
             </a:r>
           </a:p>
           <a:p>
@@ -6530,112 +6150,8 @@
               <a:buChar char="-"/>
             </a:pPr>
             <a:r>
-              <a:rPr lang="en-US" altLang="de-DE" sz="3600" dirty="0" smtClean="0"/>
-              <a:t>Die </a:t>
-            </a:r>
-            <a:r>
-              <a:rPr lang="en-US" altLang="de-DE" sz="3600" dirty="0" err="1" smtClean="0"/>
-              <a:t>Linienverfolgung</a:t>
-            </a:r>
-            <a:r>
-              <a:rPr lang="en-US" altLang="de-DE" sz="3600" dirty="0" smtClean="0"/>
-              <a:t> </a:t>
-            </a:r>
-            <a:r>
-              <a:rPr lang="en-US" altLang="de-DE" sz="3600" dirty="0" err="1" smtClean="0"/>
-              <a:t>mithilfe</a:t>
-            </a:r>
-            <a:r>
-              <a:rPr lang="en-US" altLang="de-DE" sz="3600" dirty="0" smtClean="0"/>
-              <a:t> der </a:t>
-            </a:r>
-            <a:r>
-              <a:rPr lang="en-US" altLang="de-DE" sz="3600" dirty="0" err="1" smtClean="0"/>
-              <a:t>beiden</a:t>
-            </a:r>
-            <a:r>
-              <a:rPr lang="en-US" altLang="de-DE" sz="3600" dirty="0" smtClean="0"/>
-              <a:t> </a:t>
-            </a:r>
-            <a:r>
-              <a:rPr lang="en-US" altLang="de-DE" sz="3600" dirty="0" err="1" smtClean="0"/>
-              <a:t>Lichtsensoren</a:t>
-            </a:r>
-            <a:r>
-              <a:rPr lang="en-US" altLang="de-DE" sz="3600" dirty="0" smtClean="0"/>
-              <a:t>, </a:t>
-            </a:r>
-            <a:r>
-              <a:rPr lang="en-US" altLang="de-DE" sz="3600" dirty="0" err="1" smtClean="0"/>
-              <a:t>welche</a:t>
-            </a:r>
-            <a:r>
-              <a:rPr lang="en-US" altLang="de-DE" sz="3600" dirty="0" smtClean="0"/>
-              <a:t> </a:t>
-            </a:r>
-            <a:r>
-              <a:rPr lang="en-US" altLang="de-DE" sz="3600" dirty="0" err="1" smtClean="0"/>
-              <a:t>bei</a:t>
-            </a:r>
-            <a:r>
-              <a:rPr lang="en-US" altLang="de-DE" sz="3600" dirty="0" smtClean="0"/>
-              <a:t> </a:t>
-            </a:r>
-            <a:r>
-              <a:rPr lang="en-US" altLang="de-DE" sz="3600" dirty="0" err="1" smtClean="0"/>
-              <a:t>Abweichen</a:t>
-            </a:r>
-            <a:r>
-              <a:rPr lang="en-US" altLang="de-DE" sz="3600" dirty="0" smtClean="0"/>
-              <a:t> von der </a:t>
-            </a:r>
-            <a:r>
-              <a:rPr lang="en-US" altLang="de-DE" sz="3600" dirty="0" err="1" smtClean="0"/>
-              <a:t>schwarzen</a:t>
-            </a:r>
-            <a:r>
-              <a:rPr lang="en-US" altLang="de-DE" sz="3600" dirty="0" smtClean="0"/>
-              <a:t> </a:t>
-            </a:r>
-            <a:r>
-              <a:rPr lang="en-US" altLang="de-DE" sz="3600" dirty="0" err="1" smtClean="0"/>
-              <a:t>Linie</a:t>
-            </a:r>
-            <a:r>
-              <a:rPr lang="en-US" altLang="de-DE" sz="3600" dirty="0" smtClean="0"/>
-              <a:t> die </a:t>
-            </a:r>
-            <a:r>
-              <a:rPr lang="en-US" altLang="de-DE" sz="3600" dirty="0" err="1" smtClean="0"/>
-              <a:t>Motoren</a:t>
-            </a:r>
-            <a:r>
-              <a:rPr lang="en-US" altLang="de-DE" sz="3600" dirty="0" smtClean="0"/>
-              <a:t> </a:t>
-            </a:r>
-            <a:r>
-              <a:rPr lang="en-US" altLang="de-DE" sz="3600" dirty="0" err="1" smtClean="0"/>
-              <a:t>zu</a:t>
-            </a:r>
-            <a:r>
-              <a:rPr lang="en-US" altLang="de-DE" sz="3600" dirty="0" smtClean="0"/>
-              <a:t> </a:t>
-            </a:r>
-            <a:r>
-              <a:rPr lang="en-US" altLang="de-DE" sz="3600" dirty="0" err="1" smtClean="0"/>
-              <a:t>einer</a:t>
-            </a:r>
-            <a:r>
-              <a:rPr lang="en-US" altLang="de-DE" sz="3600" dirty="0" smtClean="0"/>
-              <a:t> Regulation </a:t>
-            </a:r>
-            <a:r>
-              <a:rPr lang="en-US" altLang="de-DE" sz="3600" dirty="0" err="1" smtClean="0"/>
-              <a:t>zwingen</a:t>
-            </a:r>
-            <a:r>
-              <a:rPr lang="en-US" altLang="de-DE" sz="3600" dirty="0" smtClean="0"/>
-              <a:t>. </a:t>
+              <a:rPr lang="de-DE" altLang="de-DE" sz="3600" dirty="0" smtClean="0"/>
+              <a:t>Die Linienverfolgung mithilfe der beiden Lichtsensoren, welche bei Abweichen von der schwarzen Linie die Motoren zu einer Regulation zwingen. </a:t>
             </a:r>
           </a:p>
           <a:p>
@@ -6644,78 +6160,25 @@
               <a:buChar char="-"/>
             </a:pPr>
             <a:r>
-              <a:rPr lang="en-US" altLang="de-DE" sz="3600" dirty="0" smtClean="0"/>
+              <a:rPr lang="de-DE" altLang="de-DE" sz="3600" dirty="0" smtClean="0"/>
               <a:t>Der </a:t>
             </a:r>
             <a:r>
-              <a:rPr lang="en-US" altLang="de-DE" sz="3600" dirty="0" err="1" smtClean="0"/>
+              <a:rPr lang="de-DE" altLang="de-DE" sz="3600" dirty="0" err="1" smtClean="0"/>
               <a:t>Drehcode</a:t>
             </a:r>
             <a:r>
-              <a:rPr lang="en-US" altLang="de-DE" sz="3600" dirty="0" smtClean="0"/>
+              <a:rPr lang="de-DE" altLang="de-DE" sz="3600" dirty="0" smtClean="0"/>
               <a:t>: Da der </a:t>
             </a:r>
             <a:r>
-              <a:rPr lang="en-US" altLang="de-DE" sz="3600" dirty="0" err="1" smtClean="0"/>
+              <a:rPr lang="de-DE" altLang="de-DE" sz="3600" dirty="0" err="1" smtClean="0"/>
               <a:t>Robo</a:t>
             </a:r>
             <a:r>
-              <a:rPr lang="en-US" altLang="de-DE" sz="3600" dirty="0" smtClean="0"/>
-              <a:t> </a:t>
-            </a:r>
-            <a:r>
-              <a:rPr lang="en-US" altLang="de-DE" sz="3600" dirty="0" err="1" smtClean="0"/>
-              <a:t>nur</a:t>
-            </a:r>
-            <a:r>
-              <a:rPr lang="en-US" altLang="de-DE" sz="3600" dirty="0" smtClean="0"/>
-              <a:t> </a:t>
-            </a:r>
-            <a:r>
-              <a:rPr lang="en-US" altLang="de-DE" sz="3600" dirty="0" err="1" smtClean="0"/>
-              <a:t>vorwärts</a:t>
-            </a:r>
-            <a:r>
-              <a:rPr lang="en-US" altLang="de-DE" sz="3600" dirty="0" smtClean="0"/>
-              <a:t> </a:t>
-            </a:r>
-            <a:r>
-              <a:rPr lang="en-US" altLang="de-DE" sz="3600" dirty="0" err="1" smtClean="0"/>
-              <a:t>fahren</a:t>
-            </a:r>
-            <a:r>
-              <a:rPr lang="en-US" altLang="de-DE" sz="3600" dirty="0" smtClean="0"/>
-              <a:t> </a:t>
-            </a:r>
-            <a:r>
-              <a:rPr lang="en-US" altLang="de-DE" sz="3600" dirty="0" err="1" smtClean="0"/>
-              <a:t>sollte</a:t>
-            </a:r>
-            <a:r>
-              <a:rPr lang="en-US" altLang="de-DE" sz="3600" dirty="0" smtClean="0"/>
-              <a:t>, </a:t>
-            </a:r>
-            <a:r>
-              <a:rPr lang="en-US" altLang="de-DE" sz="3600" dirty="0" err="1" smtClean="0"/>
-              <a:t>wurde</a:t>
-            </a:r>
-            <a:r>
-              <a:rPr lang="en-US" altLang="de-DE" sz="3600" dirty="0" smtClean="0"/>
-              <a:t> </a:t>
-            </a:r>
-            <a:r>
-              <a:rPr lang="en-US" altLang="de-DE" sz="3600" dirty="0" err="1" smtClean="0"/>
-              <a:t>dieser</a:t>
-            </a:r>
-            <a:r>
-              <a:rPr lang="en-US" altLang="de-DE" sz="3600" dirty="0" smtClean="0"/>
-              <a:t> Code </a:t>
-            </a:r>
-            <a:r>
-              <a:rPr lang="en-US" altLang="de-DE" sz="3600" dirty="0" err="1" smtClean="0"/>
-              <a:t>implementiert</a:t>
-            </a:r>
-            <a:endParaRPr lang="en-US" altLang="de-DE" sz="3600" dirty="0" smtClean="0"/>
+              <a:rPr lang="de-DE" altLang="de-DE" sz="3600" dirty="0" smtClean="0"/>
+              <a:t> nur vorwärts fahren sollte, wurde dieser Code implementiert</a:t>
+            </a:r>
           </a:p>
           <a:p>
             <a:pPr marL="571500" indent="-571500" eaLnBrk="1" hangingPunct="1">
@@ -6723,168 +6186,24 @@
               <a:buChar char="-"/>
             </a:pPr>
             <a:r>
-              <a:rPr lang="en-US" altLang="de-DE" sz="3600" dirty="0" smtClean="0"/>
+              <a:rPr lang="de-DE" altLang="de-DE" sz="3600" dirty="0" smtClean="0"/>
               <a:t>Der </a:t>
             </a:r>
             <a:r>
-              <a:rPr lang="en-US" altLang="de-DE" sz="3600" dirty="0" err="1" smtClean="0"/>
+              <a:rPr lang="de-DE" altLang="de-DE" sz="3600" dirty="0" err="1" smtClean="0"/>
               <a:t>touch_grab</a:t>
             </a:r>
             <a:r>
-              <a:rPr lang="en-US" altLang="de-DE" sz="3600" dirty="0" smtClean="0"/>
-              <a:t> Code: </a:t>
-            </a:r>
-            <a:r>
-              <a:rPr lang="en-US" altLang="de-DE" sz="3600" dirty="0" err="1" smtClean="0"/>
-              <a:t>Dieser</a:t>
-            </a:r>
-            <a:r>
-              <a:rPr lang="en-US" altLang="de-DE" sz="3600" dirty="0" smtClean="0"/>
-              <a:t> Code </a:t>
-            </a:r>
-            <a:r>
-              <a:rPr lang="en-US" altLang="de-DE" sz="3600" dirty="0" err="1" smtClean="0"/>
-              <a:t>aktiviert</a:t>
-            </a:r>
-            <a:r>
-              <a:rPr lang="en-US" altLang="de-DE" sz="3600" dirty="0" smtClean="0"/>
-              <a:t> den Motor </a:t>
-            </a:r>
-            <a:r>
-              <a:rPr lang="en-US" altLang="de-DE" sz="3600" dirty="0" err="1" smtClean="0"/>
-              <a:t>für</a:t>
-            </a:r>
-            <a:r>
-              <a:rPr lang="en-US" altLang="de-DE" sz="3600" dirty="0" smtClean="0"/>
-              <a:t> den </a:t>
-            </a:r>
-            <a:r>
-              <a:rPr lang="en-US" altLang="de-DE" sz="3600" dirty="0" err="1" smtClean="0"/>
-              <a:t>Greifarm</a:t>
-            </a:r>
-            <a:r>
-              <a:rPr lang="en-US" altLang="de-DE" sz="3600" dirty="0" smtClean="0"/>
-              <a:t>, um den Ball </a:t>
-            </a:r>
-            <a:r>
-              <a:rPr lang="en-US" altLang="de-DE" sz="3600" dirty="0" err="1" smtClean="0"/>
-              <a:t>aufnehmen</a:t>
-            </a:r>
-            <a:r>
-              <a:rPr lang="en-US" altLang="de-DE" sz="3600" dirty="0" smtClean="0"/>
-              <a:t> </a:t>
-            </a:r>
-            <a:r>
-              <a:rPr lang="en-US" altLang="de-DE" sz="3600" dirty="0" err="1" smtClean="0"/>
-              <a:t>zu</a:t>
-            </a:r>
-            <a:r>
-              <a:rPr lang="en-US" altLang="de-DE" sz="3600" dirty="0" smtClean="0"/>
-              <a:t> </a:t>
-            </a:r>
-            <a:r>
-              <a:rPr lang="en-US" altLang="de-DE" sz="3600" dirty="0" err="1" smtClean="0"/>
-              <a:t>können</a:t>
-            </a:r>
-            <a:r>
-              <a:rPr lang="en-US" altLang="de-DE" sz="3600" dirty="0" smtClean="0"/>
-              <a:t> und </a:t>
-            </a:r>
-            <a:r>
-              <a:rPr lang="en-US" altLang="de-DE" sz="3600" dirty="0" err="1" smtClean="0"/>
-              <a:t>fährt</a:t>
-            </a:r>
-            <a:r>
-              <a:rPr lang="en-US" altLang="de-DE" sz="3600" dirty="0" smtClean="0"/>
-              <a:t> </a:t>
-            </a:r>
-            <a:r>
-              <a:rPr lang="en-US" altLang="de-DE" sz="3600" dirty="0" err="1" smtClean="0"/>
-              <a:t>dann</a:t>
-            </a:r>
-            <a:r>
-              <a:rPr lang="en-US" altLang="de-DE" sz="3600" dirty="0" smtClean="0"/>
-              <a:t> </a:t>
-            </a:r>
-            <a:r>
-              <a:rPr lang="en-US" altLang="de-DE" sz="3600" dirty="0" err="1" smtClean="0"/>
-              <a:t>für</a:t>
-            </a:r>
-            <a:r>
-              <a:rPr lang="en-US" altLang="de-DE" sz="3600" dirty="0" smtClean="0"/>
-              <a:t> </a:t>
-            </a:r>
-            <a:r>
-              <a:rPr lang="en-US" altLang="de-DE" sz="3600" dirty="0" err="1" smtClean="0"/>
-              <a:t>eine</a:t>
-            </a:r>
-            <a:r>
-              <a:rPr lang="en-US" altLang="de-DE" sz="3600" dirty="0" smtClean="0"/>
-              <a:t> </a:t>
-            </a:r>
-            <a:r>
-              <a:rPr lang="en-US" altLang="de-DE" sz="3600" dirty="0" err="1" smtClean="0"/>
-              <a:t>kurze</a:t>
-            </a:r>
-            <a:r>
-              <a:rPr lang="en-US" altLang="de-DE" sz="3600" dirty="0" smtClean="0"/>
-              <a:t> </a:t>
-            </a:r>
-            <a:r>
-              <a:rPr lang="en-US" altLang="de-DE" sz="3600" dirty="0" err="1" smtClean="0"/>
-              <a:t>Zeit</a:t>
-            </a:r>
-            <a:r>
-              <a:rPr lang="en-US" altLang="de-DE" sz="3600" dirty="0" smtClean="0"/>
-              <a:t> </a:t>
-            </a:r>
-            <a:r>
-              <a:rPr lang="en-US" altLang="de-DE" sz="3600" dirty="0" err="1" smtClean="0"/>
-              <a:t>rückwärts</a:t>
-            </a:r>
-            <a:r>
-              <a:rPr lang="en-US" altLang="de-DE" sz="3600" dirty="0" smtClean="0"/>
-              <a:t>, </a:t>
-            </a:r>
-            <a:r>
-              <a:rPr lang="en-US" altLang="de-DE" sz="3600" dirty="0" err="1" smtClean="0"/>
-              <a:t>damit</a:t>
-            </a:r>
-            <a:r>
-              <a:rPr lang="en-US" altLang="de-DE" sz="3600" dirty="0" smtClean="0"/>
-              <a:t> der </a:t>
-            </a:r>
-            <a:r>
-              <a:rPr lang="en-US" altLang="de-DE" sz="3600" dirty="0" err="1" smtClean="0"/>
+              <a:rPr lang="de-DE" altLang="de-DE" sz="3600" dirty="0" smtClean="0"/>
+              <a:t> Code: Dieser Code aktiviert den Motor für den Greifarm, um den Ball aufnehmen zu können und fährt dann für eine kurze Zeit rückwärts, damit der </a:t>
+            </a:r>
+            <a:r>
+              <a:rPr lang="de-DE" altLang="de-DE" sz="3600" dirty="0" err="1" smtClean="0"/>
               <a:t>Robo</a:t>
             </a:r>
             <a:r>
-              <a:rPr lang="en-US" altLang="de-DE" sz="3600" dirty="0" smtClean="0"/>
-              <a:t> in der </a:t>
-            </a:r>
-            <a:r>
-              <a:rPr lang="en-US" altLang="de-DE" sz="3600" dirty="0" err="1" smtClean="0"/>
-              <a:t>Drehung</a:t>
-            </a:r>
-            <a:r>
-              <a:rPr lang="en-US" altLang="de-DE" sz="3600" dirty="0" smtClean="0"/>
-              <a:t> </a:t>
-            </a:r>
-            <a:r>
-              <a:rPr lang="en-US" altLang="de-DE" sz="3600" dirty="0" err="1" smtClean="0"/>
-              <a:t>nirgends</a:t>
-            </a:r>
-            <a:r>
-              <a:rPr lang="en-US" altLang="de-DE" sz="3600" dirty="0" smtClean="0"/>
-              <a:t> </a:t>
-            </a:r>
-            <a:r>
-              <a:rPr lang="en-US" altLang="de-DE" sz="3600" dirty="0" err="1" smtClean="0"/>
-              <a:t>anstößt</a:t>
-            </a:r>
-            <a:r>
-              <a:rPr lang="en-US" altLang="de-DE" sz="3600" dirty="0" smtClean="0"/>
-              <a:t>.</a:t>
+              <a:rPr lang="de-DE" altLang="de-DE" sz="3600" dirty="0" smtClean="0"/>
+              <a:t> in der Drehung nirgends anstößt.</a:t>
             </a:r>
           </a:p>
           <a:p>
@@ -6893,111 +6212,31 @@
               <a:buChar char="-"/>
             </a:pPr>
             <a:r>
-              <a:rPr lang="en-US" altLang="de-DE" sz="3600" dirty="0" smtClean="0"/>
+              <a:rPr lang="de-DE" altLang="de-DE" sz="3600" dirty="0" smtClean="0"/>
               <a:t>Der </a:t>
             </a:r>
             <a:r>
-              <a:rPr lang="en-US" altLang="de-DE" sz="3600" dirty="0" err="1" smtClean="0"/>
+              <a:rPr lang="de-DE" altLang="de-DE" sz="3600" dirty="0" err="1" smtClean="0"/>
               <a:t>touch_open</a:t>
             </a:r>
             <a:r>
-              <a:rPr lang="en-US" altLang="de-DE" sz="3600" dirty="0" smtClean="0"/>
-              <a:t> Code: </a:t>
-            </a:r>
-            <a:r>
-              <a:rPr lang="en-US" altLang="de-DE" sz="3600" dirty="0" err="1" smtClean="0"/>
-              <a:t>Mit</a:t>
-            </a:r>
-            <a:r>
-              <a:rPr lang="en-US" altLang="de-DE" sz="3600" dirty="0" smtClean="0"/>
-              <a:t> </a:t>
-            </a:r>
-            <a:r>
-              <a:rPr lang="en-US" altLang="de-DE" sz="3600" dirty="0" err="1" smtClean="0"/>
-              <a:t>diesem</a:t>
-            </a:r>
-            <a:r>
-              <a:rPr lang="en-US" altLang="de-DE" sz="3600" dirty="0" smtClean="0"/>
-              <a:t> Code </a:t>
-            </a:r>
-            <a:r>
-              <a:rPr lang="en-US" altLang="de-DE" sz="3600" dirty="0" err="1" smtClean="0"/>
-              <a:t>sollte</a:t>
-            </a:r>
-            <a:r>
-              <a:rPr lang="en-US" altLang="de-DE" sz="3600" dirty="0" smtClean="0"/>
-              <a:t> der </a:t>
-            </a:r>
-            <a:r>
-              <a:rPr lang="en-US" altLang="de-DE" sz="3600" dirty="0" err="1" smtClean="0"/>
-              <a:t>Greifarm</a:t>
-            </a:r>
-            <a:r>
-              <a:rPr lang="en-US" altLang="de-DE" sz="3600" dirty="0" smtClean="0"/>
-              <a:t> den Ball </a:t>
-            </a:r>
-            <a:r>
-              <a:rPr lang="en-US" altLang="de-DE" sz="3600" dirty="0" err="1" smtClean="0"/>
-              <a:t>wieder</a:t>
-            </a:r>
-            <a:r>
-              <a:rPr lang="en-US" altLang="de-DE" sz="3600" dirty="0" smtClean="0"/>
-              <a:t> fallen </a:t>
-            </a:r>
-            <a:r>
-              <a:rPr lang="en-US" altLang="de-DE" sz="3600" dirty="0" err="1" smtClean="0"/>
-              <a:t>lassen</a:t>
-            </a:r>
-            <a:r>
-              <a:rPr lang="en-US" altLang="de-DE" sz="3600" dirty="0" smtClean="0"/>
-              <a:t>, </a:t>
-            </a:r>
-            <a:r>
-              <a:rPr lang="en-US" altLang="de-DE" sz="3600" dirty="0" err="1" smtClean="0"/>
-              <a:t>sobald</a:t>
-            </a:r>
-            <a:r>
-              <a:rPr lang="en-US" altLang="de-DE" sz="3600" dirty="0" smtClean="0"/>
-              <a:t> der Touch-Sensor des </a:t>
-            </a:r>
-            <a:r>
-              <a:rPr lang="en-US" altLang="de-DE" sz="3600" dirty="0" err="1" smtClean="0"/>
+              <a:rPr lang="de-DE" altLang="de-DE" sz="3600" dirty="0" smtClean="0"/>
+              <a:t> Code: Mit diesem Code sollte der Greifarm den Ball wieder fallen lassen, sobald der Touch-Sensor des </a:t>
+            </a:r>
+            <a:r>
+              <a:rPr lang="de-DE" altLang="de-DE" sz="3600" dirty="0" err="1" smtClean="0"/>
               <a:t>Robos</a:t>
             </a:r>
             <a:r>
-              <a:rPr lang="en-US" altLang="de-DE" sz="3600" dirty="0" smtClean="0"/>
-              <a:t> auf </a:t>
-            </a:r>
-            <a:r>
-              <a:rPr lang="en-US" altLang="de-DE" sz="3600" dirty="0" err="1" smtClean="0"/>
-              <a:t>ein</a:t>
-            </a:r>
-            <a:r>
-              <a:rPr lang="en-US" altLang="de-DE" sz="3600" dirty="0" smtClean="0"/>
-              <a:t> </a:t>
-            </a:r>
-            <a:r>
-              <a:rPr lang="en-US" altLang="de-DE" sz="3600" dirty="0" err="1" smtClean="0"/>
-              <a:t>Hindernis</a:t>
-            </a:r>
-            <a:r>
-              <a:rPr lang="en-US" altLang="de-DE" sz="3600" dirty="0" smtClean="0"/>
-              <a:t> </a:t>
-            </a:r>
-            <a:r>
-              <a:rPr lang="en-US" altLang="de-DE" sz="3600" dirty="0" err="1" smtClean="0"/>
-              <a:t>stößt</a:t>
-            </a:r>
-            <a:r>
-              <a:rPr lang="en-US" altLang="de-DE" sz="3600" dirty="0" smtClean="0"/>
-              <a:t>. </a:t>
+              <a:rPr lang="de-DE" altLang="de-DE" sz="3600" dirty="0" smtClean="0"/>
+              <a:t> auf ein Hindernis stößt. </a:t>
             </a:r>
           </a:p>
           <a:p>
             <a:pPr eaLnBrk="1" hangingPunct="1">
               <a:buNone/>
             </a:pPr>
-            <a:endParaRPr lang="en-US" altLang="de-DE" sz="3600" dirty="0" smtClean="0"/>
+            <a:endParaRPr lang="de-DE" altLang="de-DE" sz="3600" dirty="0" smtClean="0"/>
           </a:p>
           <a:p>
             <a:pPr eaLnBrk="1" hangingPunct="1">
@@ -7197,21 +6436,21 @@
               <a:buNone/>
             </a:pPr>
             <a:r>
-              <a:rPr lang="en-US" altLang="de-DE" sz="4800" b="1" dirty="0" smtClean="0"/>
+              <a:rPr lang="de-DE" altLang="de-DE" sz="4800" b="1" dirty="0" smtClean="0"/>
               <a:t>Hardware  - la </a:t>
             </a:r>
             <a:r>
-              <a:rPr lang="en-US" altLang="de-DE" sz="4800" b="1" dirty="0" err="1" smtClean="0"/>
+              <a:rPr lang="de-DE" altLang="de-DE" sz="4800" b="1" dirty="0" err="1" smtClean="0"/>
               <a:t>stabilidad</a:t>
             </a:r>
-            <a:endParaRPr lang="en-US" altLang="de-DE" sz="4800" b="1" dirty="0" smtClean="0"/>
+            <a:endParaRPr lang="de-DE" altLang="de-DE" sz="4800" b="1" dirty="0" smtClean="0"/>
           </a:p>
           <a:p>
             <a:pPr eaLnBrk="1" hangingPunct="1">
               <a:buFontTx/>
               <a:buNone/>
             </a:pPr>
-            <a:endParaRPr lang="en-US" altLang="de-DE" sz="4800" b="1" dirty="0"/>
+            <a:endParaRPr lang="de-DE" altLang="de-DE" sz="4800" b="1" dirty="0" smtClean="0"/>
           </a:p>
           <a:p>
             <a:pPr eaLnBrk="1" hangingPunct="1">
@@ -7219,266 +6458,9 @@
               <a:buNone/>
             </a:pPr>
             <a:r>
-              <a:rPr lang="en-US" altLang="de-DE" sz="3600" dirty="0" smtClean="0"/>
-              <a:t>Um den </a:t>
-            </a:r>
-            <a:r>
-              <a:rPr lang="en-US" altLang="de-DE" sz="3600" dirty="0" err="1" smtClean="0"/>
-              <a:t>Roboter</a:t>
-            </a:r>
-            <a:r>
-              <a:rPr lang="en-US" altLang="de-DE" sz="3600" dirty="0" smtClean="0"/>
-              <a:t> </a:t>
-            </a:r>
-            <a:r>
-              <a:rPr lang="en-US" altLang="de-DE" sz="3600" dirty="0" err="1" smtClean="0"/>
-              <a:t>möglichst</a:t>
-            </a:r>
-            <a:r>
-              <a:rPr lang="en-US" altLang="de-DE" sz="3600" dirty="0" smtClean="0"/>
-              <a:t> </a:t>
-            </a:r>
-            <a:r>
-              <a:rPr lang="en-US" altLang="de-DE" sz="3600" dirty="0" err="1" smtClean="0"/>
-              <a:t>stabil</a:t>
-            </a:r>
-            <a:r>
-              <a:rPr lang="en-US" altLang="de-DE" sz="3600" dirty="0" smtClean="0"/>
-              <a:t> </a:t>
-            </a:r>
-            <a:r>
-              <a:rPr lang="en-US" altLang="de-DE" sz="3600" dirty="0" err="1" smtClean="0"/>
-              <a:t>zu</a:t>
-            </a:r>
-            <a:r>
-              <a:rPr lang="en-US" altLang="de-DE" sz="3600" dirty="0" smtClean="0"/>
-              <a:t> </a:t>
-            </a:r>
-            <a:r>
-              <a:rPr lang="en-US" altLang="de-DE" sz="3600" dirty="0" err="1" smtClean="0"/>
-              <a:t>gestalten</a:t>
-            </a:r>
-            <a:r>
-              <a:rPr lang="en-US" altLang="de-DE" sz="3600" dirty="0" smtClean="0"/>
-              <a:t>, </a:t>
-            </a:r>
-            <a:r>
-              <a:rPr lang="en-US" altLang="de-DE" sz="3600" dirty="0" err="1" smtClean="0"/>
-              <a:t>wurde</a:t>
-            </a:r>
-            <a:r>
-              <a:rPr lang="en-US" altLang="de-DE" sz="3600" dirty="0" smtClean="0"/>
-              <a:t> </a:t>
-            </a:r>
-            <a:r>
-              <a:rPr lang="en-US" altLang="de-DE" sz="3600" dirty="0" err="1" smtClean="0"/>
-              <a:t>darauf</a:t>
-            </a:r>
-            <a:r>
-              <a:rPr lang="en-US" altLang="de-DE" sz="3600" dirty="0" smtClean="0"/>
-              <a:t> </a:t>
-            </a:r>
-            <a:r>
-              <a:rPr lang="en-US" altLang="de-DE" sz="3600" dirty="0" err="1" smtClean="0"/>
-              <a:t>geachtet</a:t>
-            </a:r>
-            <a:r>
-              <a:rPr lang="en-US" altLang="de-DE" sz="3600" dirty="0" smtClean="0"/>
-              <a:t>, </a:t>
-            </a:r>
-            <a:r>
-              <a:rPr lang="en-US" altLang="de-DE" sz="3600" dirty="0" err="1" smtClean="0"/>
-              <a:t>dass</a:t>
-            </a:r>
-            <a:r>
-              <a:rPr lang="en-US" altLang="de-DE" sz="3600" dirty="0" smtClean="0"/>
-              <a:t> </a:t>
-            </a:r>
-            <a:r>
-              <a:rPr lang="en-US" altLang="de-DE" sz="3600" dirty="0" err="1" smtClean="0"/>
-              <a:t>möglichst</a:t>
-            </a:r>
-            <a:r>
-              <a:rPr lang="en-US" altLang="de-DE" sz="3600" dirty="0" smtClean="0"/>
-              <a:t> </a:t>
-            </a:r>
-            <a:r>
-              <a:rPr lang="en-US" altLang="de-DE" sz="3600" dirty="0" err="1" smtClean="0"/>
-              <a:t>widerstandsfähige</a:t>
-            </a:r>
-            <a:r>
-              <a:rPr lang="en-US" altLang="de-DE" sz="3600" dirty="0" smtClean="0"/>
-              <a:t> </a:t>
-            </a:r>
-            <a:r>
-              <a:rPr lang="en-US" altLang="de-DE" sz="3600" dirty="0" err="1" smtClean="0"/>
-              <a:t>sowie</a:t>
-            </a:r>
-            <a:r>
-              <a:rPr lang="en-US" altLang="de-DE" sz="3600" dirty="0" smtClean="0"/>
-              <a:t> </a:t>
-            </a:r>
-            <a:r>
-              <a:rPr lang="en-US" altLang="de-DE" sz="3600" dirty="0" err="1" smtClean="0"/>
-              <a:t>möglichst</a:t>
-            </a:r>
-            <a:r>
-              <a:rPr lang="en-US" altLang="de-DE" sz="3600" dirty="0" smtClean="0"/>
-              <a:t> </a:t>
-            </a:r>
-            <a:r>
-              <a:rPr lang="en-US" altLang="de-DE" sz="3600" dirty="0" err="1" smtClean="0"/>
-              <a:t>wenig</a:t>
-            </a:r>
-            <a:r>
-              <a:rPr lang="en-US" altLang="de-DE" sz="3600" dirty="0" smtClean="0"/>
-              <a:t> </a:t>
-            </a:r>
-            <a:r>
-              <a:rPr lang="en-US" altLang="de-DE" sz="3600" dirty="0" err="1" smtClean="0"/>
-              <a:t>freistehende</a:t>
-            </a:r>
-            <a:r>
-              <a:rPr lang="en-US" altLang="de-DE" sz="3600" dirty="0" smtClean="0"/>
-              <a:t> </a:t>
-            </a:r>
-            <a:r>
-              <a:rPr lang="en-US" altLang="de-DE" sz="3600" dirty="0" err="1" smtClean="0"/>
-              <a:t>Teile</a:t>
-            </a:r>
-            <a:r>
-              <a:rPr lang="en-US" altLang="de-DE" sz="3600" dirty="0" smtClean="0"/>
-              <a:t> </a:t>
-            </a:r>
-            <a:r>
-              <a:rPr lang="en-US" altLang="de-DE" sz="3600" dirty="0" err="1" smtClean="0"/>
-              <a:t>eingebaut</a:t>
-            </a:r>
-            <a:r>
-              <a:rPr lang="en-US" altLang="de-DE" sz="3600" dirty="0" smtClean="0"/>
-              <a:t> </a:t>
-            </a:r>
-            <a:r>
-              <a:rPr lang="en-US" altLang="de-DE" sz="3600" dirty="0" err="1" smtClean="0"/>
-              <a:t>wurden</a:t>
-            </a:r>
-            <a:r>
-              <a:rPr lang="en-US" altLang="de-DE" sz="3600" dirty="0" smtClean="0"/>
-              <a:t>. </a:t>
-            </a:r>
-            <a:r>
-              <a:rPr lang="en-US" altLang="de-DE" sz="3600" dirty="0" err="1" smtClean="0"/>
-              <a:t>Anfangs</a:t>
-            </a:r>
-            <a:r>
-              <a:rPr lang="en-US" altLang="de-DE" sz="3600" dirty="0" smtClean="0"/>
-              <a:t> war die </a:t>
-            </a:r>
-            <a:r>
-              <a:rPr lang="en-US" altLang="de-DE" sz="3600" dirty="0" err="1" smtClean="0"/>
-              <a:t>Orientierung</a:t>
-            </a:r>
-            <a:r>
-              <a:rPr lang="en-US" altLang="de-DE" sz="3600" dirty="0" smtClean="0"/>
-              <a:t> an der </a:t>
-            </a:r>
-            <a:r>
-              <a:rPr lang="en-US" altLang="de-DE" sz="3600" dirty="0" err="1" smtClean="0"/>
-              <a:t>offiziellen</a:t>
-            </a:r>
-            <a:r>
-              <a:rPr lang="en-US" altLang="de-DE" sz="3600" dirty="0" smtClean="0"/>
-              <a:t> Lego-</a:t>
-            </a:r>
-            <a:r>
-              <a:rPr lang="en-US" altLang="de-DE" sz="3600" dirty="0" err="1" smtClean="0"/>
-              <a:t>Anleitung</a:t>
-            </a:r>
-            <a:r>
-              <a:rPr lang="en-US" altLang="de-DE" sz="3600" dirty="0" smtClean="0"/>
-              <a:t> </a:t>
-            </a:r>
-            <a:r>
-              <a:rPr lang="en-US" altLang="de-DE" sz="3600" dirty="0" err="1" smtClean="0"/>
-              <a:t>sinnig</a:t>
-            </a:r>
-            <a:r>
-              <a:rPr lang="en-US" altLang="de-DE" sz="3600" dirty="0" smtClean="0"/>
-              <a:t> – dies </a:t>
-            </a:r>
-            <a:r>
-              <a:rPr lang="en-US" altLang="de-DE" sz="3600" dirty="0" err="1" smtClean="0"/>
-              <a:t>wurde</a:t>
-            </a:r>
-            <a:r>
-              <a:rPr lang="en-US" altLang="de-DE" sz="3600" dirty="0" smtClean="0"/>
-              <a:t> </a:t>
-            </a:r>
-            <a:r>
-              <a:rPr lang="en-US" altLang="de-DE" sz="3600" dirty="0" err="1" smtClean="0"/>
-              <a:t>jedoch</a:t>
-            </a:r>
-            <a:r>
-              <a:rPr lang="en-US" altLang="de-DE" sz="3600" dirty="0" smtClean="0"/>
-              <a:t> bald </a:t>
-            </a:r>
-            <a:r>
-              <a:rPr lang="en-US" altLang="de-DE" sz="3600" dirty="0" err="1" smtClean="0"/>
-              <a:t>verworfen</a:t>
-            </a:r>
-            <a:r>
-              <a:rPr lang="en-US" altLang="de-DE" sz="3600" dirty="0" smtClean="0"/>
-              <a:t>, </a:t>
-            </a:r>
-            <a:r>
-              <a:rPr lang="en-US" altLang="de-DE" sz="3600" dirty="0" err="1" smtClean="0"/>
-              <a:t>als</a:t>
-            </a:r>
-            <a:r>
-              <a:rPr lang="en-US" altLang="de-DE" sz="3600" dirty="0" smtClean="0"/>
-              <a:t> </a:t>
-            </a:r>
-            <a:r>
-              <a:rPr lang="en-US" altLang="de-DE" sz="3600" dirty="0" err="1" smtClean="0"/>
-              <a:t>es</a:t>
-            </a:r>
-            <a:r>
-              <a:rPr lang="en-US" altLang="de-DE" sz="3600" dirty="0" smtClean="0"/>
-              <a:t> um die </a:t>
-            </a:r>
-            <a:r>
-              <a:rPr lang="en-US" altLang="de-DE" sz="3600" dirty="0" err="1" smtClean="0"/>
-              <a:t>Feinjustierung</a:t>
-            </a:r>
-            <a:r>
-              <a:rPr lang="en-US" altLang="de-DE" sz="3600" dirty="0" smtClean="0"/>
-              <a:t> der </a:t>
-            </a:r>
-            <a:r>
-              <a:rPr lang="en-US" altLang="de-DE" sz="3600" dirty="0" err="1" smtClean="0"/>
-              <a:t>benötigten</a:t>
-            </a:r>
-            <a:r>
-              <a:rPr lang="en-US" altLang="de-DE" sz="3600" dirty="0" smtClean="0"/>
-              <a:t> </a:t>
-            </a:r>
-            <a:r>
-              <a:rPr lang="en-US" altLang="de-DE" sz="3600" dirty="0" err="1" smtClean="0"/>
-              <a:t>Sensoren</a:t>
-            </a:r>
-            <a:r>
-              <a:rPr lang="en-US" altLang="de-DE" sz="3600" dirty="0" smtClean="0"/>
-              <a:t> </a:t>
-            </a:r>
-            <a:r>
-              <a:rPr lang="en-US" altLang="de-DE" sz="3600" dirty="0" err="1" smtClean="0"/>
-              <a:t>ging</a:t>
-            </a:r>
-            <a:r>
-              <a:rPr lang="en-US" altLang="de-DE" sz="3600" dirty="0" smtClean="0"/>
-              <a:t>. </a:t>
-            </a:r>
-            <a:endParaRPr lang="en-US" altLang="de-DE" sz="3600" dirty="0"/>
+              <a:rPr lang="de-DE" altLang="de-DE" sz="3600" dirty="0" smtClean="0"/>
+              <a:t>Um den Roboter möglichst stabil zu gestalten, wurde darauf geachtet, dass möglichst widerstandsfähige sowie möglichst wenig freistehende Teile eingebaut wurden. Anfangs war die Orientierung an der offiziellen Lego-Anleitung sinnig – dies wurde jedoch bald verworfen, als es um die Feinjustierung der benötigten Sensoren ging. </a:t>
+            </a:r>
           </a:p>
           <a:p>
             <a:pPr eaLnBrk="1" hangingPunct="1">
@@ -7679,41 +6661,16 @@
               <a:buNone/>
             </a:pPr>
             <a:r>
-              <a:rPr lang="en-US" altLang="de-DE" sz="4800" b="1" dirty="0" err="1" smtClean="0"/>
-              <a:t>Grundlage</a:t>
-            </a:r>
-            <a:r>
-              <a:rPr lang="en-US" altLang="de-DE" sz="4800" b="1" dirty="0" smtClean="0"/>
-              <a:t>: </a:t>
-            </a:r>
-            <a:r>
-              <a:rPr lang="en-US" altLang="de-DE" sz="4800" b="1" dirty="0" err="1" smtClean="0"/>
-              <a:t>Fließende</a:t>
-            </a:r>
-            <a:r>
-              <a:rPr lang="en-US" altLang="de-DE" sz="4800" b="1" dirty="0" smtClean="0"/>
-              <a:t> </a:t>
-            </a:r>
-            <a:r>
-              <a:rPr lang="en-US" altLang="de-DE" sz="4800" b="1" dirty="0" err="1" smtClean="0"/>
-              <a:t>Trennung</a:t>
-            </a:r>
-            <a:r>
-              <a:rPr lang="en-US" altLang="de-DE" sz="4800" b="1" dirty="0" smtClean="0"/>
-              <a:t> von Hard- und </a:t>
-            </a:r>
-            <a:r>
-              <a:rPr lang="en-US" altLang="de-DE" sz="4800" b="1" dirty="0" err="1" smtClean="0"/>
-              <a:t>Softwareentwickler</a:t>
-            </a:r>
-            <a:endParaRPr lang="en-US" altLang="de-DE" sz="4800" b="1" dirty="0"/>
+              <a:rPr lang="de-DE" altLang="de-DE" sz="4800" b="1" dirty="0" smtClean="0"/>
+              <a:t>Grundlage: Fließende Trennung von Hard- und Softwareentwickler</a:t>
+            </a:r>
           </a:p>
           <a:p>
             <a:pPr eaLnBrk="1" hangingPunct="1">
               <a:buFontTx/>
               <a:buNone/>
             </a:pPr>
-            <a:endParaRPr lang="en-US" altLang="de-DE" sz="3600" dirty="0"/>
+            <a:endParaRPr lang="de-DE" altLang="de-DE" sz="3600" dirty="0" smtClean="0"/>
           </a:p>
           <a:p>
             <a:pPr eaLnBrk="1" hangingPunct="1">
@@ -7721,120 +6678,16 @@
               <a:buNone/>
             </a:pPr>
             <a:r>
-              <a:rPr lang="en-US" altLang="de-DE" sz="3600" dirty="0" smtClean="0"/>
-              <a:t>Unser Team </a:t>
-            </a:r>
-            <a:r>
-              <a:rPr lang="en-US" altLang="de-DE" sz="3600" dirty="0" err="1" smtClean="0"/>
-              <a:t>ist</a:t>
-            </a:r>
-            <a:r>
-              <a:rPr lang="en-US" altLang="de-DE" sz="3600" dirty="0" smtClean="0"/>
-              <a:t> </a:t>
-            </a:r>
-            <a:r>
-              <a:rPr lang="en-US" altLang="de-DE" sz="3600" dirty="0" err="1" smtClean="0"/>
-              <a:t>aufgeteilt</a:t>
-            </a:r>
-            <a:r>
-              <a:rPr lang="en-US" altLang="de-DE" sz="3600" dirty="0" smtClean="0"/>
-              <a:t> in das Software- und das Hardware-Team. </a:t>
-            </a:r>
-            <a:r>
-              <a:rPr lang="en-US" altLang="de-DE" sz="3600" dirty="0" err="1" smtClean="0"/>
-              <a:t>Prinzipiell</a:t>
-            </a:r>
-            <a:r>
-              <a:rPr lang="en-US" altLang="de-DE" sz="3600" dirty="0" smtClean="0"/>
-              <a:t> </a:t>
-            </a:r>
-            <a:r>
-              <a:rPr lang="en-US" altLang="de-DE" sz="3600" dirty="0" err="1" smtClean="0"/>
-              <a:t>besitzen</a:t>
-            </a:r>
-            <a:r>
-              <a:rPr lang="en-US" altLang="de-DE" sz="3600" dirty="0" smtClean="0"/>
-              <a:t> </a:t>
-            </a:r>
-            <a:r>
-              <a:rPr lang="en-US" altLang="de-DE" sz="3600" dirty="0" err="1" smtClean="0"/>
-              <a:t>Mitglieder</a:t>
-            </a:r>
-            <a:r>
-              <a:rPr lang="en-US" altLang="de-DE" sz="3600" dirty="0" smtClean="0"/>
-              <a:t> des Software-Teams </a:t>
-            </a:r>
-            <a:r>
-              <a:rPr lang="en-US" altLang="de-DE" sz="3600" dirty="0" err="1" smtClean="0"/>
-              <a:t>grundlegende</a:t>
-            </a:r>
-            <a:r>
-              <a:rPr lang="en-US" altLang="de-DE" sz="3600" dirty="0" smtClean="0"/>
-              <a:t> Hardware-</a:t>
-            </a:r>
-            <a:r>
-              <a:rPr lang="en-US" altLang="de-DE" sz="3600" dirty="0" err="1" smtClean="0"/>
-              <a:t>Kenntnisse</a:t>
-            </a:r>
-            <a:r>
-              <a:rPr lang="en-US" altLang="de-DE" sz="3600" dirty="0" smtClean="0"/>
-              <a:t> </a:t>
-            </a:r>
-            <a:r>
-              <a:rPr lang="en-US" altLang="de-DE" sz="3600" dirty="0" err="1" smtClean="0"/>
-              <a:t>im</a:t>
-            </a:r>
-            <a:r>
-              <a:rPr lang="en-US" altLang="de-DE" sz="3600" dirty="0" smtClean="0"/>
-              <a:t> </a:t>
-            </a:r>
-            <a:r>
-              <a:rPr lang="en-US" altLang="de-DE" sz="3600" dirty="0" err="1" smtClean="0"/>
-              <a:t>Sinne</a:t>
-            </a:r>
-            <a:r>
-              <a:rPr lang="en-US" altLang="de-DE" sz="3600" dirty="0" smtClean="0"/>
-              <a:t> von Job-Enrichment und </a:t>
-            </a:r>
-            <a:r>
-              <a:rPr lang="en-US" altLang="de-DE" sz="3600" dirty="0" err="1" smtClean="0"/>
-              <a:t>andersherum</a:t>
-            </a:r>
-            <a:r>
-              <a:rPr lang="en-US" altLang="de-DE" sz="3600" dirty="0" smtClean="0"/>
-              <a:t>; die Expertise </a:t>
-            </a:r>
-            <a:r>
-              <a:rPr lang="en-US" altLang="de-DE" sz="3600" dirty="0" err="1" smtClean="0"/>
-              <a:t>liegt</a:t>
-            </a:r>
-            <a:r>
-              <a:rPr lang="en-US" altLang="de-DE" sz="3600" dirty="0" smtClean="0"/>
-              <a:t>  </a:t>
-            </a:r>
-            <a:r>
-              <a:rPr lang="en-US" altLang="de-DE" sz="3600" dirty="0" err="1" smtClean="0"/>
-              <a:t>jedoch</a:t>
-            </a:r>
-            <a:r>
-              <a:rPr lang="en-US" altLang="de-DE" sz="3600" dirty="0" smtClean="0"/>
-              <a:t> </a:t>
-            </a:r>
-            <a:r>
-              <a:rPr lang="en-US" altLang="de-DE" sz="3600" dirty="0" err="1" smtClean="0"/>
-              <a:t>im</a:t>
-            </a:r>
-            <a:r>
-              <a:rPr lang="en-US" altLang="de-DE" sz="3600" dirty="0" smtClean="0"/>
-              <a:t> </a:t>
-            </a:r>
-            <a:r>
-              <a:rPr lang="en-US" altLang="de-DE" sz="3600" dirty="0" err="1" smtClean="0"/>
-              <a:t>jeweiligen</a:t>
-            </a:r>
-            <a:r>
-              <a:rPr lang="en-US" altLang="de-DE" sz="3600" dirty="0" smtClean="0"/>
-              <a:t> Team. </a:t>
+              <a:rPr lang="de-DE" altLang="de-DE" sz="3600" dirty="0" smtClean="0"/>
+              <a:t>Unser Team ist aufgeteilt in das Software- und das Hardware-Team. Prinzipiell besitzen Mitglieder des Software-Teams grundlegende Hardware-Kenntnisse im Sinne von Job-</a:t>
+            </a:r>
+            <a:r>
+              <a:rPr lang="de-DE" altLang="de-DE" sz="3600" dirty="0" err="1" smtClean="0"/>
+              <a:t>Enrichment</a:t>
+            </a:r>
+            <a:r>
+              <a:rPr lang="de-DE" altLang="de-DE" sz="3600" dirty="0" smtClean="0"/>
+              <a:t> und andersherum; die Expertise liegt  jedoch im jeweiligen Team. </a:t>
             </a:r>
           </a:p>
           <a:p>
@@ -7843,90 +6696,17 @@
               <a:buNone/>
             </a:pPr>
             <a:r>
-              <a:rPr lang="en-US" altLang="de-DE" sz="3600" dirty="0" smtClean="0"/>
-              <a:t>Das Hardware-Team </a:t>
-            </a:r>
-            <a:r>
-              <a:rPr lang="en-US" altLang="de-DE" sz="3600" dirty="0" err="1" smtClean="0"/>
-              <a:t>wird</a:t>
-            </a:r>
-            <a:r>
-              <a:rPr lang="en-US" altLang="de-DE" sz="3600" dirty="0" smtClean="0"/>
-              <a:t> </a:t>
-            </a:r>
-            <a:r>
-              <a:rPr lang="en-US" altLang="de-DE" sz="3600" dirty="0" err="1" smtClean="0"/>
-              <a:t>angeleitet</a:t>
-            </a:r>
-            <a:r>
-              <a:rPr lang="en-US" altLang="de-DE" sz="3600" dirty="0" smtClean="0"/>
-              <a:t> </a:t>
-            </a:r>
-            <a:r>
-              <a:rPr lang="en-US" altLang="de-DE" sz="3600" dirty="0" err="1" smtClean="0"/>
-              <a:t>vom</a:t>
-            </a:r>
-            <a:r>
-              <a:rPr lang="en-US" altLang="de-DE" sz="3600" dirty="0" smtClean="0"/>
-              <a:t> </a:t>
-            </a:r>
-            <a:r>
-              <a:rPr lang="en-US" altLang="de-DE" sz="3600" dirty="0" err="1" smtClean="0"/>
-              <a:t>herausragenden</a:t>
-            </a:r>
-            <a:r>
-              <a:rPr lang="en-US" altLang="de-DE" sz="3600" dirty="0" smtClean="0"/>
-              <a:t> Hardware-</a:t>
-            </a:r>
-            <a:r>
-              <a:rPr lang="en-US" altLang="de-DE" sz="3600" dirty="0" err="1" smtClean="0"/>
-              <a:t>Experten</a:t>
-            </a:r>
-            <a:r>
-              <a:rPr lang="en-US" altLang="de-DE" sz="3600" dirty="0" smtClean="0"/>
-              <a:t> </a:t>
-            </a:r>
-            <a:r>
-              <a:rPr lang="en-US" altLang="de-DE" sz="3600" dirty="0" err="1" smtClean="0"/>
+              <a:rPr lang="de-DE" altLang="de-DE" sz="3600" dirty="0" smtClean="0"/>
+              <a:t>Das Hardware-Team wird angeleitet vom herausragenden Hardware-Experten </a:t>
+            </a:r>
+            <a:r>
+              <a:rPr lang="de-DE" altLang="de-DE" sz="3600" dirty="0" err="1" smtClean="0"/>
               <a:t>Mechanicos</a:t>
             </a:r>
             <a:r>
-              <a:rPr lang="en-US" altLang="de-DE" sz="3600" dirty="0" smtClean="0"/>
-              <a:t>, </a:t>
-            </a:r>
-            <a:r>
-              <a:rPr lang="en-US" altLang="de-DE" sz="3600" dirty="0" err="1" smtClean="0"/>
-              <a:t>während</a:t>
-            </a:r>
-            <a:r>
-              <a:rPr lang="en-US" altLang="de-DE" sz="3600" dirty="0" smtClean="0"/>
-              <a:t> das Software-Team </a:t>
-            </a:r>
-            <a:r>
-              <a:rPr lang="en-US" altLang="de-DE" sz="3600" dirty="0" err="1" smtClean="0"/>
-              <a:t>keine</a:t>
-            </a:r>
-            <a:r>
-              <a:rPr lang="en-US" altLang="de-DE" sz="3600" dirty="0" smtClean="0"/>
-              <a:t> </a:t>
-            </a:r>
-            <a:r>
-              <a:rPr lang="en-US" altLang="de-DE" sz="3600" dirty="0" err="1" smtClean="0"/>
-              <a:t>strikte</a:t>
-            </a:r>
-            <a:r>
-              <a:rPr lang="en-US" altLang="de-DE" sz="3600" dirty="0" smtClean="0"/>
-              <a:t> </a:t>
-            </a:r>
-            <a:r>
-              <a:rPr lang="en-US" altLang="de-DE" sz="3600" dirty="0" err="1" smtClean="0"/>
-              <a:t>Hierarchie</a:t>
-            </a:r>
-            <a:r>
-              <a:rPr lang="en-US" altLang="de-DE" sz="3600" dirty="0" smtClean="0"/>
-              <a:t> hat. </a:t>
-            </a:r>
-            <a:endParaRPr lang="en-US" altLang="de-DE" sz="3600" dirty="0"/>
+              <a:rPr lang="de-DE" altLang="de-DE" sz="3600" dirty="0" smtClean="0"/>
+              <a:t>, während das Software-Team keine strikte Hierarchie hat. </a:t>
+            </a:r>
           </a:p>
           <a:p>
             <a:pPr eaLnBrk="1" hangingPunct="1">

--- a/Poster/Poster_Abschluss.pptx
+++ b/Poster/Poster_Abschluss.pptx
@@ -3349,7 +3349,7 @@
           <a:graphicData uri="http://schemas.openxmlformats.org/presentationml/2006/ole">
             <mc:AlternateContent xmlns:mc="http://schemas.openxmlformats.org/markup-compatibility/2006">
               <mc:Choice xmlns:v="urn:schemas-microsoft-com:vml" Requires="v">
-                <p:oleObj spid="_x0000_s1038" name="Bilddokument" r:id="rId16" imgW="3232298" imgH="1286540" progId="Imaging.Document">
+                <p:oleObj spid="_x0000_s1047" name="Bilddokument" r:id="rId16" imgW="3232298" imgH="1286540" progId="Imaging.Document">
                   <p:embed/>
                 </p:oleObj>
               </mc:Choice>
@@ -4440,14 +4440,12 @@
             </a:r>
             <a:r>
               <a:rPr lang="de-DE" altLang="de-DE" sz="3600" dirty="0" smtClean="0"/>
-              <a:t> ist asymmetrisch verbaut, da es keine andere Möglichkeit gab, den Motor für den Greifarm  ohne Raumverlust anzubringen. Für die vorhandene Aufgabenstellung genügt dies aber. </a:t>
-            </a:r>
-          </a:p>
-          <a:p>
-            <a:pPr eaLnBrk="1" hangingPunct="1">
-              <a:buFontTx/>
-              <a:buNone/>
-            </a:pPr>
+              <a:t> ist asymmetrisch verbaut, da es keine andere Möglichkeit gab, den Motor für den Greifarm  ohne Raumverlust anzubringen. </a:t>
+            </a:r>
+            <a:r>
+              <a:rPr lang="de-DE" altLang="de-DE" sz="3600" dirty="0" smtClean="0"/>
+              <a:t>Trotz der Verfolgung des symmetrischen Konzepts war dies leider nicht möglich. </a:t>
+            </a:r>
             <a:endParaRPr lang="en-US" altLang="de-DE" sz="3600" dirty="0"/>
           </a:p>
           <a:p>
@@ -4670,8 +4668,8 @@
         </p:nvSpPr>
         <p:spPr>
           <a:xfrm>
-            <a:off x="1373188" y="6931025"/>
-            <a:ext cx="13254037" cy="9555956"/>
+            <a:off x="1373188" y="6931024"/>
+            <a:ext cx="13254037" cy="10958513"/>
           </a:xfrm>
         </p:spPr>
         <p:txBody>
@@ -4683,42 +4681,53 @@
             </a:pPr>
             <a:r>
               <a:rPr lang="de-DE" sz="4800" b="1" dirty="0" smtClean="0"/>
-              <a:t>Unsere</a:t>
-            </a:r>
-            <a:r>
-              <a:rPr lang="en-US" sz="4800" b="1" dirty="0" smtClean="0"/>
-              <a:t> </a:t>
-            </a:r>
-            <a:r>
-              <a:rPr lang="en-US" sz="4800" b="1" dirty="0" err="1" smtClean="0"/>
-              <a:t>Vorstellung</a:t>
-            </a:r>
-            <a:endParaRPr lang="en-US" sz="4800" b="1" dirty="0" smtClean="0"/>
+              <a:t>Unser Konzept</a:t>
+            </a:r>
           </a:p>
           <a:p>
             <a:pPr marL="0" indent="0" eaLnBrk="1" hangingPunct="1">
               <a:defRPr/>
             </a:pPr>
-            <a:r>
-              <a:rPr lang="de-DE" dirty="0" smtClean="0"/>
-              <a:t>Da unser Team nur bedingt aus leistungsfähigen Informatikern und Technischen Fakultätslern besteht, habe n wir unseren Schwerpunkt auf die Gefühlswelt des </a:t>
-            </a:r>
-            <a:r>
-              <a:rPr lang="de-DE" dirty="0" err="1" smtClean="0"/>
-              <a:t>Robos</a:t>
-            </a:r>
-            <a:r>
-              <a:rPr lang="de-DE" dirty="0" smtClean="0"/>
-              <a:t> gelegt. </a:t>
-            </a:r>
+            <a:endParaRPr lang="de-DE" sz="4800" dirty="0"/>
           </a:p>
           <a:p>
             <a:pPr marL="0" indent="0" eaLnBrk="1" hangingPunct="1">
               <a:defRPr/>
             </a:pPr>
             <a:r>
+              <a:rPr lang="de-DE" dirty="0" smtClean="0"/>
+              <a:t>Nach anfänglichen Startschwierigkeiten bezüglich der Koordination der Treffen, vereinbarten wir ein wöchentliches Treffen mit allen Teammitgliedern während der Tutorenzeiten, um zusammen den Roboter zu gestalten. Code-Stücke wurden sowohl daheim wie auch vor Ort geschrieben. </a:t>
+            </a:r>
+          </a:p>
+          <a:p>
+            <a:pPr marL="0" indent="0" eaLnBrk="1" hangingPunct="1">
+              <a:defRPr/>
+            </a:pPr>
+            <a:r>
+              <a:rPr lang="de-DE" dirty="0" smtClean="0"/>
+              <a:t>Jeder Aufgabenteil wird dabei einzeln geschrieben und abgespeichert und am Ende in den vollständigen Code integriert. </a:t>
+            </a:r>
+            <a:endParaRPr lang="de-DE" dirty="0"/>
+          </a:p>
+          <a:p>
+            <a:pPr marL="0" indent="0" eaLnBrk="1" hangingPunct="1">
+              <a:defRPr/>
+            </a:pPr>
+            <a:r>
+              <a:rPr lang="en-US" dirty="0" smtClean="0"/>
+              <a:t>Die </a:t>
+            </a:r>
+            <a:r>
               <a:rPr lang="en-US" dirty="0" err="1" smtClean="0"/>
-              <a:t>Mit</a:t>
+              <a:t>Übertragungswege</a:t>
+            </a:r>
+            <a:r>
+              <a:rPr lang="en-US" dirty="0" smtClean="0"/>
+              <a:t> auf die </a:t>
+            </a:r>
+            <a:r>
+              <a:rPr lang="en-US" dirty="0" err="1" smtClean="0"/>
+              <a:t>beiden</a:t>
             </a:r>
             <a:r>
               <a:rPr lang="en-US" dirty="0" smtClean="0"/>
@@ -4726,7 +4735,7 @@
             </a:r>
             <a:r>
               <a:rPr lang="en-US" dirty="0" err="1" smtClean="0"/>
-              <a:t>seinen</a:t>
+              <a:t>Achsen</a:t>
             </a:r>
             <a:r>
               <a:rPr lang="en-US" dirty="0" smtClean="0"/>
@@ -4734,7 +4743,7 @@
             </a:r>
             <a:r>
               <a:rPr lang="en-US" dirty="0" err="1" smtClean="0"/>
-              <a:t>Sensoren</a:t>
+              <a:t>waren</a:t>
             </a:r>
             <a:r>
               <a:rPr lang="en-US" dirty="0" smtClean="0"/>
@@ -4742,7 +4751,15 @@
             </a:r>
             <a:r>
               <a:rPr lang="en-US" dirty="0" err="1" smtClean="0"/>
-              <a:t>testet</a:t>
+              <a:t>direkt</a:t>
+            </a:r>
+            <a:r>
+              <a:rPr lang="en-US" dirty="0" smtClean="0"/>
+              <a:t> und der Grip am Hang </a:t>
+            </a:r>
+            <a:r>
+              <a:rPr lang="en-US" dirty="0" err="1" smtClean="0"/>
+              <a:t>sollte</a:t>
             </a:r>
             <a:r>
               <a:rPr lang="en-US" dirty="0" smtClean="0"/>
@@ -4750,23 +4767,7 @@
             </a:r>
             <a:r>
               <a:rPr lang="en-US" dirty="0" err="1" smtClean="0"/>
-              <a:t>er</a:t>
-            </a:r>
-            <a:r>
-              <a:rPr lang="en-US" dirty="0" smtClean="0"/>
-              <a:t> das </a:t>
-            </a:r>
-            <a:r>
-              <a:rPr lang="en-US" dirty="0" err="1" smtClean="0"/>
-              <a:t>außenstehende</a:t>
-            </a:r>
-            <a:r>
-              <a:rPr lang="en-US" dirty="0" smtClean="0"/>
-              <a:t> Karma. </a:t>
-            </a:r>
-            <a:r>
-              <a:rPr lang="en-US" dirty="0" err="1" smtClean="0"/>
-              <a:t>Ist</a:t>
+              <a:t>durch</a:t>
             </a:r>
             <a:r>
               <a:rPr lang="en-US" dirty="0" smtClean="0"/>
@@ -4774,15 +4775,7 @@
             </a:r>
             <a:r>
               <a:rPr lang="en-US" dirty="0" err="1" smtClean="0"/>
-              <a:t>es</a:t>
-            </a:r>
-            <a:r>
-              <a:rPr lang="en-US" dirty="0" smtClean="0"/>
-              <a:t> gut, </a:t>
-            </a:r>
-            <a:r>
-              <a:rPr lang="en-US" dirty="0" err="1" smtClean="0"/>
-              <a:t>fährt</a:t>
+              <a:t>doppelte</a:t>
             </a:r>
             <a:r>
               <a:rPr lang="en-US" dirty="0" smtClean="0"/>
@@ -4790,7 +4783,7 @@
             </a:r>
             <a:r>
               <a:rPr lang="en-US" dirty="0" err="1" smtClean="0"/>
-              <a:t>er</a:t>
+              <a:t>Räder</a:t>
             </a:r>
             <a:r>
               <a:rPr lang="en-US" dirty="0" smtClean="0"/>
@@ -4798,7 +4791,7 @@
             </a:r>
             <a:r>
               <a:rPr lang="en-US" dirty="0" err="1" smtClean="0"/>
-              <a:t>auch</a:t>
+              <a:t>verstärkt</a:t>
             </a:r>
             <a:r>
               <a:rPr lang="en-US" dirty="0" smtClean="0"/>
@@ -4806,7 +4799,15 @@
             </a:r>
             <a:r>
               <a:rPr lang="en-US" dirty="0" err="1" smtClean="0"/>
-              <a:t>wie</a:t>
+              <a:t>werden</a:t>
+            </a:r>
+            <a:r>
+              <a:rPr lang="en-US" dirty="0" smtClean="0"/>
+              <a:t>. </a:t>
+            </a:r>
+            <a:r>
+              <a:rPr lang="en-US" dirty="0" err="1" smtClean="0"/>
+              <a:t>Zur</a:t>
             </a:r>
             <a:r>
               <a:rPr lang="en-US" dirty="0" smtClean="0"/>
@@ -4814,19 +4815,83 @@
             </a:r>
             <a:r>
               <a:rPr lang="en-US" dirty="0" err="1" smtClean="0"/>
-              <a:t>er</a:t>
+              <a:t>Stabilisierung</a:t>
             </a:r>
             <a:r>
               <a:rPr lang="en-US" dirty="0" smtClean="0"/>
               <a:t> </a:t>
             </a:r>
             <a:r>
-              <a:rPr lang="de-DE" dirty="0" smtClean="0"/>
-              <a:t>soll</a:t>
+              <a:rPr lang="en-US" dirty="0" err="1" smtClean="0"/>
+              <a:t>nach</a:t>
             </a:r>
             <a:r>
               <a:rPr lang="en-US" dirty="0" smtClean="0"/>
-              <a:t>; </a:t>
+              <a:t> </a:t>
+            </a:r>
+            <a:r>
+              <a:rPr lang="en-US" dirty="0" err="1" smtClean="0"/>
+              <a:t>hinten</a:t>
+            </a:r>
+            <a:r>
+              <a:rPr lang="en-US" dirty="0" smtClean="0"/>
+              <a:t> </a:t>
+            </a:r>
+            <a:r>
+              <a:rPr lang="en-US" dirty="0" err="1" smtClean="0"/>
+              <a:t>diente</a:t>
+            </a:r>
+            <a:r>
+              <a:rPr lang="en-US" dirty="0" smtClean="0"/>
+              <a:t> </a:t>
+            </a:r>
+            <a:r>
+              <a:rPr lang="en-US" dirty="0" err="1" smtClean="0"/>
+              <a:t>ein</a:t>
+            </a:r>
+            <a:r>
+              <a:rPr lang="en-US" dirty="0" smtClean="0"/>
+              <a:t> </a:t>
+            </a:r>
+            <a:r>
+              <a:rPr lang="en-US" dirty="0" err="1" smtClean="0"/>
+              <a:t>Schlittenkonstrukt</a:t>
+            </a:r>
+            <a:r>
+              <a:rPr lang="en-US" dirty="0" smtClean="0"/>
+              <a:t>, das den </a:t>
+            </a:r>
+            <a:r>
+              <a:rPr lang="en-US" dirty="0" err="1" smtClean="0"/>
+              <a:t>Roboter</a:t>
+            </a:r>
+            <a:r>
+              <a:rPr lang="en-US" dirty="0" smtClean="0"/>
+              <a:t> am </a:t>
+            </a:r>
+            <a:r>
+              <a:rPr lang="en-US" dirty="0" err="1" smtClean="0"/>
+              <a:t>Umkippen</a:t>
+            </a:r>
+            <a:r>
+              <a:rPr lang="en-US" dirty="0" smtClean="0"/>
+              <a:t> </a:t>
+            </a:r>
+            <a:r>
+              <a:rPr lang="en-US" dirty="0" err="1" smtClean="0"/>
+              <a:t>hinderte</a:t>
+            </a:r>
+            <a:r>
+              <a:rPr lang="en-US" dirty="0" smtClean="0"/>
+              <a:t>. Der </a:t>
+            </a:r>
+            <a:r>
+              <a:rPr lang="en-US" dirty="0" err="1" smtClean="0"/>
+              <a:t>Greifarm</a:t>
+            </a:r>
+            <a:r>
+              <a:rPr lang="en-US" dirty="0" smtClean="0"/>
+              <a:t> </a:t>
             </a:r>
             <a:r>
               <a:rPr lang="en-US" dirty="0" err="1" smtClean="0"/>
@@ -4838,7 +4903,7 @@
             </a:r>
             <a:r>
               <a:rPr lang="en-US" dirty="0" err="1" smtClean="0"/>
-              <a:t>es</a:t>
+              <a:t>eine</a:t>
             </a:r>
             <a:r>
               <a:rPr lang="en-US" dirty="0" smtClean="0"/>
@@ -4846,7 +4911,39 @@
             </a:r>
             <a:r>
               <a:rPr lang="en-US" dirty="0" err="1" smtClean="0"/>
-              <a:t>schlecht</a:t>
+              <a:t>indirekte</a:t>
+            </a:r>
+            <a:r>
+              <a:rPr lang="en-US" dirty="0" smtClean="0"/>
+              <a:t> </a:t>
+            </a:r>
+            <a:r>
+              <a:rPr lang="en-US" dirty="0" err="1" smtClean="0"/>
+              <a:t>Konstruktion</a:t>
+            </a:r>
+            <a:r>
+              <a:rPr lang="en-US" dirty="0" smtClean="0"/>
+              <a:t> </a:t>
+            </a:r>
+            <a:r>
+              <a:rPr lang="en-US" dirty="0" err="1" smtClean="0"/>
+              <a:t>über</a:t>
+            </a:r>
+            <a:r>
+              <a:rPr lang="en-US" dirty="0" smtClean="0"/>
+              <a:t> </a:t>
+            </a:r>
+            <a:r>
+              <a:rPr lang="en-US" dirty="0" err="1" smtClean="0"/>
+              <a:t>zwei</a:t>
+            </a:r>
+            <a:r>
+              <a:rPr lang="en-US" dirty="0" smtClean="0"/>
+              <a:t> </a:t>
+            </a:r>
+            <a:r>
+              <a:rPr lang="en-US" dirty="0" err="1" smtClean="0"/>
+              <a:t>Zahnräder</a:t>
             </a:r>
             <a:r>
               <a:rPr lang="en-US" dirty="0" smtClean="0"/>
@@ -4854,7 +4951,7 @@
             </a:r>
             <a:r>
               <a:rPr lang="en-US" dirty="0" err="1" smtClean="0"/>
-              <a:t>fährt</a:t>
+              <a:t>welche</a:t>
             </a:r>
             <a:r>
               <a:rPr lang="en-US" dirty="0" smtClean="0"/>
@@ -4862,7 +4959,15 @@
             </a:r>
             <a:r>
               <a:rPr lang="en-US" dirty="0" err="1" smtClean="0"/>
-              <a:t>er</a:t>
+              <a:t>symmetrisch</a:t>
+            </a:r>
+            <a:r>
+              <a:rPr lang="en-US" dirty="0" smtClean="0"/>
+              <a:t> die </a:t>
+            </a:r>
+            <a:r>
+              <a:rPr lang="en-US" dirty="0" err="1" smtClean="0"/>
+              <a:t>beiden</a:t>
             </a:r>
             <a:r>
               <a:rPr lang="en-US" dirty="0" smtClean="0"/>
@@ -4870,7 +4975,7 @@
             </a:r>
             <a:r>
               <a:rPr lang="en-US" dirty="0" err="1" smtClean="0"/>
-              <a:t>nach</a:t>
+              <a:t>Greifarme</a:t>
             </a:r>
             <a:r>
               <a:rPr lang="en-US" dirty="0" smtClean="0"/>
@@ -4878,36 +4983,11 @@
             </a:r>
             <a:r>
               <a:rPr lang="en-US" dirty="0" err="1" smtClean="0"/>
-              <a:t>eigenem</a:t>
+              <a:t>bewegen</a:t>
             </a:r>
             <a:r>
               <a:rPr lang="en-US" dirty="0" smtClean="0"/>
-              <a:t> gusto. </a:t>
-            </a:r>
-          </a:p>
-          <a:p>
-            <a:pPr marL="0" indent="0" eaLnBrk="1" hangingPunct="1">
-              <a:defRPr/>
-            </a:pPr>
-            <a:r>
-              <a:rPr lang="en-US" dirty="0" smtClean="0"/>
-              <a:t>- Der </a:t>
-            </a:r>
-            <a:r>
-              <a:rPr lang="en-US" dirty="0" err="1" smtClean="0"/>
-              <a:t>fühlende</a:t>
-            </a:r>
-            <a:r>
-              <a:rPr lang="en-US" dirty="0" smtClean="0"/>
-              <a:t> </a:t>
-            </a:r>
-            <a:r>
-              <a:rPr lang="de-DE" dirty="0" smtClean="0"/>
-              <a:t>Roboter</a:t>
-            </a:r>
-            <a:r>
-              <a:rPr lang="en-US" dirty="0" smtClean="0"/>
-              <a:t>. </a:t>
+              <a:t>.</a:t>
             </a:r>
             <a:endParaRPr lang="en-US" dirty="0" smtClean="0"/>
           </a:p>
@@ -5605,7 +5685,7 @@
           <a:graphicData uri="http://schemas.openxmlformats.org/presentationml/2006/ole">
             <mc:AlternateContent xmlns:mc="http://schemas.openxmlformats.org/markup-compatibility/2006">
               <mc:Choice xmlns:v="urn:schemas-microsoft-com:vml" Requires="v">
-                <p:oleObj spid="_x0000_s2086" name="Bilddokument" r:id="rId4" imgW="3232298" imgH="1286540" progId="Imaging.Document">
+                <p:oleObj spid="_x0000_s2122" name="Bilddokument" r:id="rId4" imgW="3232298" imgH="1286540" progId="Imaging.Document">
                   <p:embed/>
                 </p:oleObj>
               </mc:Choice>
@@ -5698,7 +5778,7 @@
           <a:graphicData uri="http://schemas.openxmlformats.org/presentationml/2006/ole">
             <mc:AlternateContent xmlns:mc="http://schemas.openxmlformats.org/markup-compatibility/2006">
               <mc:Choice xmlns:v="urn:schemas-microsoft-com:vml" Requires="v">
-                <p:oleObj spid="_x0000_s2087" name="Bilddokument" r:id="rId6" imgW="3232298" imgH="1286540" progId="Imaging.Document">
+                <p:oleObj spid="_x0000_s2123" name="Bilddokument" r:id="rId6" imgW="3232298" imgH="1286540" progId="Imaging.Document">
                   <p:embed/>
                 </p:oleObj>
               </mc:Choice>
@@ -5791,7 +5871,7 @@
           <a:graphicData uri="http://schemas.openxmlformats.org/presentationml/2006/ole">
             <mc:AlternateContent xmlns:mc="http://schemas.openxmlformats.org/markup-compatibility/2006">
               <mc:Choice xmlns:v="urn:schemas-microsoft-com:vml" Requires="v">
-                <p:oleObj spid="_x0000_s2088" name="Bilddokument" r:id="rId7" imgW="3232298" imgH="1286540" progId="Imaging.Document">
+                <p:oleObj spid="_x0000_s2124" name="Bilddokument" r:id="rId7" imgW="3232298" imgH="1286540" progId="Imaging.Document">
                   <p:embed/>
                 </p:oleObj>
               </mc:Choice>
@@ -5884,7 +5964,7 @@
           <a:graphicData uri="http://schemas.openxmlformats.org/presentationml/2006/ole">
             <mc:AlternateContent xmlns:mc="http://schemas.openxmlformats.org/markup-compatibility/2006">
               <mc:Choice xmlns:v="urn:schemas-microsoft-com:vml" Requires="v">
-                <p:oleObj spid="_x0000_s2089" name="Bilddokument" r:id="rId8" imgW="3232298" imgH="1286540" progId="Imaging.Document">
+                <p:oleObj spid="_x0000_s2125" name="Bilddokument" r:id="rId8" imgW="3232298" imgH="1286540" progId="Imaging.Document">
                   <p:embed/>
                 </p:oleObj>
               </mc:Choice>
@@ -5972,7 +6052,7 @@
         <p:spPr bwMode="auto">
           <a:xfrm>
             <a:off x="15479713" y="26804938"/>
-            <a:ext cx="13254037" cy="13033375"/>
+            <a:ext cx="13254037" cy="4422775"/>
           </a:xfrm>
           <a:prstGeom prst="rect">
             <a:avLst/>
@@ -6141,96 +6221,21 @@
             </a:pPr>
             <a:r>
               <a:rPr lang="de-DE" altLang="de-DE" sz="3600" dirty="0" smtClean="0"/>
-              <a:t>Der finale Code wurde aus einzelnen Code-Versatzstücken zusammengebaut. Dies waren ursprünglich:</a:t>
-            </a:r>
-          </a:p>
-          <a:p>
-            <a:pPr marL="571500" indent="-571500" eaLnBrk="1" hangingPunct="1">
-              <a:buFontTx/>
-              <a:buChar char="-"/>
-            </a:pPr>
+              <a:t>Der finale Code wurde aus einzelnen </a:t>
+            </a:r>
             <a:r>
               <a:rPr lang="de-DE" altLang="de-DE" sz="3600" dirty="0" smtClean="0"/>
-              <a:t>Die Linienverfolgung mithilfe der beiden Lichtsensoren, welche bei Abweichen von der schwarzen Linie die Motoren zu einer Regulation zwingen. </a:t>
-            </a:r>
-          </a:p>
-          <a:p>
-            <a:pPr marL="571500" indent="-571500" eaLnBrk="1" hangingPunct="1">
-              <a:buFontTx/>
-              <a:buChar char="-"/>
-            </a:pPr>
+              <a:t>Versatzstücken </a:t>
+            </a:r>
             <a:r>
               <a:rPr lang="de-DE" altLang="de-DE" sz="3600" dirty="0" smtClean="0"/>
-              <a:t>Der </a:t>
-            </a:r>
-            <a:r>
-              <a:rPr lang="de-DE" altLang="de-DE" sz="3600" dirty="0" err="1" smtClean="0"/>
-              <a:t>Drehcode</a:t>
+              <a:t>zusammengebaut. Dies waren </a:t>
             </a:r>
             <a:r>
               <a:rPr lang="de-DE" altLang="de-DE" sz="3600" dirty="0" smtClean="0"/>
-              <a:t>: Da der </a:t>
-            </a:r>
-            <a:r>
-              <a:rPr lang="de-DE" altLang="de-DE" sz="3600" dirty="0" err="1" smtClean="0"/>
-              <a:t>Robo</a:t>
-            </a:r>
-            <a:r>
-              <a:rPr lang="de-DE" altLang="de-DE" sz="3600" dirty="0" smtClean="0"/>
-              <a:t> nur vorwärts fahren sollte, wurde dieser Code implementiert</a:t>
-            </a:r>
-          </a:p>
-          <a:p>
-            <a:pPr marL="571500" indent="-571500" eaLnBrk="1" hangingPunct="1">
-              <a:buFontTx/>
-              <a:buChar char="-"/>
-            </a:pPr>
-            <a:r>
-              <a:rPr lang="de-DE" altLang="de-DE" sz="3600" dirty="0" smtClean="0"/>
-              <a:t>Der </a:t>
-            </a:r>
-            <a:r>
-              <a:rPr lang="de-DE" altLang="de-DE" sz="3600" dirty="0" err="1" smtClean="0"/>
-              <a:t>touch_grab</a:t>
-            </a:r>
-            <a:r>
-              <a:rPr lang="de-DE" altLang="de-DE" sz="3600" dirty="0" smtClean="0"/>
-              <a:t> Code: Dieser Code aktiviert den Motor für den Greifarm, um den Ball aufnehmen zu können und fährt dann für eine kurze Zeit rückwärts, damit der </a:t>
-            </a:r>
-            <a:r>
-              <a:rPr lang="de-DE" altLang="de-DE" sz="3600" dirty="0" err="1" smtClean="0"/>
-              <a:t>Robo</a:t>
-            </a:r>
-            <a:r>
-              <a:rPr lang="de-DE" altLang="de-DE" sz="3600" dirty="0" smtClean="0"/>
-              <a:t> in der Drehung nirgends anstößt.</a:t>
-            </a:r>
-          </a:p>
-          <a:p>
-            <a:pPr marL="571500" indent="-571500" eaLnBrk="1" hangingPunct="1">
-              <a:buFontTx/>
-              <a:buChar char="-"/>
-            </a:pPr>
-            <a:r>
-              <a:rPr lang="de-DE" altLang="de-DE" sz="3600" dirty="0" smtClean="0"/>
-              <a:t>Der </a:t>
-            </a:r>
-            <a:r>
-              <a:rPr lang="de-DE" altLang="de-DE" sz="3600" dirty="0" err="1" smtClean="0"/>
-              <a:t>touch_open</a:t>
-            </a:r>
-            <a:r>
-              <a:rPr lang="de-DE" altLang="de-DE" sz="3600" dirty="0" smtClean="0"/>
-              <a:t> Code: Mit diesem Code sollte der Greifarm den Ball wieder fallen lassen, sobald der Touch-Sensor des </a:t>
-            </a:r>
-            <a:r>
-              <a:rPr lang="de-DE" altLang="de-DE" sz="3600" dirty="0" err="1" smtClean="0"/>
-              <a:t>Robos</a:t>
-            </a:r>
-            <a:r>
-              <a:rPr lang="de-DE" altLang="de-DE" sz="3600" dirty="0" smtClean="0"/>
-              <a:t> auf ein Hindernis stößt. </a:t>
-            </a:r>
+              <a:t>ursprünglich folgende:</a:t>
+            </a:r>
+            <a:endParaRPr lang="de-DE" altLang="de-DE" sz="3600" dirty="0" smtClean="0"/>
           </a:p>
           <a:p>
             <a:pPr eaLnBrk="1" hangingPunct="1">
@@ -6510,7 +6515,7 @@
         <p:spPr bwMode="auto">
           <a:xfrm>
             <a:off x="1357313" y="18651539"/>
-            <a:ext cx="13254037" cy="8153399"/>
+            <a:ext cx="13254037" cy="14339886"/>
           </a:xfrm>
           <a:prstGeom prst="rect">
             <a:avLst/>
@@ -6662,7 +6667,11 @@
             </a:pPr>
             <a:r>
               <a:rPr lang="de-DE" altLang="de-DE" sz="4800" b="1" dirty="0" smtClean="0"/>
-              <a:t>Grundlage: Fließende Trennung von Hard- und Softwareentwickler</a:t>
+              <a:t>Grundlage der Zusammenarbeit: </a:t>
+            </a:r>
+            <a:r>
+              <a:rPr lang="de-DE" altLang="de-DE" sz="4800" b="1" dirty="0" smtClean="0"/>
+              <a:t>Fließende Trennung von Hard- und Softwareentwickler</a:t>
             </a:r>
           </a:p>
           <a:p>
@@ -6707,13 +6716,26 @@
               <a:rPr lang="de-DE" altLang="de-DE" sz="3600" dirty="0" smtClean="0"/>
               <a:t>, während das Software-Team keine strikte Hierarchie hat. </a:t>
             </a:r>
+            <a:endParaRPr lang="de-DE" altLang="de-DE" sz="3600" dirty="0" smtClean="0"/>
           </a:p>
           <a:p>
             <a:pPr eaLnBrk="1" hangingPunct="1">
               <a:buFontTx/>
               <a:buNone/>
             </a:pPr>
-            <a:endParaRPr lang="en-US" altLang="de-DE" sz="3600" dirty="0"/>
+            <a:r>
+              <a:rPr lang="de-DE" altLang="de-DE" sz="3600" dirty="0" smtClean="0"/>
+              <a:t>Die Hardware wurde größtenteils vor Ort, also direkt an der Bahn, zusammengebaut. Einzig </a:t>
+            </a:r>
+            <a:r>
+              <a:rPr lang="de-DE" altLang="de-DE" sz="3600" dirty="0" err="1" smtClean="0"/>
+              <a:t>stabilisatorische</a:t>
+            </a:r>
+            <a:r>
+              <a:rPr lang="de-DE" altLang="de-DE" sz="3600" dirty="0" smtClean="0"/>
+              <a:t> Verbesserungen wurden auch daheim vorgenommen. </a:t>
+            </a:r>
+            <a:endParaRPr lang="de-DE" altLang="de-DE" sz="3600" dirty="0" smtClean="0"/>
           </a:p>
           <a:p>
             <a:pPr eaLnBrk="1" hangingPunct="1">
@@ -6804,7 +6826,7 @@
               <a:buFontTx/>
               <a:buNone/>
             </a:pPr>
-            <a:endParaRPr lang="en-US" altLang="de-DE" sz="3600" b="1" dirty="0"/>
+            <a:endParaRPr lang="en-US" altLang="de-DE" sz="3600" dirty="0"/>
           </a:p>
           <a:p>
             <a:pPr eaLnBrk="1" hangingPunct="1">
@@ -6819,6 +6841,201 @@
               <a:buNone/>
             </a:pPr>
             <a:endParaRPr lang="en-US" altLang="de-DE" sz="3600" b="1" dirty="0"/>
+          </a:p>
+          <a:p>
+            <a:pPr eaLnBrk="1" hangingPunct="1">
+              <a:buFontTx/>
+              <a:buNone/>
+            </a:pPr>
+            <a:endParaRPr lang="en-US" altLang="de-DE" sz="3600" b="1" dirty="0"/>
+          </a:p>
+        </p:txBody>
+      </p:sp>
+      <p:pic>
+        <p:nvPicPr>
+          <p:cNvPr id="3" name="Grafik 2"/>
+          <p:cNvPicPr>
+            <a:picLocks noChangeAspect="1"/>
+          </p:cNvPicPr>
+          <p:nvPr/>
+        </p:nvPicPr>
+        <p:blipFill>
+          <a:blip r:embed="rId9" cstate="print">
+            <a:extLst>
+              <a:ext uri="{28A0092B-C50C-407E-A947-70E740481C1C}">
+                <a14:useLocalDpi xmlns:a14="http://schemas.microsoft.com/office/drawing/2010/main" val="0"/>
+              </a:ext>
+            </a:extLst>
+          </a:blip>
+          <a:stretch>
+            <a:fillRect/>
+          </a:stretch>
+        </p:blipFill>
+        <p:spPr>
+          <a:xfrm>
+            <a:off x="15752117" y="15716201"/>
+            <a:ext cx="12711758" cy="9533817"/>
+          </a:xfrm>
+          <a:prstGeom prst="rect">
+            <a:avLst/>
+          </a:prstGeom>
+        </p:spPr>
+      </p:pic>
+      <p:sp>
+        <p:nvSpPr>
+          <p:cNvPr id="4" name="Textfeld 3"/>
+          <p:cNvSpPr txBox="1"/>
+          <p:nvPr/>
+        </p:nvSpPr>
+        <p:spPr>
+          <a:xfrm>
+            <a:off x="15427325" y="31718588"/>
+            <a:ext cx="13306425" cy="8402300"/>
+          </a:xfrm>
+          <a:prstGeom prst="rect">
+            <a:avLst/>
+          </a:prstGeom>
+          <a:noFill/>
+        </p:spPr>
+        <p:txBody>
+          <a:bodyPr wrap="square" rtlCol="0">
+            <a:spAutoFit/>
+          </a:bodyPr>
+          <a:lstStyle/>
+          <a:p>
+            <a:pPr marL="571500" indent="-571500" eaLnBrk="1" hangingPunct="1">
+              <a:buFontTx/>
+              <a:buChar char="-"/>
+            </a:pPr>
+            <a:endParaRPr lang="de-DE" altLang="de-DE" sz="3600" dirty="0" smtClean="0"/>
+          </a:p>
+          <a:p>
+            <a:pPr marL="571500" indent="-571500" eaLnBrk="1" hangingPunct="1">
+              <a:buFontTx/>
+              <a:buChar char="-"/>
+            </a:pPr>
+            <a:r>
+              <a:rPr lang="de-DE" altLang="de-DE" sz="3600" b="1" dirty="0" smtClean="0"/>
+              <a:t>Die </a:t>
+            </a:r>
+            <a:r>
+              <a:rPr lang="de-DE" altLang="de-DE" sz="3600" b="1" dirty="0"/>
+              <a:t>Linienverfolgung </a:t>
+            </a:r>
+            <a:r>
+              <a:rPr lang="de-DE" altLang="de-DE" sz="3600" dirty="0"/>
+              <a:t>mithilfe der beiden Lichtsensoren, welche </a:t>
+            </a:r>
+            <a:r>
+              <a:rPr lang="de-DE" altLang="de-DE" sz="3600" dirty="0" smtClean="0"/>
+              <a:t>beim </a:t>
+            </a:r>
+            <a:r>
+              <a:rPr lang="de-DE" altLang="de-DE" sz="3600" dirty="0"/>
+              <a:t>Abweichen von der schwarzen Linie die Motoren zu einer Regulation zwingen. </a:t>
+            </a:r>
+          </a:p>
+          <a:p>
+            <a:pPr marL="571500" indent="-571500" eaLnBrk="1" hangingPunct="1">
+              <a:buFontTx/>
+              <a:buChar char="-"/>
+            </a:pPr>
+            <a:r>
+              <a:rPr lang="de-DE" altLang="de-DE" sz="3600" b="1" dirty="0"/>
+              <a:t>Der </a:t>
+            </a:r>
+            <a:r>
+              <a:rPr lang="de-DE" altLang="de-DE" sz="3600" b="1" dirty="0" err="1"/>
+              <a:t>Drehcode</a:t>
+            </a:r>
+            <a:r>
+              <a:rPr lang="de-DE" altLang="de-DE" sz="3600" dirty="0"/>
+              <a:t>: Da der </a:t>
+            </a:r>
+            <a:r>
+              <a:rPr lang="de-DE" altLang="de-DE" sz="3600" dirty="0" err="1"/>
+              <a:t>Robo</a:t>
+            </a:r>
+            <a:r>
+              <a:rPr lang="de-DE" altLang="de-DE" sz="3600" dirty="0"/>
+              <a:t> nur vorwärts fahren sollte, wurde dieser Code </a:t>
+            </a:r>
+            <a:r>
+              <a:rPr lang="de-DE" altLang="de-DE" sz="3600" dirty="0" smtClean="0"/>
+              <a:t>implementiert.</a:t>
+            </a:r>
+            <a:endParaRPr lang="de-DE" altLang="de-DE" sz="3600" dirty="0"/>
+          </a:p>
+          <a:p>
+            <a:pPr marL="571500" indent="-571500" eaLnBrk="1" hangingPunct="1">
+              <a:buFontTx/>
+              <a:buChar char="-"/>
+            </a:pPr>
+            <a:r>
+              <a:rPr lang="de-DE" altLang="de-DE" sz="3600" b="1" dirty="0"/>
+              <a:t>Der </a:t>
+            </a:r>
+            <a:r>
+              <a:rPr lang="de-DE" altLang="de-DE" sz="3600" b="1" dirty="0" err="1"/>
+              <a:t>touch_grab</a:t>
+            </a:r>
+            <a:r>
+              <a:rPr lang="de-DE" altLang="de-DE" sz="3600" b="1" dirty="0"/>
+              <a:t> Code</a:t>
+            </a:r>
+            <a:r>
+              <a:rPr lang="de-DE" altLang="de-DE" sz="3600" dirty="0"/>
+              <a:t>: Dieser Code aktiviert den Motor für den Greifarm, um den Ball aufnehmen zu können und fährt dann für eine kurze Zeit rückwärts, damit der </a:t>
+            </a:r>
+            <a:r>
+              <a:rPr lang="de-DE" altLang="de-DE" sz="3600" dirty="0" err="1"/>
+              <a:t>Robo</a:t>
+            </a:r>
+            <a:r>
+              <a:rPr lang="de-DE" altLang="de-DE" sz="3600" dirty="0"/>
+              <a:t> in der Drehung nirgends anstößt.</a:t>
+            </a:r>
+          </a:p>
+          <a:p>
+            <a:pPr marL="571500" indent="-571500" eaLnBrk="1" hangingPunct="1">
+              <a:buFontTx/>
+              <a:buChar char="-"/>
+            </a:pPr>
+            <a:r>
+              <a:rPr lang="de-DE" altLang="de-DE" sz="3600" b="1" dirty="0"/>
+              <a:t>Der </a:t>
+            </a:r>
+            <a:r>
+              <a:rPr lang="de-DE" altLang="de-DE" sz="3600" b="1" dirty="0" err="1"/>
+              <a:t>touch_open</a:t>
+            </a:r>
+            <a:r>
+              <a:rPr lang="de-DE" altLang="de-DE" sz="3600" b="1" dirty="0"/>
+              <a:t> Code</a:t>
+            </a:r>
+            <a:r>
+              <a:rPr lang="de-DE" altLang="de-DE" sz="3600" dirty="0"/>
+              <a:t>: Mit diesem Code sollte der Greifarm den Ball wieder fallen lassen, sobald der Touch-Sensor des </a:t>
+            </a:r>
+            <a:r>
+              <a:rPr lang="de-DE" altLang="de-DE" sz="3600" dirty="0" err="1"/>
+              <a:t>Robos</a:t>
+            </a:r>
+            <a:r>
+              <a:rPr lang="de-DE" altLang="de-DE" sz="3600" dirty="0"/>
+              <a:t> auf </a:t>
+            </a:r>
+            <a:r>
+              <a:rPr lang="de-DE" altLang="de-DE" sz="3600" dirty="0" smtClean="0"/>
+              <a:t>das Zielhindernis </a:t>
+            </a:r>
+            <a:r>
+              <a:rPr lang="de-DE" altLang="de-DE" sz="3600" dirty="0"/>
+              <a:t>stößt. </a:t>
+            </a:r>
+          </a:p>
+          <a:p>
+            <a:endParaRPr lang="de-DE" sz="3600" dirty="0"/>
           </a:p>
         </p:txBody>
       </p:sp>

--- a/Poster/Poster_Abschluss.pptx
+++ b/Poster/Poster_Abschluss.pptx
@@ -3349,7 +3349,7 @@
           <a:graphicData uri="http://schemas.openxmlformats.org/presentationml/2006/ole">
             <mc:AlternateContent xmlns:mc="http://schemas.openxmlformats.org/markup-compatibility/2006">
               <mc:Choice xmlns:v="urn:schemas-microsoft-com:vml" Requires="v">
-                <p:oleObj spid="_x0000_s1047" name="Bilddokument" r:id="rId16" imgW="3232298" imgH="1286540" progId="Imaging.Document">
+                <p:oleObj spid="_x0000_s1055" name="Bilddokument" r:id="rId16" imgW="3232298" imgH="1286540" progId="Imaging.Document">
                   <p:embed/>
                 </p:oleObj>
               </mc:Choice>
@@ -4444,7 +4444,7 @@
             </a:r>
             <a:r>
               <a:rPr lang="de-DE" altLang="de-DE" sz="3600" dirty="0" smtClean="0"/>
-              <a:t>Trotz der Verfolgung des symmetrischen Konzepts war dies leider nicht möglich. </a:t>
+              <a:t>Trotz der Verfolgung des symmetrischen Konzepts war dies leider nicht möglich, (vgl. kleines Rad vorne auf dem Foto als Sensor-Ende).</a:t>
             </a:r>
             <a:endParaRPr lang="en-US" altLang="de-DE" sz="3600" dirty="0"/>
           </a:p>
@@ -4975,7 +4975,15 @@
             </a:r>
             <a:r>
               <a:rPr lang="en-US" dirty="0" err="1" smtClean="0"/>
-              <a:t>Greifarme</a:t>
+              <a:t>Teile</a:t>
+            </a:r>
+            <a:r>
+              <a:rPr lang="en-US" dirty="0" smtClean="0"/>
+              <a:t> des </a:t>
+            </a:r>
+            <a:r>
+              <a:rPr lang="en-US" dirty="0" err="1" smtClean="0"/>
+              <a:t>Greifarms</a:t>
             </a:r>
             <a:r>
               <a:rPr lang="en-US" dirty="0" smtClean="0"/>
@@ -4983,7 +4991,7 @@
             </a:r>
             <a:r>
               <a:rPr lang="en-US" dirty="0" err="1" smtClean="0"/>
-              <a:t>bewegen</a:t>
+              <a:t>bewegt</a:t>
             </a:r>
             <a:r>
               <a:rPr lang="en-US" dirty="0" smtClean="0"/>
@@ -5685,7 +5693,7 @@
           <a:graphicData uri="http://schemas.openxmlformats.org/presentationml/2006/ole">
             <mc:AlternateContent xmlns:mc="http://schemas.openxmlformats.org/markup-compatibility/2006">
               <mc:Choice xmlns:v="urn:schemas-microsoft-com:vml" Requires="v">
-                <p:oleObj spid="_x0000_s2122" name="Bilddokument" r:id="rId4" imgW="3232298" imgH="1286540" progId="Imaging.Document">
+                <p:oleObj spid="_x0000_s2154" name="Bilddokument" r:id="rId4" imgW="3232298" imgH="1286540" progId="Imaging.Document">
                   <p:embed/>
                 </p:oleObj>
               </mc:Choice>
@@ -5778,7 +5786,7 @@
           <a:graphicData uri="http://schemas.openxmlformats.org/presentationml/2006/ole">
             <mc:AlternateContent xmlns:mc="http://schemas.openxmlformats.org/markup-compatibility/2006">
               <mc:Choice xmlns:v="urn:schemas-microsoft-com:vml" Requires="v">
-                <p:oleObj spid="_x0000_s2123" name="Bilddokument" r:id="rId6" imgW="3232298" imgH="1286540" progId="Imaging.Document">
+                <p:oleObj spid="_x0000_s2155" name="Bilddokument" r:id="rId6" imgW="3232298" imgH="1286540" progId="Imaging.Document">
                   <p:embed/>
                 </p:oleObj>
               </mc:Choice>
@@ -5871,7 +5879,7 @@
           <a:graphicData uri="http://schemas.openxmlformats.org/presentationml/2006/ole">
             <mc:AlternateContent xmlns:mc="http://schemas.openxmlformats.org/markup-compatibility/2006">
               <mc:Choice xmlns:v="urn:schemas-microsoft-com:vml" Requires="v">
-                <p:oleObj spid="_x0000_s2124" name="Bilddokument" r:id="rId7" imgW="3232298" imgH="1286540" progId="Imaging.Document">
+                <p:oleObj spid="_x0000_s2156" name="Bilddokument" r:id="rId7" imgW="3232298" imgH="1286540" progId="Imaging.Document">
                   <p:embed/>
                 </p:oleObj>
               </mc:Choice>
@@ -5964,7 +5972,7 @@
           <a:graphicData uri="http://schemas.openxmlformats.org/presentationml/2006/ole">
             <mc:AlternateContent xmlns:mc="http://schemas.openxmlformats.org/markup-compatibility/2006">
               <mc:Choice xmlns:v="urn:schemas-microsoft-com:vml" Requires="v">
-                <p:oleObj spid="_x0000_s2125" name="Bilddokument" r:id="rId8" imgW="3232298" imgH="1286540" progId="Imaging.Document">
+                <p:oleObj spid="_x0000_s2157" name="Bilddokument" r:id="rId8" imgW="3232298" imgH="1286540" progId="Imaging.Document">
                   <p:embed/>
                 </p:oleObj>
               </mc:Choice>
@@ -6455,7 +6463,26 @@
               <a:buFontTx/>
               <a:buNone/>
             </a:pPr>
-            <a:endParaRPr lang="de-DE" altLang="de-DE" sz="4800" b="1" dirty="0" smtClean="0"/>
+            <a:r>
+              <a:rPr lang="de-DE" altLang="de-DE" sz="3600" dirty="0" smtClean="0"/>
+              <a:t>Um den Roboter möglichst stabil zu gestalten, wurde darauf geachtet, dass möglichst </a:t>
+            </a:r>
+            <a:r>
+              <a:rPr lang="de-DE" altLang="de-DE" sz="3600" dirty="0" smtClean="0"/>
+              <a:t>starr</a:t>
+            </a:r>
+            <a:r>
+              <a:rPr lang="de-DE" altLang="de-DE" sz="3600" dirty="0" smtClean="0"/>
+              <a:t>e </a:t>
+            </a:r>
+            <a:r>
+              <a:rPr lang="de-DE" altLang="de-DE" sz="3600" dirty="0" smtClean="0"/>
+              <a:t>sowie möglichst wenig freistehende Teile eingebaut wurden. </a:t>
+            </a:r>
+            <a:r>
+              <a:rPr lang="de-DE" altLang="de-DE" sz="3600" dirty="0" smtClean="0"/>
+              <a:t>Die zentralen Bauelemente für die Stabilität sind der NXT-Baustein und die beiden Achsmotoren. </a:t>
+            </a:r>
           </a:p>
           <a:p>
             <a:pPr eaLnBrk="1" hangingPunct="1">
@@ -6464,7 +6491,11 @@
             </a:pPr>
             <a:r>
               <a:rPr lang="de-DE" altLang="de-DE" sz="3600" dirty="0" smtClean="0"/>
-              <a:t>Um den Roboter möglichst stabil zu gestalten, wurde darauf geachtet, dass möglichst widerstandsfähige sowie möglichst wenig freistehende Teile eingebaut wurden. Anfangs war die Orientierung an der offiziellen Lego-Anleitung sinnig – dies wurde jedoch bald verworfen, als es um die Feinjustierung der benötigten Sensoren ging. </a:t>
+              <a:t>Anfangs </a:t>
+            </a:r>
+            <a:r>
+              <a:rPr lang="de-DE" altLang="de-DE" sz="3600" dirty="0" smtClean="0"/>
+              <a:t>war die Orientierung an der offiziellen Lego-Anleitung sinnig – dies wurde jedoch bald verworfen, als es um die Feinjustierung der benötigten Sensoren ging. </a:t>
             </a:r>
           </a:p>
           <a:p>
@@ -6515,7 +6546,7 @@
         <p:spPr bwMode="auto">
           <a:xfrm>
             <a:off x="1357313" y="18651539"/>
-            <a:ext cx="13254037" cy="14339886"/>
+            <a:ext cx="13254037" cy="21186774"/>
           </a:xfrm>
           <a:prstGeom prst="rect">
             <a:avLst/>
@@ -6733,9 +6764,9 @@
             </a:r>
             <a:r>
               <a:rPr lang="de-DE" altLang="de-DE" sz="3600" dirty="0" smtClean="0"/>
-              <a:t> Verbesserungen wurden auch daheim vorgenommen. </a:t>
-            </a:r>
-            <a:endParaRPr lang="de-DE" altLang="de-DE" sz="3600" dirty="0" smtClean="0"/>
+              <a:t> Verbesserungen wurden auch daheim vorgenommen.</a:t>
+            </a:r>
+            <a:endParaRPr lang="en-US" altLang="de-DE" sz="3600" dirty="0"/>
           </a:p>
           <a:p>
             <a:pPr eaLnBrk="1" hangingPunct="1">
@@ -6749,138 +6780,24 @@
               <a:buFontTx/>
               <a:buNone/>
             </a:pPr>
-            <a:endParaRPr lang="en-US" altLang="de-DE" sz="3600" dirty="0"/>
+            <a:endParaRPr lang="en-US" altLang="de-DE" sz="3600" b="1" dirty="0"/>
           </a:p>
           <a:p>
             <a:pPr eaLnBrk="1" hangingPunct="1">
               <a:buFontTx/>
               <a:buNone/>
             </a:pPr>
-            <a:endParaRPr lang="en-US" altLang="de-DE" sz="3600" dirty="0"/>
+            <a:endParaRPr lang="en-US" altLang="de-DE" sz="3600" b="1" dirty="0"/>
           </a:p>
           <a:p>
             <a:pPr eaLnBrk="1" hangingPunct="1">
               <a:buFontTx/>
               <a:buNone/>
             </a:pPr>
-            <a:endParaRPr lang="en-US" altLang="de-DE" sz="3600" dirty="0"/>
-          </a:p>
-          <a:p>
-            <a:pPr eaLnBrk="1" hangingPunct="1">
-              <a:buFontTx/>
-              <a:buNone/>
-            </a:pPr>
-            <a:endParaRPr lang="en-US" altLang="de-DE" sz="3600" dirty="0"/>
-          </a:p>
-          <a:p>
-            <a:pPr eaLnBrk="1" hangingPunct="1">
-              <a:buFontTx/>
-              <a:buNone/>
-            </a:pPr>
-            <a:endParaRPr lang="en-US" altLang="de-DE" sz="3600" dirty="0"/>
-          </a:p>
-          <a:p>
-            <a:pPr eaLnBrk="1" hangingPunct="1">
-              <a:buFontTx/>
-              <a:buNone/>
-            </a:pPr>
-            <a:endParaRPr lang="en-US" altLang="de-DE" sz="3600" dirty="0"/>
-          </a:p>
-          <a:p>
-            <a:pPr eaLnBrk="1" hangingPunct="1">
-              <a:buFontTx/>
-              <a:buNone/>
-            </a:pPr>
-            <a:endParaRPr lang="en-US" altLang="de-DE" sz="3600" dirty="0"/>
-          </a:p>
-          <a:p>
-            <a:pPr eaLnBrk="1" hangingPunct="1">
-              <a:buFontTx/>
-              <a:buNone/>
-            </a:pPr>
-            <a:endParaRPr lang="en-US" altLang="de-DE" sz="3600" dirty="0"/>
-          </a:p>
-          <a:p>
-            <a:pPr eaLnBrk="1" hangingPunct="1">
-              <a:buFontTx/>
-              <a:buNone/>
-            </a:pPr>
-            <a:endParaRPr lang="en-US" altLang="de-DE" sz="3600" dirty="0"/>
-          </a:p>
-          <a:p>
-            <a:pPr eaLnBrk="1" hangingPunct="1">
-              <a:buFontTx/>
-              <a:buNone/>
-            </a:pPr>
-            <a:endParaRPr lang="en-US" altLang="de-DE" sz="3600" dirty="0"/>
-          </a:p>
-          <a:p>
-            <a:pPr eaLnBrk="1" hangingPunct="1">
-              <a:buFontTx/>
-              <a:buNone/>
-            </a:pPr>
-            <a:endParaRPr lang="en-US" altLang="de-DE" sz="3600" dirty="0"/>
-          </a:p>
-          <a:p>
-            <a:pPr eaLnBrk="1" hangingPunct="1">
-              <a:buFontTx/>
-              <a:buNone/>
-            </a:pPr>
-            <a:endParaRPr lang="en-US" altLang="de-DE" sz="3600" dirty="0"/>
-          </a:p>
-          <a:p>
-            <a:pPr eaLnBrk="1" hangingPunct="1">
-              <a:buFontTx/>
-              <a:buNone/>
-            </a:pPr>
-            <a:endParaRPr lang="en-US" altLang="de-DE" sz="3600" b="1" dirty="0"/>
-          </a:p>
-          <a:p>
-            <a:pPr eaLnBrk="1" hangingPunct="1">
-              <a:buFontTx/>
-              <a:buNone/>
-            </a:pPr>
-            <a:endParaRPr lang="en-US" altLang="de-DE" sz="3600" b="1" dirty="0"/>
-          </a:p>
-          <a:p>
-            <a:pPr eaLnBrk="1" hangingPunct="1">
-              <a:buFontTx/>
-              <a:buNone/>
-            </a:pPr>
             <a:endParaRPr lang="en-US" altLang="de-DE" sz="3600" b="1" dirty="0"/>
           </a:p>
         </p:txBody>
       </p:sp>
-      <p:pic>
-        <p:nvPicPr>
-          <p:cNvPr id="3" name="Grafik 2"/>
-          <p:cNvPicPr>
-            <a:picLocks noChangeAspect="1"/>
-          </p:cNvPicPr>
-          <p:nvPr/>
-        </p:nvPicPr>
-        <p:blipFill>
-          <a:blip r:embed="rId9" cstate="print">
-            <a:extLst>
-              <a:ext uri="{28A0092B-C50C-407E-A947-70E740481C1C}">
-                <a14:useLocalDpi xmlns:a14="http://schemas.microsoft.com/office/drawing/2010/main" val="0"/>
-              </a:ext>
-            </a:extLst>
-          </a:blip>
-          <a:stretch>
-            <a:fillRect/>
-          </a:stretch>
-        </p:blipFill>
-        <p:spPr>
-          <a:xfrm>
-            <a:off x="15752117" y="15716201"/>
-            <a:ext cx="12711758" cy="9533817"/>
-          </a:xfrm>
-          <a:prstGeom prst="rect">
-            <a:avLst/>
-          </a:prstGeom>
-        </p:spPr>
-      </p:pic>
       <p:sp>
         <p:nvSpPr>
           <p:cNvPr id="4" name="Textfeld 3"/>
@@ -7039,6 +6956,36 @@
           </a:p>
         </p:txBody>
       </p:sp>
+      <p:pic>
+        <p:nvPicPr>
+          <p:cNvPr id="5" name="Grafik 4"/>
+          <p:cNvPicPr>
+            <a:picLocks noChangeAspect="1"/>
+          </p:cNvPicPr>
+          <p:nvPr/>
+        </p:nvPicPr>
+        <p:blipFill>
+          <a:blip r:embed="rId9" cstate="print">
+            <a:extLst>
+              <a:ext uri="{28A0092B-C50C-407E-A947-70E740481C1C}">
+                <a14:useLocalDpi xmlns:a14="http://schemas.microsoft.com/office/drawing/2010/main" val="0"/>
+              </a:ext>
+            </a:extLst>
+          </a:blip>
+          <a:stretch>
+            <a:fillRect/>
+          </a:stretch>
+        </p:blipFill>
+        <p:spPr>
+          <a:xfrm>
+            <a:off x="15968141" y="16486981"/>
+            <a:ext cx="12140225" cy="9105167"/>
+          </a:xfrm>
+          <a:prstGeom prst="rect">
+            <a:avLst/>
+          </a:prstGeom>
+        </p:spPr>
+      </p:pic>
     </p:spTree>
   </p:cSld>
   <p:clrMapOvr>

--- a/Poster/Poster_Abschluss.pptx
+++ b/Poster/Poster_Abschluss.pptx
@@ -3349,7 +3349,7 @@
           <a:graphicData uri="http://schemas.openxmlformats.org/presentationml/2006/ole">
             <mc:AlternateContent xmlns:mc="http://schemas.openxmlformats.org/markup-compatibility/2006">
               <mc:Choice xmlns:v="urn:schemas-microsoft-com:vml" Requires="v">
-                <p:oleObj spid="_x0000_s1055" name="Bilddokument" r:id="rId16" imgW="3232298" imgH="1286540" progId="Imaging.Document">
+                <p:oleObj spid="_x0000_s1056" name="Bilddokument" r:id="rId16" imgW="3232298" imgH="1286540" progId="Imaging.Document">
                   <p:embed/>
                 </p:oleObj>
               </mc:Choice>
@@ -4440,11 +4440,7 @@
             </a:r>
             <a:r>
               <a:rPr lang="de-DE" altLang="de-DE" sz="3600" dirty="0" smtClean="0"/>
-              <a:t> ist asymmetrisch verbaut, da es keine andere Möglichkeit gab, den Motor für den Greifarm  ohne Raumverlust anzubringen. </a:t>
-            </a:r>
-            <a:r>
-              <a:rPr lang="de-DE" altLang="de-DE" sz="3600" dirty="0" smtClean="0"/>
-              <a:t>Trotz der Verfolgung des symmetrischen Konzepts war dies leider nicht möglich, (vgl. kleines Rad vorne auf dem Foto als Sensor-Ende).</a:t>
+              <a:t> ist asymmetrisch verbaut, da es keine andere Möglichkeit gab, den Motor für den Greifarm  ohne Raumverlust anzubringen. Trotz der Verfolgung des symmetrischen Konzepts war dies leider nicht möglich, (vgl. kleines Rad vorne auf dem Foto als Sensor-Ende).</a:t>
             </a:r>
             <a:endParaRPr lang="en-US" altLang="de-DE" sz="3600" dirty="0"/>
           </a:p>
@@ -4847,7 +4843,7 @@
             </a:r>
             <a:r>
               <a:rPr lang="en-US" dirty="0" err="1" smtClean="0"/>
-              <a:t>ein</a:t>
+              <a:t>eine</a:t>
             </a:r>
             <a:r>
               <a:rPr lang="en-US" dirty="0" smtClean="0"/>
@@ -4855,11 +4851,15 @@
             </a:r>
             <a:r>
               <a:rPr lang="en-US" dirty="0" err="1" smtClean="0"/>
-              <a:t>Schlittenkonstrukt</a:t>
+              <a:t>Schlittenkonstruktion</a:t>
             </a:r>
             <a:r>
               <a:rPr lang="en-US" dirty="0" smtClean="0"/>
-              <a:t>, das den </a:t>
+              <a:t>, die </a:t>
+            </a:r>
+            <a:r>
+              <a:rPr lang="en-US" dirty="0" smtClean="0"/>
+              <a:t>den </a:t>
             </a:r>
             <a:r>
               <a:rPr lang="en-US" dirty="0" err="1" smtClean="0"/>
@@ -4997,7 +4997,6 @@
               <a:rPr lang="en-US" dirty="0" smtClean="0"/>
               <a:t>.</a:t>
             </a:r>
-            <a:endParaRPr lang="en-US" dirty="0" smtClean="0"/>
           </a:p>
           <a:p>
             <a:pPr lvl="1" eaLnBrk="1" hangingPunct="1">
@@ -5693,7 +5692,7 @@
           <a:graphicData uri="http://schemas.openxmlformats.org/presentationml/2006/ole">
             <mc:AlternateContent xmlns:mc="http://schemas.openxmlformats.org/markup-compatibility/2006">
               <mc:Choice xmlns:v="urn:schemas-microsoft-com:vml" Requires="v">
-                <p:oleObj spid="_x0000_s2154" name="Bilddokument" r:id="rId4" imgW="3232298" imgH="1286540" progId="Imaging.Document">
+                <p:oleObj spid="_x0000_s2158" name="Bilddokument" r:id="rId4" imgW="3232298" imgH="1286540" progId="Imaging.Document">
                   <p:embed/>
                 </p:oleObj>
               </mc:Choice>
@@ -5786,7 +5785,7 @@
           <a:graphicData uri="http://schemas.openxmlformats.org/presentationml/2006/ole">
             <mc:AlternateContent xmlns:mc="http://schemas.openxmlformats.org/markup-compatibility/2006">
               <mc:Choice xmlns:v="urn:schemas-microsoft-com:vml" Requires="v">
-                <p:oleObj spid="_x0000_s2155" name="Bilddokument" r:id="rId6" imgW="3232298" imgH="1286540" progId="Imaging.Document">
+                <p:oleObj spid="_x0000_s2159" name="Bilddokument" r:id="rId6" imgW="3232298" imgH="1286540" progId="Imaging.Document">
                   <p:embed/>
                 </p:oleObj>
               </mc:Choice>
@@ -5879,7 +5878,7 @@
           <a:graphicData uri="http://schemas.openxmlformats.org/presentationml/2006/ole">
             <mc:AlternateContent xmlns:mc="http://schemas.openxmlformats.org/markup-compatibility/2006">
               <mc:Choice xmlns:v="urn:schemas-microsoft-com:vml" Requires="v">
-                <p:oleObj spid="_x0000_s2156" name="Bilddokument" r:id="rId7" imgW="3232298" imgH="1286540" progId="Imaging.Document">
+                <p:oleObj spid="_x0000_s2160" name="Bilddokument" r:id="rId7" imgW="3232298" imgH="1286540" progId="Imaging.Document">
                   <p:embed/>
                 </p:oleObj>
               </mc:Choice>
@@ -5972,7 +5971,7 @@
           <a:graphicData uri="http://schemas.openxmlformats.org/presentationml/2006/ole">
             <mc:AlternateContent xmlns:mc="http://schemas.openxmlformats.org/markup-compatibility/2006">
               <mc:Choice xmlns:v="urn:schemas-microsoft-com:vml" Requires="v">
-                <p:oleObj spid="_x0000_s2157" name="Bilddokument" r:id="rId8" imgW="3232298" imgH="1286540" progId="Imaging.Document">
+                <p:oleObj spid="_x0000_s2161" name="Bilddokument" r:id="rId8" imgW="3232298" imgH="1286540" progId="Imaging.Document">
                   <p:embed/>
                 </p:oleObj>
               </mc:Choice>
@@ -6229,21 +6228,8 @@
             </a:pPr>
             <a:r>
               <a:rPr lang="de-DE" altLang="de-DE" sz="3600" dirty="0" smtClean="0"/>
-              <a:t>Der finale Code wurde aus einzelnen </a:t>
-            </a:r>
-            <a:r>
-              <a:rPr lang="de-DE" altLang="de-DE" sz="3600" dirty="0" smtClean="0"/>
-              <a:t>Versatzstücken </a:t>
-            </a:r>
-            <a:r>
-              <a:rPr lang="de-DE" altLang="de-DE" sz="3600" dirty="0" smtClean="0"/>
-              <a:t>zusammengebaut. Dies waren </a:t>
-            </a:r>
-            <a:r>
-              <a:rPr lang="de-DE" altLang="de-DE" sz="3600" dirty="0" smtClean="0"/>
-              <a:t>ursprünglich folgende:</a:t>
-            </a:r>
-            <a:endParaRPr lang="de-DE" altLang="de-DE" sz="3600" dirty="0" smtClean="0"/>
+              <a:t>Der finale Code wurde aus einzelnen Versatzstücken zusammengebaut. Dies waren ursprünglich folgende:</a:t>
+            </a:r>
           </a:p>
           <a:p>
             <a:pPr eaLnBrk="1" hangingPunct="1">
@@ -6465,23 +6451,7 @@
             </a:pPr>
             <a:r>
               <a:rPr lang="de-DE" altLang="de-DE" sz="3600" dirty="0" smtClean="0"/>
-              <a:t>Um den Roboter möglichst stabil zu gestalten, wurde darauf geachtet, dass möglichst </a:t>
-            </a:r>
-            <a:r>
-              <a:rPr lang="de-DE" altLang="de-DE" sz="3600" dirty="0" smtClean="0"/>
-              <a:t>starr</a:t>
-            </a:r>
-            <a:r>
-              <a:rPr lang="de-DE" altLang="de-DE" sz="3600" dirty="0" smtClean="0"/>
-              <a:t>e </a:t>
-            </a:r>
-            <a:r>
-              <a:rPr lang="de-DE" altLang="de-DE" sz="3600" dirty="0" smtClean="0"/>
-              <a:t>sowie möglichst wenig freistehende Teile eingebaut wurden. </a:t>
-            </a:r>
-            <a:r>
-              <a:rPr lang="de-DE" altLang="de-DE" sz="3600" dirty="0" smtClean="0"/>
-              <a:t>Die zentralen Bauelemente für die Stabilität sind der NXT-Baustein und die beiden Achsmotoren. </a:t>
+              <a:t>Um den Roboter möglichst stabil zu gestalten, wurde darauf geachtet, dass möglichst starre sowie möglichst wenig freistehende Teile eingebaut wurden. Die zentralen Bauelemente für die Stabilität sind der NXT-Baustein und die beiden Achsmotoren. </a:t>
             </a:r>
           </a:p>
           <a:p>
@@ -6491,11 +6461,7 @@
             </a:pPr>
             <a:r>
               <a:rPr lang="de-DE" altLang="de-DE" sz="3600" dirty="0" smtClean="0"/>
-              <a:t>Anfangs </a:t>
-            </a:r>
-            <a:r>
-              <a:rPr lang="de-DE" altLang="de-DE" sz="3600" dirty="0" smtClean="0"/>
-              <a:t>war die Orientierung an der offiziellen Lego-Anleitung sinnig – dies wurde jedoch bald verworfen, als es um die Feinjustierung der benötigten Sensoren ging. </a:t>
+              <a:t>Anfangs war die Orientierung an der offiziellen Lego-Anleitung sinnig – dies wurde jedoch bald verworfen, als es um die Feinjustierung der benötigten Sensoren ging. </a:t>
             </a:r>
           </a:p>
           <a:p>
@@ -6698,12 +6664,13 @@
             </a:pPr>
             <a:r>
               <a:rPr lang="de-DE" altLang="de-DE" sz="4800" b="1" dirty="0" smtClean="0"/>
-              <a:t>Grundlage der Zusammenarbeit: </a:t>
+              <a:t>Grundlage der Zusammenarbeit: Fließende Trennung von Hard- und </a:t>
             </a:r>
             <a:r>
               <a:rPr lang="de-DE" altLang="de-DE" sz="4800" b="1" dirty="0" smtClean="0"/>
-              <a:t>Fließende Trennung von Hard- und Softwareentwickler</a:t>
-            </a:r>
+              <a:t>Softwareentwicklern</a:t>
+            </a:r>
+            <a:endParaRPr lang="de-DE" altLang="de-DE" sz="4800" b="1" dirty="0" smtClean="0"/>
           </a:p>
           <a:p>
             <a:pPr eaLnBrk="1" hangingPunct="1">
@@ -6747,7 +6714,6 @@
               <a:rPr lang="de-DE" altLang="de-DE" sz="3600" dirty="0" smtClean="0"/>
               <a:t>, während das Software-Team keine strikte Hierarchie hat. </a:t>
             </a:r>
-            <a:endParaRPr lang="de-DE" altLang="de-DE" sz="3600" dirty="0" smtClean="0"/>
           </a:p>
           <a:p>
             <a:pPr eaLnBrk="1" hangingPunct="1">
